--- a/[FastCampus] 6주차_강의자료_김경원박사.pptx
+++ b/[FastCampus] 6주차_강의자료_김경원박사.pptx
@@ -5,31 +5,60 @@
     <p:sldMasterId id="2147483648" r:id="rId1"/>
   </p:sldMasterIdLst>
   <p:notesMasterIdLst>
-    <p:notesMasterId r:id="rId13"/>
+    <p:notesMasterId r:id="rId42"/>
   </p:notesMasterIdLst>
   <p:handoutMasterIdLst>
-    <p:handoutMasterId r:id="rId14"/>
+    <p:handoutMasterId r:id="rId43"/>
   </p:handoutMasterIdLst>
   <p:sldIdLst>
     <p:sldId id="1063" r:id="rId2"/>
-    <p:sldId id="1204" r:id="rId3"/>
-    <p:sldId id="1103" r:id="rId4"/>
-    <p:sldId id="1178" r:id="rId5"/>
-    <p:sldId id="1179" r:id="rId6"/>
-    <p:sldId id="1185" r:id="rId7"/>
-    <p:sldId id="1199" r:id="rId8"/>
-    <p:sldId id="1202" r:id="rId9"/>
-    <p:sldId id="1203" r:id="rId10"/>
-    <p:sldId id="1193" r:id="rId11"/>
-    <p:sldId id="1062" r:id="rId12"/>
+    <p:sldId id="1194" r:id="rId3"/>
+    <p:sldId id="1206" r:id="rId4"/>
+    <p:sldId id="1103" r:id="rId5"/>
+    <p:sldId id="1199" r:id="rId6"/>
+    <p:sldId id="1139" r:id="rId7"/>
+    <p:sldId id="1140" r:id="rId8"/>
+    <p:sldId id="1200" r:id="rId9"/>
+    <p:sldId id="1142" r:id="rId10"/>
+    <p:sldId id="1167" r:id="rId11"/>
+    <p:sldId id="1168" r:id="rId12"/>
+    <p:sldId id="1169" r:id="rId13"/>
+    <p:sldId id="1201" r:id="rId14"/>
+    <p:sldId id="1171" r:id="rId15"/>
+    <p:sldId id="1202" r:id="rId16"/>
+    <p:sldId id="1203" r:id="rId17"/>
+    <p:sldId id="1204" r:id="rId18"/>
+    <p:sldId id="1205" r:id="rId19"/>
+    <p:sldId id="1110" r:id="rId20"/>
+    <p:sldId id="1154" r:id="rId21"/>
+    <p:sldId id="1159" r:id="rId22"/>
+    <p:sldId id="1192" r:id="rId23"/>
+    <p:sldId id="1160" r:id="rId24"/>
+    <p:sldId id="1161" r:id="rId25"/>
+    <p:sldId id="1162" r:id="rId26"/>
+    <p:sldId id="1166" r:id="rId27"/>
+    <p:sldId id="1163" r:id="rId28"/>
+    <p:sldId id="1164" r:id="rId29"/>
+    <p:sldId id="1165" r:id="rId30"/>
+    <p:sldId id="1170" r:id="rId31"/>
+    <p:sldId id="1172" r:id="rId32"/>
+    <p:sldId id="1173" r:id="rId33"/>
+    <p:sldId id="1195" r:id="rId34"/>
+    <p:sldId id="1174" r:id="rId35"/>
+    <p:sldId id="1175" r:id="rId36"/>
+    <p:sldId id="1196" r:id="rId37"/>
+    <p:sldId id="1176" r:id="rId38"/>
+    <p:sldId id="1197" r:id="rId39"/>
+    <p:sldId id="1193" r:id="rId40"/>
+    <p:sldId id="1062" r:id="rId41"/>
   </p:sldIdLst>
   <p:sldSz cx="12160250" cy="6840538"/>
   <p:notesSz cx="9874250" cy="6797675"/>
   <p:embeddedFontLst>
     <p:embeddedFont>
       <p:font typeface="맑은 고딕" panose="020B0503020000020004" pitchFamily="50" charset="-127"/>
-      <p:regular r:id="rId15"/>
-      <p:bold r:id="rId16"/>
+      <p:regular r:id="rId44"/>
+      <p:bold r:id="rId45"/>
     </p:embeddedFont>
   </p:embeddedFontLst>
   <p:defaultTextStyle>
@@ -242,7 +271,7 @@
           <a:p>
             <a:fld id="{FC718EE8-BF93-4A17-BED5-FC99EECA5FC7}" type="datetimeFigureOut">
               <a:rPr lang="ko-KR" altLang="en-US" smtClean="0"/>
-              <a:t>2020-01-04</a:t>
+              <a:t>2020-06-08</a:t>
             </a:fld>
             <a:endParaRPr lang="ko-KR" altLang="en-US"/>
           </a:p>
@@ -407,7 +436,7 @@
           <a:p>
             <a:fld id="{6101F873-BA02-446B-9127-C4DE4310B943}" type="datetimeFigureOut">
               <a:rPr lang="ko-KR" altLang="en-US" smtClean="0"/>
-              <a:t>2020-01-04</a:t>
+              <a:t>2020-06-08</a:t>
             </a:fld>
             <a:endParaRPr lang="ko-KR" altLang="en-US"/>
           </a:p>
@@ -808,7 +837,151 @@
     </p:spTree>
     <p:extLst>
       <p:ext uri="{BB962C8B-B14F-4D97-AF65-F5344CB8AC3E}">
-        <p14:creationId xmlns:p14="http://schemas.microsoft.com/office/powerpoint/2010/main" val="315997949"/>
+        <p14:creationId xmlns:p14="http://schemas.microsoft.com/office/powerpoint/2010/main" val="1912648559"/>
+      </p:ext>
+    </p:extLst>
+  </p:cSld>
+  <p:clrMapOvr>
+    <a:masterClrMapping/>
+  </p:clrMapOvr>
+</p:notes>
+</file>
+
+<file path=ppt/notesSlides/notesSlide2.xml><?xml version="1.0" encoding="utf-8"?>
+<p:notes xmlns:a="http://schemas.openxmlformats.org/drawingml/2006/main" xmlns:r="http://schemas.openxmlformats.org/officeDocument/2006/relationships" xmlns:p="http://schemas.openxmlformats.org/presentationml/2006/main">
+  <p:cSld>
+    <p:spTree>
+      <p:nvGrpSpPr>
+        <p:cNvPr id="1" name=""/>
+        <p:cNvGrpSpPr/>
+        <p:nvPr/>
+      </p:nvGrpSpPr>
+      <p:grpSpPr>
+        <a:xfrm>
+          <a:off x="0" y="0"/>
+          <a:ext cx="0" cy="0"/>
+          <a:chOff x="0" y="0"/>
+          <a:chExt cx="0" cy="0"/>
+        </a:xfrm>
+      </p:grpSpPr>
+      <p:sp>
+        <p:nvSpPr>
+          <p:cNvPr id="2" name="슬라이드 이미지 개체 틀 1"/>
+          <p:cNvSpPr>
+            <a:spLocks noGrp="1" noRot="1" noChangeAspect="1"/>
+          </p:cNvSpPr>
+          <p:nvPr>
+            <p:ph type="sldImg"/>
+          </p:nvPr>
+        </p:nvSpPr>
+        <p:spPr/>
+      </p:sp>
+      <p:sp>
+        <p:nvSpPr>
+          <p:cNvPr id="3" name="슬라이드 노트 개체 틀 2"/>
+          <p:cNvSpPr>
+            <a:spLocks noGrp="1"/>
+          </p:cNvSpPr>
+          <p:nvPr>
+            <p:ph type="body" idx="1"/>
+          </p:nvPr>
+        </p:nvSpPr>
+        <p:spPr/>
+        <p:txBody>
+          <a:bodyPr/>
+          <a:lstStyle/>
+          <a:p>
+            <a:endParaRPr lang="ko-KR" altLang="en-US" dirty="0"/>
+          </a:p>
+        </p:txBody>
+      </p:sp>
+      <p:sp>
+        <p:nvSpPr>
+          <p:cNvPr id="4" name="슬라이드 번호 개체 틀 3"/>
+          <p:cNvSpPr>
+            <a:spLocks noGrp="1"/>
+          </p:cNvSpPr>
+          <p:nvPr>
+            <p:ph type="sldNum" sz="quarter" idx="10"/>
+          </p:nvPr>
+        </p:nvSpPr>
+        <p:spPr/>
+        <p:txBody>
+          <a:bodyPr/>
+          <a:lstStyle/>
+          <a:p>
+            <a:pPr marL="0" marR="0" lvl="0" indent="0" algn="r" defTabSz="1107796" rtl="0" eaLnBrk="1" fontAlgn="auto" latinLnBrk="1" hangingPunct="1">
+              <a:lnSpc>
+                <a:spcPct val="100000"/>
+              </a:lnSpc>
+              <a:spcBef>
+                <a:spcPts val="0"/>
+              </a:spcBef>
+              <a:spcAft>
+                <a:spcPts val="0"/>
+              </a:spcAft>
+              <a:buClrTx/>
+              <a:buSzTx/>
+              <a:buFontTx/>
+              <a:buNone/>
+              <a:tabLst/>
+              <a:defRPr/>
+            </a:pPr>
+            <a:fld id="{C191BC67-C438-4515-9D3F-F10D40F1354A}" type="slidenum">
+              <a:rPr kumimoji="0" lang="ko-KR" altLang="en-US" sz="1200" b="0" i="0" u="none" strike="noStrike" kern="1200" cap="none" spc="0" normalizeH="0" baseline="0" noProof="0" smtClean="0">
+                <a:ln>
+                  <a:noFill/>
+                </a:ln>
+                <a:solidFill>
+                  <a:prstClr val="black"/>
+                </a:solidFill>
+                <a:effectLst/>
+                <a:uLnTx/>
+                <a:uFillTx/>
+                <a:latin typeface="맑은 고딕"/>
+                <a:ea typeface="맑은 고딕" panose="020B0503020000020004" pitchFamily="50" charset="-127"/>
+                <a:cs typeface="+mn-cs"/>
+              </a:rPr>
+              <a:pPr marL="0" marR="0" lvl="0" indent="0" algn="r" defTabSz="1107796" rtl="0" eaLnBrk="1" fontAlgn="auto" latinLnBrk="1" hangingPunct="1">
+                <a:lnSpc>
+                  <a:spcPct val="100000"/>
+                </a:lnSpc>
+                <a:spcBef>
+                  <a:spcPts val="0"/>
+                </a:spcBef>
+                <a:spcAft>
+                  <a:spcPts val="0"/>
+                </a:spcAft>
+                <a:buClrTx/>
+                <a:buSzTx/>
+                <a:buFontTx/>
+                <a:buNone/>
+                <a:tabLst/>
+                <a:defRPr/>
+              </a:pPr>
+              <a:t>3</a:t>
+            </a:fld>
+            <a:endParaRPr kumimoji="0" lang="ko-KR" altLang="en-US" sz="1200" b="0" i="0" u="none" strike="noStrike" kern="1200" cap="none" spc="0" normalizeH="0" baseline="0" noProof="0">
+              <a:ln>
+                <a:noFill/>
+              </a:ln>
+              <a:solidFill>
+                <a:prstClr val="black"/>
+              </a:solidFill>
+              <a:effectLst/>
+              <a:uLnTx/>
+              <a:uFillTx/>
+              <a:latin typeface="맑은 고딕"/>
+              <a:ea typeface="맑은 고딕" panose="020B0503020000020004" pitchFamily="50" charset="-127"/>
+              <a:cs typeface="+mn-cs"/>
+            </a:endParaRPr>
+          </a:p>
+        </p:txBody>
+      </p:sp>
+    </p:spTree>
+    <p:extLst>
+      <p:ext uri="{BB962C8B-B14F-4D97-AF65-F5344CB8AC3E}">
+        <p14:creationId xmlns:p14="http://schemas.microsoft.com/office/powerpoint/2010/main" val="2565135935"/>
       </p:ext>
     </p:extLst>
   </p:cSld>
@@ -997,7 +1170,7 @@
           <a:p>
             <a:fld id="{89B5E594-86C5-4F1D-8812-38DF40064943}" type="datetime1">
               <a:rPr lang="ko-KR" altLang="en-US" smtClean="0"/>
-              <a:t>2020-01-04</a:t>
+              <a:t>2020-06-08</a:t>
             </a:fld>
             <a:endParaRPr lang="ko-KR" altLang="en-US"/>
           </a:p>
@@ -1205,7 +1378,7 @@
           <a:p>
             <a:fld id="{05C0B17C-522D-4CD8-8139-01EDEBAB2AF6}" type="datetime1">
               <a:rPr lang="ko-KR" altLang="en-US" smtClean="0"/>
-              <a:t>2020-01-04</a:t>
+              <a:t>2020-06-08</a:t>
             </a:fld>
             <a:endParaRPr lang="ko-KR" altLang="en-US"/>
           </a:p>
@@ -1383,7 +1556,7 @@
           <a:p>
             <a:fld id="{7345261C-38F3-40E7-AAA6-CE27B727AA65}" type="datetime1">
               <a:rPr lang="ko-KR" altLang="en-US" smtClean="0"/>
-              <a:t>2020-01-04</a:t>
+              <a:t>2020-06-08</a:t>
             </a:fld>
             <a:endParaRPr lang="ko-KR" altLang="en-US"/>
           </a:p>
@@ -1551,7 +1724,7 @@
           <a:p>
             <a:fld id="{A8472951-AD8C-47B8-8787-30E2F4BFA1EA}" type="datetime1">
               <a:rPr lang="ko-KR" altLang="en-US" smtClean="0"/>
-              <a:t>2020-01-04</a:t>
+              <a:t>2020-06-08</a:t>
             </a:fld>
             <a:endParaRPr lang="ko-KR" altLang="en-US"/>
           </a:p>
@@ -1806,7 +1979,7 @@
           <a:p>
             <a:fld id="{8BCB1BBF-13D1-46E6-8B8B-C9F26A0BAD91}" type="datetime1">
               <a:rPr lang="ko-KR" altLang="en-US" smtClean="0"/>
-              <a:t>2020-01-04</a:t>
+              <a:t>2020-06-08</a:t>
             </a:fld>
             <a:endParaRPr lang="ko-KR" altLang="en-US"/>
           </a:p>
@@ -2091,7 +2264,7 @@
           <a:p>
             <a:fld id="{B16FDC3D-FD6A-49DF-B101-11717D57279F}" type="datetime1">
               <a:rPr lang="ko-KR" altLang="en-US" smtClean="0"/>
-              <a:t>2020-01-04</a:t>
+              <a:t>2020-06-08</a:t>
             </a:fld>
             <a:endParaRPr lang="ko-KR" altLang="en-US"/>
           </a:p>
@@ -2510,7 +2683,7 @@
           <a:p>
             <a:fld id="{42D411A2-FD90-4A19-98A8-25197A66BC26}" type="datetime1">
               <a:rPr lang="ko-KR" altLang="en-US" smtClean="0"/>
-              <a:t>2020-01-04</a:t>
+              <a:t>2020-06-08</a:t>
             </a:fld>
             <a:endParaRPr lang="ko-KR" altLang="en-US"/>
           </a:p>
@@ -2627,7 +2800,7 @@
           <a:p>
             <a:fld id="{F6E6B532-6471-449A-9A2F-4428556C2F98}" type="datetime1">
               <a:rPr lang="ko-KR" altLang="en-US" smtClean="0"/>
-              <a:t>2020-01-04</a:t>
+              <a:t>2020-06-08</a:t>
             </a:fld>
             <a:endParaRPr lang="ko-KR" altLang="en-US"/>
           </a:p>
@@ -2722,7 +2895,7 @@
           <a:p>
             <a:fld id="{45A9E13B-856D-4562-A86D-A2B6F7BF810F}" type="datetime1">
               <a:rPr lang="ko-KR" altLang="en-US" smtClean="0"/>
-              <a:t>2020-01-04</a:t>
+              <a:t>2020-06-08</a:t>
             </a:fld>
             <a:endParaRPr lang="ko-KR" altLang="en-US"/>
           </a:p>
@@ -2997,7 +3170,7 @@
           <a:p>
             <a:fld id="{A672FB3A-7E9E-4380-9381-6FCA87FBB41A}" type="datetime1">
               <a:rPr lang="ko-KR" altLang="en-US" smtClean="0"/>
-              <a:t>2020-01-04</a:t>
+              <a:t>2020-06-08</a:t>
             </a:fld>
             <a:endParaRPr lang="ko-KR" altLang="en-US"/>
           </a:p>
@@ -3249,7 +3422,7 @@
           <a:p>
             <a:fld id="{3948CCBA-1514-4E9E-888A-807450F810B0}" type="datetime1">
               <a:rPr lang="ko-KR" altLang="en-US" smtClean="0"/>
-              <a:t>2020-01-04</a:t>
+              <a:t>2020-06-08</a:t>
             </a:fld>
             <a:endParaRPr lang="ko-KR" altLang="en-US"/>
           </a:p>
@@ -3462,7 +3635,7 @@
           <a:p>
             <a:fld id="{170EDEE7-370E-499F-B978-ABF387098974}" type="datetime1">
               <a:rPr lang="ko-KR" altLang="en-US" smtClean="0"/>
-              <a:t>2020-01-04</a:t>
+              <a:t>2020-06-08</a:t>
             </a:fld>
             <a:endParaRPr lang="ko-KR" altLang="en-US" dirty="0"/>
           </a:p>
@@ -3881,7 +4054,7 @@
           <p:cNvPr id="5" name="TextBox 4">
             <a:extLst>
               <a:ext uri="{FF2B5EF4-FFF2-40B4-BE49-F238E27FC236}">
-                <a16:creationId xmlns:a16="http://schemas.microsoft.com/office/drawing/2014/main" id="{D9350294-B0E9-4431-B676-87CC33462B17}"/>
+                <a16:creationId xmlns:a16="http://schemas.microsoft.com/office/drawing/2014/main" id="{ABD4897A-49FE-4020-9B67-C0FCA4D1C454}"/>
               </a:ext>
             </a:extLst>
           </p:cNvPr>
@@ -4003,7 +4176,7 @@
           <p:cNvPr id="6" name="TextBox 5">
             <a:extLst>
               <a:ext uri="{FF2B5EF4-FFF2-40B4-BE49-F238E27FC236}">
-                <a16:creationId xmlns:a16="http://schemas.microsoft.com/office/drawing/2014/main" id="{71D975CD-8ACC-45CF-BB92-7BD42E23306F}"/>
+                <a16:creationId xmlns:a16="http://schemas.microsoft.com/office/drawing/2014/main" id="{651790B3-4D5C-493A-ACA3-D324A6884F23}"/>
               </a:ext>
             </a:extLst>
           </p:cNvPr>
@@ -4086,19 +4259,19 @@
         </p:nvSpPr>
         <p:spPr>
           <a:xfrm>
-            <a:off x="608012" y="2700189"/>
+            <a:off x="608012" y="539949"/>
             <a:ext cx="10944225" cy="1140090"/>
           </a:xfrm>
         </p:spPr>
         <p:txBody>
           <a:bodyPr>
-            <a:noAutofit/>
+            <a:normAutofit/>
           </a:bodyPr>
           <a:lstStyle/>
           <a:p>
             <a:pPr algn="l"/>
             <a:r>
-              <a:rPr lang="en-US" altLang="ko-KR" sz="4000" b="1" dirty="0">
+              <a:rPr lang="en-US" altLang="ko-KR" sz="4400" dirty="0">
                 <a:solidFill>
                   <a:schemeClr val="tx1">
                     <a:lumMod val="75000"/>
@@ -4108,10 +4281,10 @@
                 <a:latin typeface="Noto Sans CJK KR Black" pitchFamily="34" charset="-127"/>
                 <a:ea typeface="Noto Sans CJK KR Black" pitchFamily="34" charset="-127"/>
               </a:rPr>
-              <a:t>&lt;Quiz&gt;</a:t>
-            </a:r>
-            <a:br>
-              <a:rPr lang="en-US" altLang="ko-KR" sz="3200" dirty="0">
+              <a:t>4. </a:t>
+            </a:r>
+            <a:r>
+              <a:rPr lang="ko-KR" altLang="en-US" sz="4400" dirty="0">
                 <a:solidFill>
                   <a:schemeClr val="tx1">
                     <a:lumMod val="75000"/>
@@ -4121,260 +4294,9 @@
                 <a:latin typeface="Noto Sans CJK KR Black" pitchFamily="34" charset="-127"/>
                 <a:ea typeface="Noto Sans CJK KR Black" pitchFamily="34" charset="-127"/>
               </a:rPr>
-            </a:br>
-            <a:br>
-              <a:rPr lang="en-US" altLang="ko-KR" sz="3200" dirty="0">
-                <a:solidFill>
-                  <a:schemeClr val="tx1">
-                    <a:lumMod val="75000"/>
-                    <a:lumOff val="25000"/>
-                  </a:schemeClr>
-                </a:solidFill>
-                <a:latin typeface="Noto Sans CJK KR Black" pitchFamily="34" charset="-127"/>
-                <a:ea typeface="Noto Sans CJK KR Black" pitchFamily="34" charset="-127"/>
-              </a:rPr>
-            </a:br>
-            <a:r>
-              <a:rPr lang="en-US" altLang="ko-KR" sz="2400" dirty="0">
-                <a:solidFill>
-                  <a:schemeClr val="tx1">
-                    <a:lumMod val="75000"/>
-                    <a:lumOff val="25000"/>
-                  </a:schemeClr>
-                </a:solidFill>
-                <a:latin typeface="Noto Sans CJK KR Black" pitchFamily="34" charset="-127"/>
-                <a:ea typeface="Noto Sans CJK KR Black" pitchFamily="34" charset="-127"/>
-              </a:rPr>
-              <a:t>1. </a:t>
-            </a:r>
-            <a:r>
-              <a:rPr lang="ko-KR" altLang="en-US" sz="2400" dirty="0">
-                <a:solidFill>
-                  <a:schemeClr val="tx1">
-                    <a:lumMod val="75000"/>
-                    <a:lumOff val="25000"/>
-                  </a:schemeClr>
-                </a:solidFill>
-                <a:latin typeface="Noto Sans CJK KR Black" pitchFamily="34" charset="-127"/>
-                <a:ea typeface="Noto Sans CJK KR Black" pitchFamily="34" charset="-127"/>
-              </a:rPr>
-              <a:t>비정상 데이터를 정상으로 변환하는 방법론을 최소 </a:t>
-            </a:r>
-            <a:r>
-              <a:rPr lang="en-US" altLang="ko-KR" sz="2400" dirty="0">
-                <a:solidFill>
-                  <a:schemeClr val="tx1">
-                    <a:lumMod val="75000"/>
-                    <a:lumOff val="25000"/>
-                  </a:schemeClr>
-                </a:solidFill>
-                <a:latin typeface="Noto Sans CJK KR Black" pitchFamily="34" charset="-127"/>
-                <a:ea typeface="Noto Sans CJK KR Black" pitchFamily="34" charset="-127"/>
-              </a:rPr>
-              <a:t>3</a:t>
-            </a:r>
-            <a:r>
-              <a:rPr lang="ko-KR" altLang="en-US" sz="2400" dirty="0">
-                <a:solidFill>
-                  <a:schemeClr val="tx1">
-                    <a:lumMod val="75000"/>
-                    <a:lumOff val="25000"/>
-                  </a:schemeClr>
-                </a:solidFill>
-                <a:latin typeface="Noto Sans CJK KR Black" pitchFamily="34" charset="-127"/>
-                <a:ea typeface="Noto Sans CJK KR Black" pitchFamily="34" charset="-127"/>
-              </a:rPr>
-              <a:t>가지 설명하라</a:t>
-            </a:r>
-            <a:r>
-              <a:rPr lang="en-US" altLang="ko-KR" sz="2400" dirty="0">
-                <a:solidFill>
-                  <a:schemeClr val="tx1">
-                    <a:lumMod val="75000"/>
-                    <a:lumOff val="25000"/>
-                  </a:schemeClr>
-                </a:solidFill>
-                <a:latin typeface="Noto Sans CJK KR Black" pitchFamily="34" charset="-127"/>
-                <a:ea typeface="Noto Sans CJK KR Black" pitchFamily="34" charset="-127"/>
-              </a:rPr>
-              <a:t>.</a:t>
-            </a:r>
-            <a:br>
-              <a:rPr lang="en-US" altLang="ko-KR" sz="2400" dirty="0">
-                <a:solidFill>
-                  <a:schemeClr val="tx1">
-                    <a:lumMod val="75000"/>
-                    <a:lumOff val="25000"/>
-                  </a:schemeClr>
-                </a:solidFill>
-                <a:latin typeface="Noto Sans CJK KR Black" pitchFamily="34" charset="-127"/>
-                <a:ea typeface="Noto Sans CJK KR Black" pitchFamily="34" charset="-127"/>
-              </a:rPr>
-            </a:br>
-            <a:br>
-              <a:rPr lang="en-US" altLang="ko-KR" sz="2400" dirty="0">
-                <a:solidFill>
-                  <a:schemeClr val="tx1">
-                    <a:lumMod val="75000"/>
-                    <a:lumOff val="25000"/>
-                  </a:schemeClr>
-                </a:solidFill>
-                <a:latin typeface="Noto Sans CJK KR Black" pitchFamily="34" charset="-127"/>
-                <a:ea typeface="Noto Sans CJK KR Black" pitchFamily="34" charset="-127"/>
-              </a:rPr>
-            </a:br>
-            <a:br>
-              <a:rPr lang="en-US" altLang="ko-KR" sz="2400" dirty="0">
-                <a:solidFill>
-                  <a:schemeClr val="tx1">
-                    <a:lumMod val="75000"/>
-                    <a:lumOff val="25000"/>
-                  </a:schemeClr>
-                </a:solidFill>
-                <a:latin typeface="Noto Sans CJK KR Black" pitchFamily="34" charset="-127"/>
-                <a:ea typeface="Noto Sans CJK KR Black" pitchFamily="34" charset="-127"/>
-              </a:rPr>
-            </a:br>
-            <a:br>
-              <a:rPr lang="en-US" altLang="ko-KR" sz="2400" dirty="0">
-                <a:solidFill>
-                  <a:schemeClr val="tx1">
-                    <a:lumMod val="75000"/>
-                    <a:lumOff val="25000"/>
-                  </a:schemeClr>
-                </a:solidFill>
-                <a:latin typeface="Noto Sans CJK KR Black" pitchFamily="34" charset="-127"/>
-                <a:ea typeface="Noto Sans CJK KR Black" pitchFamily="34" charset="-127"/>
-              </a:rPr>
-            </a:br>
-            <a:r>
-              <a:rPr lang="en-US" altLang="ko-KR" sz="2400" dirty="0">
-                <a:solidFill>
-                  <a:schemeClr val="tx1">
-                    <a:lumMod val="75000"/>
-                    <a:lumOff val="25000"/>
-                  </a:schemeClr>
-                </a:solidFill>
-                <a:latin typeface="Noto Sans CJK KR Black" pitchFamily="34" charset="-127"/>
-                <a:ea typeface="Noto Sans CJK KR Black" pitchFamily="34" charset="-127"/>
-              </a:rPr>
-              <a:t>2. "d=1"</a:t>
-            </a:r>
-            <a:r>
-              <a:rPr lang="ko-KR" altLang="en-US" sz="2400" dirty="0" err="1">
-                <a:solidFill>
-                  <a:schemeClr val="tx1">
-                    <a:lumMod val="75000"/>
-                    <a:lumOff val="25000"/>
-                  </a:schemeClr>
-                </a:solidFill>
-                <a:latin typeface="Noto Sans CJK KR Black" pitchFamily="34" charset="-127"/>
-                <a:ea typeface="Noto Sans CJK KR Black" pitchFamily="34" charset="-127"/>
-              </a:rPr>
-              <a:t>일때와</a:t>
-            </a:r>
-            <a:r>
-              <a:rPr lang="ko-KR" altLang="en-US" sz="2400" dirty="0">
-                <a:solidFill>
-                  <a:schemeClr val="tx1">
-                    <a:lumMod val="75000"/>
-                    <a:lumOff val="25000"/>
-                  </a:schemeClr>
-                </a:solidFill>
-                <a:latin typeface="Noto Sans CJK KR Black" pitchFamily="34" charset="-127"/>
-                <a:ea typeface="Noto Sans CJK KR Black" pitchFamily="34" charset="-127"/>
-              </a:rPr>
-              <a:t> </a:t>
-            </a:r>
-            <a:r>
-              <a:rPr lang="en-US" altLang="ko-KR" sz="2400" dirty="0">
-                <a:solidFill>
-                  <a:schemeClr val="tx1">
-                    <a:lumMod val="75000"/>
-                    <a:lumOff val="25000"/>
-                  </a:schemeClr>
-                </a:solidFill>
-                <a:latin typeface="Noto Sans CJK KR Black" pitchFamily="34" charset="-127"/>
-                <a:ea typeface="Noto Sans CJK KR Black" pitchFamily="34" charset="-127"/>
-              </a:rPr>
-              <a:t>"d=2"</a:t>
-            </a:r>
-            <a:r>
-              <a:rPr lang="ko-KR" altLang="en-US" sz="2400" dirty="0" err="1">
-                <a:solidFill>
-                  <a:schemeClr val="tx1">
-                    <a:lumMod val="75000"/>
-                    <a:lumOff val="25000"/>
-                  </a:schemeClr>
-                </a:solidFill>
-                <a:latin typeface="Noto Sans CJK KR Black" pitchFamily="34" charset="-127"/>
-                <a:ea typeface="Noto Sans CJK KR Black" pitchFamily="34" charset="-127"/>
-              </a:rPr>
-              <a:t>일때의</a:t>
-            </a:r>
-            <a:r>
-              <a:rPr lang="ko-KR" altLang="en-US" sz="2400" dirty="0">
-                <a:solidFill>
-                  <a:schemeClr val="tx1">
-                    <a:lumMod val="75000"/>
-                    <a:lumOff val="25000"/>
-                  </a:schemeClr>
-                </a:solidFill>
-                <a:latin typeface="Noto Sans CJK KR Black" pitchFamily="34" charset="-127"/>
-                <a:ea typeface="Noto Sans CJK KR Black" pitchFamily="34" charset="-127"/>
-              </a:rPr>
-              <a:t> 계절성제거 수식과 추세제거 수식의 차이를 설명하라</a:t>
-            </a:r>
-            <a:r>
-              <a:rPr lang="en-US" altLang="ko-KR" sz="2400" dirty="0">
-                <a:solidFill>
-                  <a:schemeClr val="tx1">
-                    <a:lumMod val="75000"/>
-                    <a:lumOff val="25000"/>
-                  </a:schemeClr>
-                </a:solidFill>
-                <a:latin typeface="Noto Sans CJK KR Black" pitchFamily="34" charset="-127"/>
-                <a:ea typeface="Noto Sans CJK KR Black" pitchFamily="34" charset="-127"/>
-              </a:rPr>
-              <a:t>.</a:t>
-            </a:r>
-            <a:br>
-              <a:rPr lang="en-US" altLang="ko-KR" sz="2400" dirty="0">
-                <a:solidFill>
-                  <a:schemeClr val="tx1">
-                    <a:lumMod val="75000"/>
-                    <a:lumOff val="25000"/>
-                  </a:schemeClr>
-                </a:solidFill>
-                <a:latin typeface="Noto Sans CJK KR Black" pitchFamily="34" charset="-127"/>
-                <a:ea typeface="Noto Sans CJK KR Black" pitchFamily="34" charset="-127"/>
-              </a:rPr>
-            </a:br>
-            <a:br>
-              <a:rPr lang="en-US" altLang="ko-KR" sz="2400" dirty="0">
-                <a:solidFill>
-                  <a:schemeClr val="tx1">
-                    <a:lumMod val="75000"/>
-                    <a:lumOff val="25000"/>
-                  </a:schemeClr>
-                </a:solidFill>
-                <a:latin typeface="Noto Sans CJK KR Black" pitchFamily="34" charset="-127"/>
-                <a:ea typeface="Noto Sans CJK KR Black" pitchFamily="34" charset="-127"/>
-              </a:rPr>
-            </a:br>
-            <a:br>
-              <a:rPr lang="en-US" altLang="ko-KR" sz="2400" dirty="0">
-                <a:solidFill>
-                  <a:schemeClr val="tx1">
-                    <a:lumMod val="75000"/>
-                    <a:lumOff val="25000"/>
-                  </a:schemeClr>
-                </a:solidFill>
-                <a:latin typeface="Noto Sans CJK KR Black" pitchFamily="34" charset="-127"/>
-                <a:ea typeface="Noto Sans CJK KR Black" pitchFamily="34" charset="-127"/>
-              </a:rPr>
-            </a:br>
-            <a:endParaRPr lang="ko-KR" altLang="en-US" sz="3200" dirty="0">
+              <a:t>시계열 분석</a:t>
+            </a:r>
+            <a:endParaRPr lang="ko-KR" altLang="en-US" sz="4400" dirty="0">
               <a:solidFill>
                 <a:schemeClr val="tx1">
                   <a:lumMod val="75000"/>
@@ -4409,10 +4331,40 @@
           </a:p>
         </p:txBody>
       </p:sp>
+      <p:pic>
+        <p:nvPicPr>
+          <p:cNvPr id="2" name="그림 1">
+            <a:extLst>
+              <a:ext uri="{FF2B5EF4-FFF2-40B4-BE49-F238E27FC236}">
+                <a16:creationId xmlns:a16="http://schemas.microsoft.com/office/drawing/2014/main" id="{6F417F2B-D51A-45E4-B360-079364D361B1}"/>
+              </a:ext>
+            </a:extLst>
+          </p:cNvPr>
+          <p:cNvPicPr>
+            <a:picLocks noChangeAspect="1"/>
+          </p:cNvPicPr>
+          <p:nvPr/>
+        </p:nvPicPr>
+        <p:blipFill>
+          <a:blip r:embed="rId2"/>
+          <a:stretch>
+            <a:fillRect/>
+          </a:stretch>
+        </p:blipFill>
+        <p:spPr>
+          <a:xfrm>
+            <a:off x="2179636" y="1968918"/>
+            <a:ext cx="7800975" cy="4114800"/>
+          </a:xfrm>
+          <a:prstGeom prst="rect">
+            <a:avLst/>
+          </a:prstGeom>
+        </p:spPr>
+      </p:pic>
     </p:spTree>
     <p:extLst>
       <p:ext uri="{BB962C8B-B14F-4D97-AF65-F5344CB8AC3E}">
-        <p14:creationId xmlns:p14="http://schemas.microsoft.com/office/powerpoint/2010/main" val="1865954392"/>
+        <p14:creationId xmlns:p14="http://schemas.microsoft.com/office/powerpoint/2010/main" val="2232289934"/>
       </p:ext>
     </p:extLst>
   </p:cSld>
@@ -4441,164 +4393,1299 @@
       </p:grpSpPr>
       <p:sp>
         <p:nvSpPr>
-          <p:cNvPr id="6" name="직사각형 5"/>
-          <p:cNvSpPr/>
-          <p:nvPr/>
-        </p:nvSpPr>
-        <p:spPr>
-          <a:xfrm>
-            <a:off x="0" y="0"/>
-            <a:ext cx="12160250" cy="6840538"/>
-          </a:xfrm>
-          <a:prstGeom prst="rect">
-            <a:avLst/>
-          </a:prstGeom>
-          <a:solidFill>
-            <a:schemeClr val="bg1">
-              <a:lumMod val="95000"/>
-            </a:schemeClr>
-          </a:solidFill>
-          <a:ln>
-            <a:noFill/>
-          </a:ln>
-          <a:effectLst/>
-        </p:spPr>
-        <p:style>
-          <a:lnRef idx="2">
-            <a:schemeClr val="accent1">
-              <a:shade val="50000"/>
-            </a:schemeClr>
-          </a:lnRef>
-          <a:fillRef idx="1">
-            <a:schemeClr val="accent1"/>
-          </a:fillRef>
-          <a:effectRef idx="0">
-            <a:schemeClr val="accent1"/>
-          </a:effectRef>
-          <a:fontRef idx="minor">
-            <a:schemeClr val="lt1"/>
-          </a:fontRef>
-        </p:style>
-        <p:txBody>
-          <a:bodyPr rtlCol="0" anchor="ctr"/>
-          <a:lstStyle/>
-          <a:p>
-            <a:pPr algn="ctr"/>
-            <a:endParaRPr lang="ko-KR" altLang="en-US"/>
-          </a:p>
-        </p:txBody>
-      </p:sp>
-      <p:sp>
-        <p:nvSpPr>
-          <p:cNvPr id="4" name="TextBox 3"/>
-          <p:cNvSpPr txBox="1"/>
-          <p:nvPr/>
-        </p:nvSpPr>
-        <p:spPr>
-          <a:xfrm>
-            <a:off x="535509" y="2673109"/>
-            <a:ext cx="10131075" cy="1035192"/>
-          </a:xfrm>
-          <a:prstGeom prst="rect">
-            <a:avLst/>
-          </a:prstGeom>
-          <a:noFill/>
-        </p:spPr>
-        <p:txBody>
-          <a:bodyPr wrap="square" lIns="110780" tIns="55390" rIns="110780" bIns="55390" rtlCol="0">
-            <a:spAutoFit/>
+          <p:cNvPr id="5" name="제목 4"/>
+          <p:cNvSpPr>
+            <a:spLocks noGrp="1"/>
+          </p:cNvSpPr>
+          <p:nvPr>
+            <p:ph type="title"/>
+          </p:nvPr>
+        </p:nvSpPr>
+        <p:spPr>
+          <a:xfrm>
+            <a:off x="608012" y="539949"/>
+            <a:ext cx="10944225" cy="1140090"/>
+          </a:xfrm>
+        </p:spPr>
+        <p:txBody>
+          <a:bodyPr>
+            <a:normAutofit/>
           </a:bodyPr>
           <a:lstStyle/>
           <a:p>
-            <a:r>
-              <a:rPr lang="ko-KR" altLang="en-US" sz="6000" dirty="0">
-                <a:latin typeface="Noto Sans CJK KR Black" panose="020B0A00000000000000" pitchFamily="34" charset="-127"/>
-                <a:ea typeface="Noto Sans CJK KR Black" panose="020B0A00000000000000" pitchFamily="34" charset="-127"/>
-              </a:rPr>
-              <a:t>감사합니다</a:t>
-            </a:r>
-            <a:r>
-              <a:rPr lang="en-US" altLang="ko-KR" sz="6000" dirty="0">
-                <a:latin typeface="Noto Sans CJK KR Black" panose="020B0A00000000000000" pitchFamily="34" charset="-127"/>
-                <a:ea typeface="Noto Sans CJK KR Black" panose="020B0A00000000000000" pitchFamily="34" charset="-127"/>
-              </a:rPr>
-              <a:t>.</a:t>
-            </a:r>
-          </a:p>
-        </p:txBody>
-      </p:sp>
-      <p:cxnSp>
-        <p:nvCxnSpPr>
-          <p:cNvPr id="9" name="직선 연결선 8"/>
-          <p:cNvCxnSpPr/>
-          <p:nvPr/>
-        </p:nvCxnSpPr>
-        <p:spPr>
-          <a:xfrm>
-            <a:off x="4495949" y="3105157"/>
-            <a:ext cx="6172413" cy="0"/>
-          </a:xfrm>
-          <a:prstGeom prst="line">
-            <a:avLst/>
-          </a:prstGeom>
-          <a:ln w="3175">
-            <a:solidFill>
-              <a:srgbClr val="F2224D"/>
-            </a:solidFill>
-          </a:ln>
-        </p:spPr>
-        <p:style>
-          <a:lnRef idx="1">
-            <a:schemeClr val="accent1"/>
-          </a:lnRef>
-          <a:fillRef idx="0">
-            <a:schemeClr val="accent1"/>
-          </a:fillRef>
-          <a:effectRef idx="0">
-            <a:schemeClr val="accent1"/>
-          </a:effectRef>
-          <a:fontRef idx="minor">
-            <a:schemeClr val="tx1"/>
-          </a:fontRef>
-        </p:style>
-      </p:cxnSp>
+            <a:pPr algn="l"/>
+            <a:r>
+              <a:rPr lang="en-US" altLang="ko-KR" sz="4400" dirty="0">
+                <a:solidFill>
+                  <a:schemeClr val="tx1">
+                    <a:lumMod val="75000"/>
+                    <a:lumOff val="25000"/>
+                  </a:schemeClr>
+                </a:solidFill>
+                <a:latin typeface="Noto Sans CJK KR Black" pitchFamily="34" charset="-127"/>
+                <a:ea typeface="Noto Sans CJK KR Black" pitchFamily="34" charset="-127"/>
+              </a:rPr>
+              <a:t>4. </a:t>
+            </a:r>
+            <a:r>
+              <a:rPr lang="ko-KR" altLang="en-US" sz="4400" dirty="0">
+                <a:solidFill>
+                  <a:schemeClr val="tx1">
+                    <a:lumMod val="75000"/>
+                    <a:lumOff val="25000"/>
+                  </a:schemeClr>
+                </a:solidFill>
+                <a:latin typeface="Noto Sans CJK KR Black" pitchFamily="34" charset="-127"/>
+                <a:ea typeface="Noto Sans CJK KR Black" pitchFamily="34" charset="-127"/>
+              </a:rPr>
+              <a:t>시계열 분석</a:t>
+            </a:r>
+            <a:endParaRPr lang="ko-KR" altLang="en-US" sz="4400" dirty="0">
+              <a:solidFill>
+                <a:schemeClr val="tx1">
+                  <a:lumMod val="75000"/>
+                  <a:lumOff val="25000"/>
+                </a:schemeClr>
+              </a:solidFill>
+            </a:endParaRPr>
+          </a:p>
+        </p:txBody>
+      </p:sp>
+      <p:sp>
+        <p:nvSpPr>
+          <p:cNvPr id="3" name="슬라이드 번호 개체 틀 2"/>
+          <p:cNvSpPr>
+            <a:spLocks noGrp="1"/>
+          </p:cNvSpPr>
+          <p:nvPr>
+            <p:ph type="sldNum" sz="quarter" idx="12"/>
+          </p:nvPr>
+        </p:nvSpPr>
+        <p:spPr/>
+        <p:txBody>
+          <a:bodyPr/>
+          <a:lstStyle/>
+          <a:p>
+            <a:fld id="{6DDAE2C3-1A0B-474A-8CE8-AE55B8D9D4B1}" type="slidenum">
+              <a:rPr lang="ko-KR" altLang="en-US" smtClean="0"/>
+              <a:pPr/>
+              <a:t>11</a:t>
+            </a:fld>
+            <a:endParaRPr lang="ko-KR" altLang="en-US" dirty="0"/>
+          </a:p>
+        </p:txBody>
+      </p:sp>
       <p:pic>
         <p:nvPicPr>
-          <p:cNvPr id="8" name="그림 7" descr="C:\Users\user\Downloads\logo-02.png"/>
-          <p:cNvPicPr/>
+          <p:cNvPr id="2" name="그림 1">
+            <a:extLst>
+              <a:ext uri="{FF2B5EF4-FFF2-40B4-BE49-F238E27FC236}">
+                <a16:creationId xmlns:a16="http://schemas.microsoft.com/office/drawing/2014/main" id="{99063E02-5049-488F-B59C-27DDF9D176D2}"/>
+              </a:ext>
+            </a:extLst>
+          </p:cNvPr>
+          <p:cNvPicPr>
+            <a:picLocks noChangeAspect="1"/>
+          </p:cNvPicPr>
           <p:nvPr/>
         </p:nvPicPr>
         <p:blipFill>
-          <a:blip r:embed="rId2" cstate="print">
-            <a:extLst>
-              <a:ext uri="{28A0092B-C50C-407E-A947-70E740481C1C}">
-                <a14:useLocalDpi xmlns:a14="http://schemas.microsoft.com/office/drawing/2010/main" val="0"/>
-              </a:ext>
-            </a:extLst>
-          </a:blip>
-          <a:srcRect/>
+          <a:blip r:embed="rId2"/>
           <a:stretch>
             <a:fillRect/>
           </a:stretch>
         </p:blipFill>
-        <p:spPr bwMode="auto">
-          <a:xfrm>
-            <a:off x="8450062" y="2799278"/>
-            <a:ext cx="2216522" cy="332959"/>
+        <p:spPr>
+          <a:xfrm>
+            <a:off x="1865311" y="1897481"/>
+            <a:ext cx="8429625" cy="4257675"/>
           </a:xfrm>
           <a:prstGeom prst="rect">
             <a:avLst/>
           </a:prstGeom>
-          <a:noFill/>
-          <a:ln>
-            <a:noFill/>
-          </a:ln>
         </p:spPr>
       </p:pic>
     </p:spTree>
     <p:extLst>
       <p:ext uri="{BB962C8B-B14F-4D97-AF65-F5344CB8AC3E}">
-        <p14:creationId xmlns:p14="http://schemas.microsoft.com/office/powerpoint/2010/main" val="3523919720"/>
+        <p14:creationId xmlns:p14="http://schemas.microsoft.com/office/powerpoint/2010/main" val="3890402221"/>
+      </p:ext>
+    </p:extLst>
+  </p:cSld>
+  <p:clrMapOvr>
+    <a:masterClrMapping/>
+  </p:clrMapOvr>
+</p:sld>
+</file>
+
+<file path=ppt/slides/slide12.xml><?xml version="1.0" encoding="utf-8"?>
+<p:sld xmlns:a="http://schemas.openxmlformats.org/drawingml/2006/main" xmlns:r="http://schemas.openxmlformats.org/officeDocument/2006/relationships" xmlns:p="http://schemas.openxmlformats.org/presentationml/2006/main">
+  <p:cSld>
+    <p:spTree>
+      <p:nvGrpSpPr>
+        <p:cNvPr id="1" name=""/>
+        <p:cNvGrpSpPr/>
+        <p:nvPr/>
+      </p:nvGrpSpPr>
+      <p:grpSpPr>
+        <a:xfrm>
+          <a:off x="0" y="0"/>
+          <a:ext cx="0" cy="0"/>
+          <a:chOff x="0" y="0"/>
+          <a:chExt cx="0" cy="0"/>
+        </a:xfrm>
+      </p:grpSpPr>
+      <p:sp>
+        <p:nvSpPr>
+          <p:cNvPr id="5" name="제목 4"/>
+          <p:cNvSpPr>
+            <a:spLocks noGrp="1"/>
+          </p:cNvSpPr>
+          <p:nvPr>
+            <p:ph type="title"/>
+          </p:nvPr>
+        </p:nvSpPr>
+        <p:spPr>
+          <a:xfrm>
+            <a:off x="608012" y="539949"/>
+            <a:ext cx="10944225" cy="1140090"/>
+          </a:xfrm>
+        </p:spPr>
+        <p:txBody>
+          <a:bodyPr>
+            <a:normAutofit/>
+          </a:bodyPr>
+          <a:lstStyle/>
+          <a:p>
+            <a:pPr algn="l"/>
+            <a:r>
+              <a:rPr lang="en-US" altLang="ko-KR" sz="4400" dirty="0">
+                <a:solidFill>
+                  <a:schemeClr val="tx1">
+                    <a:lumMod val="75000"/>
+                    <a:lumOff val="25000"/>
+                  </a:schemeClr>
+                </a:solidFill>
+                <a:latin typeface="Noto Sans CJK KR Black" pitchFamily="34" charset="-127"/>
+                <a:ea typeface="Noto Sans CJK KR Black" pitchFamily="34" charset="-127"/>
+              </a:rPr>
+              <a:t>4. </a:t>
+            </a:r>
+            <a:r>
+              <a:rPr lang="ko-KR" altLang="en-US" sz="4400" dirty="0">
+                <a:solidFill>
+                  <a:schemeClr val="tx1">
+                    <a:lumMod val="75000"/>
+                    <a:lumOff val="25000"/>
+                  </a:schemeClr>
+                </a:solidFill>
+                <a:latin typeface="Noto Sans CJK KR Black" pitchFamily="34" charset="-127"/>
+                <a:ea typeface="Noto Sans CJK KR Black" pitchFamily="34" charset="-127"/>
+              </a:rPr>
+              <a:t>시계열 분석</a:t>
+            </a:r>
+            <a:endParaRPr lang="ko-KR" altLang="en-US" sz="4400" dirty="0">
+              <a:solidFill>
+                <a:schemeClr val="tx1">
+                  <a:lumMod val="75000"/>
+                  <a:lumOff val="25000"/>
+                </a:schemeClr>
+              </a:solidFill>
+            </a:endParaRPr>
+          </a:p>
+        </p:txBody>
+      </p:sp>
+      <p:sp>
+        <p:nvSpPr>
+          <p:cNvPr id="3" name="슬라이드 번호 개체 틀 2"/>
+          <p:cNvSpPr>
+            <a:spLocks noGrp="1"/>
+          </p:cNvSpPr>
+          <p:nvPr>
+            <p:ph type="sldNum" sz="quarter" idx="12"/>
+          </p:nvPr>
+        </p:nvSpPr>
+        <p:spPr/>
+        <p:txBody>
+          <a:bodyPr/>
+          <a:lstStyle/>
+          <a:p>
+            <a:fld id="{6DDAE2C3-1A0B-474A-8CE8-AE55B8D9D4B1}" type="slidenum">
+              <a:rPr lang="ko-KR" altLang="en-US" smtClean="0"/>
+              <a:pPr/>
+              <a:t>12</a:t>
+            </a:fld>
+            <a:endParaRPr lang="ko-KR" altLang="en-US" dirty="0"/>
+          </a:p>
+        </p:txBody>
+      </p:sp>
+      <p:pic>
+        <p:nvPicPr>
+          <p:cNvPr id="2" name="그림 1">
+            <a:extLst>
+              <a:ext uri="{FF2B5EF4-FFF2-40B4-BE49-F238E27FC236}">
+                <a16:creationId xmlns:a16="http://schemas.microsoft.com/office/drawing/2014/main" id="{EC92A371-C463-4329-94ED-988E6B358375}"/>
+              </a:ext>
+            </a:extLst>
+          </p:cNvPr>
+          <p:cNvPicPr>
+            <a:picLocks noChangeAspect="1"/>
+          </p:cNvPicPr>
+          <p:nvPr/>
+        </p:nvPicPr>
+        <p:blipFill>
+          <a:blip r:embed="rId2"/>
+          <a:stretch>
+            <a:fillRect/>
+          </a:stretch>
+        </p:blipFill>
+        <p:spPr>
+          <a:xfrm>
+            <a:off x="1408111" y="1714328"/>
+            <a:ext cx="9344025" cy="4448175"/>
+          </a:xfrm>
+          <a:prstGeom prst="rect">
+            <a:avLst/>
+          </a:prstGeom>
+        </p:spPr>
+      </p:pic>
+    </p:spTree>
+    <p:extLst>
+      <p:ext uri="{BB962C8B-B14F-4D97-AF65-F5344CB8AC3E}">
+        <p14:creationId xmlns:p14="http://schemas.microsoft.com/office/powerpoint/2010/main" val="938931874"/>
+      </p:ext>
+    </p:extLst>
+  </p:cSld>
+  <p:clrMapOvr>
+    <a:masterClrMapping/>
+  </p:clrMapOvr>
+</p:sld>
+</file>
+
+<file path=ppt/slides/slide13.xml><?xml version="1.0" encoding="utf-8"?>
+<p:sld xmlns:a="http://schemas.openxmlformats.org/drawingml/2006/main" xmlns:r="http://schemas.openxmlformats.org/officeDocument/2006/relationships" xmlns:p="http://schemas.openxmlformats.org/presentationml/2006/main">
+  <p:cSld>
+    <p:spTree>
+      <p:nvGrpSpPr>
+        <p:cNvPr id="1" name=""/>
+        <p:cNvGrpSpPr/>
+        <p:nvPr/>
+      </p:nvGrpSpPr>
+      <p:grpSpPr>
+        <a:xfrm>
+          <a:off x="0" y="0"/>
+          <a:ext cx="0" cy="0"/>
+          <a:chOff x="0" y="0"/>
+          <a:chExt cx="0" cy="0"/>
+        </a:xfrm>
+      </p:grpSpPr>
+      <p:sp>
+        <p:nvSpPr>
+          <p:cNvPr id="5" name="제목 4"/>
+          <p:cNvSpPr>
+            <a:spLocks noGrp="1"/>
+          </p:cNvSpPr>
+          <p:nvPr>
+            <p:ph type="title"/>
+          </p:nvPr>
+        </p:nvSpPr>
+        <p:spPr>
+          <a:xfrm>
+            <a:off x="608012" y="539949"/>
+            <a:ext cx="10944225" cy="1140090"/>
+          </a:xfrm>
+        </p:spPr>
+        <p:txBody>
+          <a:bodyPr>
+            <a:normAutofit/>
+          </a:bodyPr>
+          <a:lstStyle/>
+          <a:p>
+            <a:pPr algn="l"/>
+            <a:r>
+              <a:rPr lang="en-US" altLang="ko-KR" sz="4400" dirty="0">
+                <a:solidFill>
+                  <a:schemeClr val="tx1">
+                    <a:lumMod val="75000"/>
+                    <a:lumOff val="25000"/>
+                  </a:schemeClr>
+                </a:solidFill>
+                <a:latin typeface="Noto Sans CJK KR Black" pitchFamily="34" charset="-127"/>
+                <a:ea typeface="Noto Sans CJK KR Black" pitchFamily="34" charset="-127"/>
+              </a:rPr>
+              <a:t>4. </a:t>
+            </a:r>
+            <a:r>
+              <a:rPr lang="ko-KR" altLang="en-US" sz="4400" dirty="0">
+                <a:solidFill>
+                  <a:schemeClr val="tx1">
+                    <a:lumMod val="75000"/>
+                    <a:lumOff val="25000"/>
+                  </a:schemeClr>
+                </a:solidFill>
+                <a:latin typeface="Noto Sans CJK KR Black" pitchFamily="34" charset="-127"/>
+                <a:ea typeface="Noto Sans CJK KR Black" pitchFamily="34" charset="-127"/>
+              </a:rPr>
+              <a:t>시계열 분석</a:t>
+            </a:r>
+            <a:endParaRPr lang="ko-KR" altLang="en-US" sz="4400" dirty="0">
+              <a:solidFill>
+                <a:schemeClr val="tx1">
+                  <a:lumMod val="75000"/>
+                  <a:lumOff val="25000"/>
+                </a:schemeClr>
+              </a:solidFill>
+            </a:endParaRPr>
+          </a:p>
+        </p:txBody>
+      </p:sp>
+      <p:sp>
+        <p:nvSpPr>
+          <p:cNvPr id="3" name="슬라이드 번호 개체 틀 2"/>
+          <p:cNvSpPr>
+            <a:spLocks noGrp="1"/>
+          </p:cNvSpPr>
+          <p:nvPr>
+            <p:ph type="sldNum" sz="quarter" idx="12"/>
+          </p:nvPr>
+        </p:nvSpPr>
+        <p:spPr/>
+        <p:txBody>
+          <a:bodyPr/>
+          <a:lstStyle/>
+          <a:p>
+            <a:fld id="{6DDAE2C3-1A0B-474A-8CE8-AE55B8D9D4B1}" type="slidenum">
+              <a:rPr lang="ko-KR" altLang="en-US" smtClean="0"/>
+              <a:pPr/>
+              <a:t>13</a:t>
+            </a:fld>
+            <a:endParaRPr lang="ko-KR" altLang="en-US" dirty="0"/>
+          </a:p>
+        </p:txBody>
+      </p:sp>
+      <p:pic>
+        <p:nvPicPr>
+          <p:cNvPr id="2" name="그림 1">
+            <a:extLst>
+              <a:ext uri="{FF2B5EF4-FFF2-40B4-BE49-F238E27FC236}">
+                <a16:creationId xmlns:a16="http://schemas.microsoft.com/office/drawing/2014/main" id="{1C17B174-F616-4DA9-AEEA-E61FB16F6182}"/>
+              </a:ext>
+            </a:extLst>
+          </p:cNvPr>
+          <p:cNvPicPr>
+            <a:picLocks noChangeAspect="1"/>
+          </p:cNvPicPr>
+          <p:nvPr/>
+        </p:nvPicPr>
+        <p:blipFill>
+          <a:blip r:embed="rId2"/>
+          <a:stretch>
+            <a:fillRect/>
+          </a:stretch>
+        </p:blipFill>
+        <p:spPr>
+          <a:xfrm>
+            <a:off x="855661" y="2124125"/>
+            <a:ext cx="10448925" cy="3248025"/>
+          </a:xfrm>
+          <a:prstGeom prst="rect">
+            <a:avLst/>
+          </a:prstGeom>
+        </p:spPr>
+      </p:pic>
+    </p:spTree>
+    <p:extLst>
+      <p:ext uri="{BB962C8B-B14F-4D97-AF65-F5344CB8AC3E}">
+        <p14:creationId xmlns:p14="http://schemas.microsoft.com/office/powerpoint/2010/main" val="904088630"/>
+      </p:ext>
+    </p:extLst>
+  </p:cSld>
+  <p:clrMapOvr>
+    <a:masterClrMapping/>
+  </p:clrMapOvr>
+</p:sld>
+</file>
+
+<file path=ppt/slides/slide14.xml><?xml version="1.0" encoding="utf-8"?>
+<p:sld xmlns:a="http://schemas.openxmlformats.org/drawingml/2006/main" xmlns:r="http://schemas.openxmlformats.org/officeDocument/2006/relationships" xmlns:p="http://schemas.openxmlformats.org/presentationml/2006/main">
+  <p:cSld>
+    <p:spTree>
+      <p:nvGrpSpPr>
+        <p:cNvPr id="1" name=""/>
+        <p:cNvGrpSpPr/>
+        <p:nvPr/>
+      </p:nvGrpSpPr>
+      <p:grpSpPr>
+        <a:xfrm>
+          <a:off x="0" y="0"/>
+          <a:ext cx="0" cy="0"/>
+          <a:chOff x="0" y="0"/>
+          <a:chExt cx="0" cy="0"/>
+        </a:xfrm>
+      </p:grpSpPr>
+      <p:sp>
+        <p:nvSpPr>
+          <p:cNvPr id="5" name="제목 4"/>
+          <p:cNvSpPr>
+            <a:spLocks noGrp="1"/>
+          </p:cNvSpPr>
+          <p:nvPr>
+            <p:ph type="title"/>
+          </p:nvPr>
+        </p:nvSpPr>
+        <p:spPr>
+          <a:xfrm>
+            <a:off x="608012" y="539949"/>
+            <a:ext cx="10944225" cy="1140090"/>
+          </a:xfrm>
+        </p:spPr>
+        <p:txBody>
+          <a:bodyPr>
+            <a:normAutofit/>
+          </a:bodyPr>
+          <a:lstStyle/>
+          <a:p>
+            <a:pPr algn="l"/>
+            <a:r>
+              <a:rPr lang="en-US" altLang="ko-KR" sz="4400" dirty="0">
+                <a:solidFill>
+                  <a:schemeClr val="tx1">
+                    <a:lumMod val="75000"/>
+                    <a:lumOff val="25000"/>
+                  </a:schemeClr>
+                </a:solidFill>
+                <a:latin typeface="Noto Sans CJK KR Black" pitchFamily="34" charset="-127"/>
+                <a:ea typeface="Noto Sans CJK KR Black" pitchFamily="34" charset="-127"/>
+              </a:rPr>
+              <a:t>4. </a:t>
+            </a:r>
+            <a:r>
+              <a:rPr lang="ko-KR" altLang="en-US" sz="4400" dirty="0">
+                <a:solidFill>
+                  <a:schemeClr val="tx1">
+                    <a:lumMod val="75000"/>
+                    <a:lumOff val="25000"/>
+                  </a:schemeClr>
+                </a:solidFill>
+                <a:latin typeface="Noto Sans CJK KR Black" pitchFamily="34" charset="-127"/>
+                <a:ea typeface="Noto Sans CJK KR Black" pitchFamily="34" charset="-127"/>
+              </a:rPr>
+              <a:t>시계열 분석</a:t>
+            </a:r>
+            <a:endParaRPr lang="ko-KR" altLang="en-US" sz="4400" dirty="0">
+              <a:solidFill>
+                <a:schemeClr val="tx1">
+                  <a:lumMod val="75000"/>
+                  <a:lumOff val="25000"/>
+                </a:schemeClr>
+              </a:solidFill>
+            </a:endParaRPr>
+          </a:p>
+        </p:txBody>
+      </p:sp>
+      <p:sp>
+        <p:nvSpPr>
+          <p:cNvPr id="3" name="슬라이드 번호 개체 틀 2"/>
+          <p:cNvSpPr>
+            <a:spLocks noGrp="1"/>
+          </p:cNvSpPr>
+          <p:nvPr>
+            <p:ph type="sldNum" sz="quarter" idx="12"/>
+          </p:nvPr>
+        </p:nvSpPr>
+        <p:spPr/>
+        <p:txBody>
+          <a:bodyPr/>
+          <a:lstStyle/>
+          <a:p>
+            <a:fld id="{6DDAE2C3-1A0B-474A-8CE8-AE55B8D9D4B1}" type="slidenum">
+              <a:rPr lang="ko-KR" altLang="en-US" smtClean="0"/>
+              <a:pPr/>
+              <a:t>14</a:t>
+            </a:fld>
+            <a:endParaRPr lang="ko-KR" altLang="en-US" dirty="0"/>
+          </a:p>
+        </p:txBody>
+      </p:sp>
+      <p:pic>
+        <p:nvPicPr>
+          <p:cNvPr id="2" name="그림 1">
+            <a:extLst>
+              <a:ext uri="{FF2B5EF4-FFF2-40B4-BE49-F238E27FC236}">
+                <a16:creationId xmlns:a16="http://schemas.microsoft.com/office/drawing/2014/main" id="{04B73BA0-9F90-404F-B23B-46879C1EF744}"/>
+              </a:ext>
+            </a:extLst>
+          </p:cNvPr>
+          <p:cNvPicPr>
+            <a:picLocks noChangeAspect="1"/>
+          </p:cNvPicPr>
+          <p:nvPr/>
+        </p:nvPicPr>
+        <p:blipFill>
+          <a:blip r:embed="rId2"/>
+          <a:stretch>
+            <a:fillRect/>
+          </a:stretch>
+        </p:blipFill>
+        <p:spPr>
+          <a:xfrm>
+            <a:off x="2189161" y="2102268"/>
+            <a:ext cx="7781925" cy="3848100"/>
+          </a:xfrm>
+          <a:prstGeom prst="rect">
+            <a:avLst/>
+          </a:prstGeom>
+        </p:spPr>
+      </p:pic>
+    </p:spTree>
+    <p:extLst>
+      <p:ext uri="{BB962C8B-B14F-4D97-AF65-F5344CB8AC3E}">
+        <p14:creationId xmlns:p14="http://schemas.microsoft.com/office/powerpoint/2010/main" val="1352971187"/>
+      </p:ext>
+    </p:extLst>
+  </p:cSld>
+  <p:clrMapOvr>
+    <a:masterClrMapping/>
+  </p:clrMapOvr>
+</p:sld>
+</file>
+
+<file path=ppt/slides/slide15.xml><?xml version="1.0" encoding="utf-8"?>
+<p:sld xmlns:a="http://schemas.openxmlformats.org/drawingml/2006/main" xmlns:r="http://schemas.openxmlformats.org/officeDocument/2006/relationships" xmlns:p="http://schemas.openxmlformats.org/presentationml/2006/main">
+  <p:cSld>
+    <p:spTree>
+      <p:nvGrpSpPr>
+        <p:cNvPr id="1" name=""/>
+        <p:cNvGrpSpPr/>
+        <p:nvPr/>
+      </p:nvGrpSpPr>
+      <p:grpSpPr>
+        <a:xfrm>
+          <a:off x="0" y="0"/>
+          <a:ext cx="0" cy="0"/>
+          <a:chOff x="0" y="0"/>
+          <a:chExt cx="0" cy="0"/>
+        </a:xfrm>
+      </p:grpSpPr>
+      <p:sp>
+        <p:nvSpPr>
+          <p:cNvPr id="5" name="제목 4"/>
+          <p:cNvSpPr>
+            <a:spLocks noGrp="1"/>
+          </p:cNvSpPr>
+          <p:nvPr>
+            <p:ph type="title"/>
+          </p:nvPr>
+        </p:nvSpPr>
+        <p:spPr>
+          <a:xfrm>
+            <a:off x="608012" y="539949"/>
+            <a:ext cx="10944225" cy="1140090"/>
+          </a:xfrm>
+        </p:spPr>
+        <p:txBody>
+          <a:bodyPr>
+            <a:normAutofit fontScale="90000"/>
+          </a:bodyPr>
+          <a:lstStyle/>
+          <a:p>
+            <a:pPr algn="l"/>
+            <a:r>
+              <a:rPr lang="en-US" altLang="ko-KR" sz="4400" dirty="0">
+                <a:solidFill>
+                  <a:schemeClr val="tx1">
+                    <a:lumMod val="75000"/>
+                    <a:lumOff val="25000"/>
+                  </a:schemeClr>
+                </a:solidFill>
+                <a:latin typeface="Noto Sans CJK KR Black" pitchFamily="34" charset="-127"/>
+                <a:ea typeface="Noto Sans CJK KR Black" pitchFamily="34" charset="-127"/>
+              </a:rPr>
+              <a:t>4. </a:t>
+            </a:r>
+            <a:r>
+              <a:rPr lang="ko-KR" altLang="en-US" sz="4400" dirty="0">
+                <a:solidFill>
+                  <a:schemeClr val="tx1">
+                    <a:lumMod val="75000"/>
+                    <a:lumOff val="25000"/>
+                  </a:schemeClr>
+                </a:solidFill>
+                <a:latin typeface="Noto Sans CJK KR Black" pitchFamily="34" charset="-127"/>
+                <a:ea typeface="Noto Sans CJK KR Black" pitchFamily="34" charset="-127"/>
+              </a:rPr>
+              <a:t>시계열 </a:t>
+            </a:r>
+            <a:br>
+              <a:rPr lang="en-US" altLang="ko-KR" sz="4400" dirty="0">
+                <a:solidFill>
+                  <a:schemeClr val="tx1">
+                    <a:lumMod val="75000"/>
+                    <a:lumOff val="25000"/>
+                  </a:schemeClr>
+                </a:solidFill>
+                <a:latin typeface="Noto Sans CJK KR Black" pitchFamily="34" charset="-127"/>
+                <a:ea typeface="Noto Sans CJK KR Black" pitchFamily="34" charset="-127"/>
+              </a:rPr>
+            </a:br>
+            <a:r>
+              <a:rPr lang="ko-KR" altLang="en-US" sz="4400" dirty="0">
+                <a:solidFill>
+                  <a:schemeClr val="tx1">
+                    <a:lumMod val="75000"/>
+                    <a:lumOff val="25000"/>
+                  </a:schemeClr>
+                </a:solidFill>
+                <a:latin typeface="Noto Sans CJK KR Black" pitchFamily="34" charset="-127"/>
+                <a:ea typeface="Noto Sans CJK KR Black" pitchFamily="34" charset="-127"/>
+              </a:rPr>
+              <a:t>분석</a:t>
+            </a:r>
+            <a:endParaRPr lang="ko-KR" altLang="en-US" sz="4400" dirty="0">
+              <a:solidFill>
+                <a:schemeClr val="tx1">
+                  <a:lumMod val="75000"/>
+                  <a:lumOff val="25000"/>
+                </a:schemeClr>
+              </a:solidFill>
+            </a:endParaRPr>
+          </a:p>
+        </p:txBody>
+      </p:sp>
+      <p:sp>
+        <p:nvSpPr>
+          <p:cNvPr id="3" name="슬라이드 번호 개체 틀 2"/>
+          <p:cNvSpPr>
+            <a:spLocks noGrp="1"/>
+          </p:cNvSpPr>
+          <p:nvPr>
+            <p:ph type="sldNum" sz="quarter" idx="12"/>
+          </p:nvPr>
+        </p:nvSpPr>
+        <p:spPr/>
+        <p:txBody>
+          <a:bodyPr/>
+          <a:lstStyle/>
+          <a:p>
+            <a:fld id="{6DDAE2C3-1A0B-474A-8CE8-AE55B8D9D4B1}" type="slidenum">
+              <a:rPr lang="ko-KR" altLang="en-US" smtClean="0"/>
+              <a:pPr/>
+              <a:t>15</a:t>
+            </a:fld>
+            <a:endParaRPr lang="ko-KR" altLang="en-US" dirty="0"/>
+          </a:p>
+        </p:txBody>
+      </p:sp>
+      <p:pic>
+        <p:nvPicPr>
+          <p:cNvPr id="2" name="그림 1">
+            <a:extLst>
+              <a:ext uri="{FF2B5EF4-FFF2-40B4-BE49-F238E27FC236}">
+                <a16:creationId xmlns:a16="http://schemas.microsoft.com/office/drawing/2014/main" id="{99148C75-91DD-4204-B799-C6B3B44C0440}"/>
+              </a:ext>
+            </a:extLst>
+          </p:cNvPr>
+          <p:cNvPicPr>
+            <a:picLocks noChangeAspect="1"/>
+          </p:cNvPicPr>
+          <p:nvPr/>
+        </p:nvPicPr>
+        <p:blipFill>
+          <a:blip r:embed="rId2"/>
+          <a:stretch>
+            <a:fillRect/>
+          </a:stretch>
+        </p:blipFill>
+        <p:spPr>
+          <a:xfrm>
+            <a:off x="3467015" y="0"/>
+            <a:ext cx="8668374" cy="6840538"/>
+          </a:xfrm>
+          <a:prstGeom prst="rect">
+            <a:avLst/>
+          </a:prstGeom>
+        </p:spPr>
+      </p:pic>
+    </p:spTree>
+    <p:extLst>
+      <p:ext uri="{BB962C8B-B14F-4D97-AF65-F5344CB8AC3E}">
+        <p14:creationId xmlns:p14="http://schemas.microsoft.com/office/powerpoint/2010/main" val="3860360619"/>
+      </p:ext>
+    </p:extLst>
+  </p:cSld>
+  <p:clrMapOvr>
+    <a:masterClrMapping/>
+  </p:clrMapOvr>
+</p:sld>
+</file>
+
+<file path=ppt/slides/slide16.xml><?xml version="1.0" encoding="utf-8"?>
+<p:sld xmlns:a="http://schemas.openxmlformats.org/drawingml/2006/main" xmlns:r="http://schemas.openxmlformats.org/officeDocument/2006/relationships" xmlns:p="http://schemas.openxmlformats.org/presentationml/2006/main">
+  <p:cSld>
+    <p:spTree>
+      <p:nvGrpSpPr>
+        <p:cNvPr id="1" name=""/>
+        <p:cNvGrpSpPr/>
+        <p:nvPr/>
+      </p:nvGrpSpPr>
+      <p:grpSpPr>
+        <a:xfrm>
+          <a:off x="0" y="0"/>
+          <a:ext cx="0" cy="0"/>
+          <a:chOff x="0" y="0"/>
+          <a:chExt cx="0" cy="0"/>
+        </a:xfrm>
+      </p:grpSpPr>
+      <p:sp>
+        <p:nvSpPr>
+          <p:cNvPr id="5" name="제목 4"/>
+          <p:cNvSpPr>
+            <a:spLocks noGrp="1"/>
+          </p:cNvSpPr>
+          <p:nvPr>
+            <p:ph type="title"/>
+          </p:nvPr>
+        </p:nvSpPr>
+        <p:spPr>
+          <a:xfrm>
+            <a:off x="608012" y="539949"/>
+            <a:ext cx="10944225" cy="1140090"/>
+          </a:xfrm>
+        </p:spPr>
+        <p:txBody>
+          <a:bodyPr>
+            <a:normAutofit/>
+          </a:bodyPr>
+          <a:lstStyle/>
+          <a:p>
+            <a:pPr algn="l"/>
+            <a:r>
+              <a:rPr lang="en-US" altLang="ko-KR" sz="4400" dirty="0">
+                <a:solidFill>
+                  <a:schemeClr val="tx1">
+                    <a:lumMod val="75000"/>
+                    <a:lumOff val="25000"/>
+                  </a:schemeClr>
+                </a:solidFill>
+                <a:latin typeface="Noto Sans CJK KR Black" pitchFamily="34" charset="-127"/>
+                <a:ea typeface="Noto Sans CJK KR Black" pitchFamily="34" charset="-127"/>
+              </a:rPr>
+              <a:t>4. </a:t>
+            </a:r>
+            <a:r>
+              <a:rPr lang="ko-KR" altLang="en-US" sz="4400" dirty="0">
+                <a:solidFill>
+                  <a:schemeClr val="tx1">
+                    <a:lumMod val="75000"/>
+                    <a:lumOff val="25000"/>
+                  </a:schemeClr>
+                </a:solidFill>
+                <a:latin typeface="Noto Sans CJK KR Black" pitchFamily="34" charset="-127"/>
+                <a:ea typeface="Noto Sans CJK KR Black" pitchFamily="34" charset="-127"/>
+              </a:rPr>
+              <a:t>시계열 분석</a:t>
+            </a:r>
+            <a:endParaRPr lang="ko-KR" altLang="en-US" sz="4400" dirty="0">
+              <a:solidFill>
+                <a:schemeClr val="tx1">
+                  <a:lumMod val="75000"/>
+                  <a:lumOff val="25000"/>
+                </a:schemeClr>
+              </a:solidFill>
+            </a:endParaRPr>
+          </a:p>
+        </p:txBody>
+      </p:sp>
+      <p:sp>
+        <p:nvSpPr>
+          <p:cNvPr id="3" name="슬라이드 번호 개체 틀 2"/>
+          <p:cNvSpPr>
+            <a:spLocks noGrp="1"/>
+          </p:cNvSpPr>
+          <p:nvPr>
+            <p:ph type="sldNum" sz="quarter" idx="12"/>
+          </p:nvPr>
+        </p:nvSpPr>
+        <p:spPr/>
+        <p:txBody>
+          <a:bodyPr/>
+          <a:lstStyle/>
+          <a:p>
+            <a:fld id="{6DDAE2C3-1A0B-474A-8CE8-AE55B8D9D4B1}" type="slidenum">
+              <a:rPr lang="ko-KR" altLang="en-US" smtClean="0"/>
+              <a:pPr/>
+              <a:t>16</a:t>
+            </a:fld>
+            <a:endParaRPr lang="ko-KR" altLang="en-US" dirty="0"/>
+          </a:p>
+        </p:txBody>
+      </p:sp>
+      <p:pic>
+        <p:nvPicPr>
+          <p:cNvPr id="2" name="그림 1">
+            <a:extLst>
+              <a:ext uri="{FF2B5EF4-FFF2-40B4-BE49-F238E27FC236}">
+                <a16:creationId xmlns:a16="http://schemas.microsoft.com/office/drawing/2014/main" id="{34A5DA4E-871E-41B3-A8CE-A7AA6FD352AB}"/>
+              </a:ext>
+            </a:extLst>
+          </p:cNvPr>
+          <p:cNvPicPr>
+            <a:picLocks noChangeAspect="1"/>
+          </p:cNvPicPr>
+          <p:nvPr/>
+        </p:nvPicPr>
+        <p:blipFill>
+          <a:blip r:embed="rId2"/>
+          <a:stretch>
+            <a:fillRect/>
+          </a:stretch>
+        </p:blipFill>
+        <p:spPr>
+          <a:xfrm>
+            <a:off x="4927997" y="0"/>
+            <a:ext cx="6427351" cy="6840538"/>
+          </a:xfrm>
+          <a:prstGeom prst="rect">
+            <a:avLst/>
+          </a:prstGeom>
+        </p:spPr>
+      </p:pic>
+    </p:spTree>
+    <p:extLst>
+      <p:ext uri="{BB962C8B-B14F-4D97-AF65-F5344CB8AC3E}">
+        <p14:creationId xmlns:p14="http://schemas.microsoft.com/office/powerpoint/2010/main" val="3432158559"/>
+      </p:ext>
+    </p:extLst>
+  </p:cSld>
+  <p:clrMapOvr>
+    <a:masterClrMapping/>
+  </p:clrMapOvr>
+</p:sld>
+</file>
+
+<file path=ppt/slides/slide17.xml><?xml version="1.0" encoding="utf-8"?>
+<p:sld xmlns:a="http://schemas.openxmlformats.org/drawingml/2006/main" xmlns:r="http://schemas.openxmlformats.org/officeDocument/2006/relationships" xmlns:p="http://schemas.openxmlformats.org/presentationml/2006/main">
+  <p:cSld>
+    <p:spTree>
+      <p:nvGrpSpPr>
+        <p:cNvPr id="1" name=""/>
+        <p:cNvGrpSpPr/>
+        <p:nvPr/>
+      </p:nvGrpSpPr>
+      <p:grpSpPr>
+        <a:xfrm>
+          <a:off x="0" y="0"/>
+          <a:ext cx="0" cy="0"/>
+          <a:chOff x="0" y="0"/>
+          <a:chExt cx="0" cy="0"/>
+        </a:xfrm>
+      </p:grpSpPr>
+      <p:sp>
+        <p:nvSpPr>
+          <p:cNvPr id="5" name="제목 4"/>
+          <p:cNvSpPr>
+            <a:spLocks noGrp="1"/>
+          </p:cNvSpPr>
+          <p:nvPr>
+            <p:ph type="title"/>
+          </p:nvPr>
+        </p:nvSpPr>
+        <p:spPr>
+          <a:xfrm>
+            <a:off x="608012" y="539949"/>
+            <a:ext cx="10944225" cy="1140090"/>
+          </a:xfrm>
+        </p:spPr>
+        <p:txBody>
+          <a:bodyPr>
+            <a:normAutofit/>
+          </a:bodyPr>
+          <a:lstStyle/>
+          <a:p>
+            <a:pPr algn="l"/>
+            <a:r>
+              <a:rPr lang="en-US" altLang="ko-KR" sz="4400" dirty="0">
+                <a:solidFill>
+                  <a:schemeClr val="tx1">
+                    <a:lumMod val="75000"/>
+                    <a:lumOff val="25000"/>
+                  </a:schemeClr>
+                </a:solidFill>
+                <a:latin typeface="Noto Sans CJK KR Black" pitchFamily="34" charset="-127"/>
+                <a:ea typeface="Noto Sans CJK KR Black" pitchFamily="34" charset="-127"/>
+              </a:rPr>
+              <a:t>4. </a:t>
+            </a:r>
+            <a:r>
+              <a:rPr lang="ko-KR" altLang="en-US" sz="4400" dirty="0">
+                <a:solidFill>
+                  <a:schemeClr val="tx1">
+                    <a:lumMod val="75000"/>
+                    <a:lumOff val="25000"/>
+                  </a:schemeClr>
+                </a:solidFill>
+                <a:latin typeface="Noto Sans CJK KR Black" pitchFamily="34" charset="-127"/>
+                <a:ea typeface="Noto Sans CJK KR Black" pitchFamily="34" charset="-127"/>
+              </a:rPr>
+              <a:t>시계열 분석</a:t>
+            </a:r>
+            <a:endParaRPr lang="ko-KR" altLang="en-US" sz="4400" dirty="0">
+              <a:solidFill>
+                <a:schemeClr val="tx1">
+                  <a:lumMod val="75000"/>
+                  <a:lumOff val="25000"/>
+                </a:schemeClr>
+              </a:solidFill>
+            </a:endParaRPr>
+          </a:p>
+        </p:txBody>
+      </p:sp>
+      <p:sp>
+        <p:nvSpPr>
+          <p:cNvPr id="3" name="슬라이드 번호 개체 틀 2"/>
+          <p:cNvSpPr>
+            <a:spLocks noGrp="1"/>
+          </p:cNvSpPr>
+          <p:nvPr>
+            <p:ph type="sldNum" sz="quarter" idx="12"/>
+          </p:nvPr>
+        </p:nvSpPr>
+        <p:spPr/>
+        <p:txBody>
+          <a:bodyPr/>
+          <a:lstStyle/>
+          <a:p>
+            <a:fld id="{6DDAE2C3-1A0B-474A-8CE8-AE55B8D9D4B1}" type="slidenum">
+              <a:rPr lang="ko-KR" altLang="en-US" smtClean="0"/>
+              <a:pPr/>
+              <a:t>17</a:t>
+            </a:fld>
+            <a:endParaRPr lang="ko-KR" altLang="en-US" dirty="0"/>
+          </a:p>
+        </p:txBody>
+      </p:sp>
+      <p:pic>
+        <p:nvPicPr>
+          <p:cNvPr id="2" name="그림 1">
+            <a:extLst>
+              <a:ext uri="{FF2B5EF4-FFF2-40B4-BE49-F238E27FC236}">
+                <a16:creationId xmlns:a16="http://schemas.microsoft.com/office/drawing/2014/main" id="{703430C8-967B-4E2A-9241-DAA01E782D3C}"/>
+              </a:ext>
+            </a:extLst>
+          </p:cNvPr>
+          <p:cNvPicPr>
+            <a:picLocks noChangeAspect="1"/>
+          </p:cNvPicPr>
+          <p:nvPr/>
+        </p:nvPicPr>
+        <p:blipFill>
+          <a:blip r:embed="rId2"/>
+          <a:stretch>
+            <a:fillRect/>
+          </a:stretch>
+        </p:blipFill>
+        <p:spPr>
+          <a:xfrm>
+            <a:off x="5072013" y="0"/>
+            <a:ext cx="5924875" cy="6840538"/>
+          </a:xfrm>
+          <a:prstGeom prst="rect">
+            <a:avLst/>
+          </a:prstGeom>
+        </p:spPr>
+      </p:pic>
+    </p:spTree>
+    <p:extLst>
+      <p:ext uri="{BB962C8B-B14F-4D97-AF65-F5344CB8AC3E}">
+        <p14:creationId xmlns:p14="http://schemas.microsoft.com/office/powerpoint/2010/main" val="1646313147"/>
+      </p:ext>
+    </p:extLst>
+  </p:cSld>
+  <p:clrMapOvr>
+    <a:masterClrMapping/>
+  </p:clrMapOvr>
+</p:sld>
+</file>
+
+<file path=ppt/slides/slide18.xml><?xml version="1.0" encoding="utf-8"?>
+<p:sld xmlns:a="http://schemas.openxmlformats.org/drawingml/2006/main" xmlns:r="http://schemas.openxmlformats.org/officeDocument/2006/relationships" xmlns:p="http://schemas.openxmlformats.org/presentationml/2006/main">
+  <p:cSld>
+    <p:spTree>
+      <p:nvGrpSpPr>
+        <p:cNvPr id="1" name=""/>
+        <p:cNvGrpSpPr/>
+        <p:nvPr/>
+      </p:nvGrpSpPr>
+      <p:grpSpPr>
+        <a:xfrm>
+          <a:off x="0" y="0"/>
+          <a:ext cx="0" cy="0"/>
+          <a:chOff x="0" y="0"/>
+          <a:chExt cx="0" cy="0"/>
+        </a:xfrm>
+      </p:grpSpPr>
+      <p:sp>
+        <p:nvSpPr>
+          <p:cNvPr id="5" name="제목 4"/>
+          <p:cNvSpPr>
+            <a:spLocks noGrp="1"/>
+          </p:cNvSpPr>
+          <p:nvPr>
+            <p:ph type="title"/>
+          </p:nvPr>
+        </p:nvSpPr>
+        <p:spPr>
+          <a:xfrm>
+            <a:off x="608012" y="539949"/>
+            <a:ext cx="10944225" cy="1140090"/>
+          </a:xfrm>
+        </p:spPr>
+        <p:txBody>
+          <a:bodyPr>
+            <a:normAutofit/>
+          </a:bodyPr>
+          <a:lstStyle/>
+          <a:p>
+            <a:pPr algn="l"/>
+            <a:r>
+              <a:rPr lang="en-US" altLang="ko-KR" sz="4400" dirty="0">
+                <a:solidFill>
+                  <a:schemeClr val="tx1">
+                    <a:lumMod val="75000"/>
+                    <a:lumOff val="25000"/>
+                  </a:schemeClr>
+                </a:solidFill>
+                <a:latin typeface="Noto Sans CJK KR Black" pitchFamily="34" charset="-127"/>
+                <a:ea typeface="Noto Sans CJK KR Black" pitchFamily="34" charset="-127"/>
+              </a:rPr>
+              <a:t>4. </a:t>
+            </a:r>
+            <a:r>
+              <a:rPr lang="ko-KR" altLang="en-US" sz="4400" dirty="0">
+                <a:solidFill>
+                  <a:schemeClr val="tx1">
+                    <a:lumMod val="75000"/>
+                    <a:lumOff val="25000"/>
+                  </a:schemeClr>
+                </a:solidFill>
+                <a:latin typeface="Noto Sans CJK KR Black" pitchFamily="34" charset="-127"/>
+                <a:ea typeface="Noto Sans CJK KR Black" pitchFamily="34" charset="-127"/>
+              </a:rPr>
+              <a:t>시계열 분석</a:t>
+            </a:r>
+            <a:endParaRPr lang="ko-KR" altLang="en-US" sz="4400" dirty="0">
+              <a:solidFill>
+                <a:schemeClr val="tx1">
+                  <a:lumMod val="75000"/>
+                  <a:lumOff val="25000"/>
+                </a:schemeClr>
+              </a:solidFill>
+            </a:endParaRPr>
+          </a:p>
+        </p:txBody>
+      </p:sp>
+      <p:sp>
+        <p:nvSpPr>
+          <p:cNvPr id="3" name="슬라이드 번호 개체 틀 2"/>
+          <p:cNvSpPr>
+            <a:spLocks noGrp="1"/>
+          </p:cNvSpPr>
+          <p:nvPr>
+            <p:ph type="sldNum" sz="quarter" idx="12"/>
+          </p:nvPr>
+        </p:nvSpPr>
+        <p:spPr/>
+        <p:txBody>
+          <a:bodyPr/>
+          <a:lstStyle/>
+          <a:p>
+            <a:fld id="{6DDAE2C3-1A0B-474A-8CE8-AE55B8D9D4B1}" type="slidenum">
+              <a:rPr lang="ko-KR" altLang="en-US" smtClean="0"/>
+              <a:pPr/>
+              <a:t>18</a:t>
+            </a:fld>
+            <a:endParaRPr lang="ko-KR" altLang="en-US" dirty="0"/>
+          </a:p>
+        </p:txBody>
+      </p:sp>
+      <p:pic>
+        <p:nvPicPr>
+          <p:cNvPr id="2" name="그림 1">
+            <a:extLst>
+              <a:ext uri="{FF2B5EF4-FFF2-40B4-BE49-F238E27FC236}">
+                <a16:creationId xmlns:a16="http://schemas.microsoft.com/office/drawing/2014/main" id="{DE96D5FE-D89A-4012-B71A-8B51385FA252}"/>
+              </a:ext>
+            </a:extLst>
+          </p:cNvPr>
+          <p:cNvPicPr>
+            <a:picLocks noChangeAspect="1"/>
+          </p:cNvPicPr>
+          <p:nvPr/>
+        </p:nvPicPr>
+        <p:blipFill>
+          <a:blip r:embed="rId2"/>
+          <a:stretch>
+            <a:fillRect/>
+          </a:stretch>
+        </p:blipFill>
+        <p:spPr>
+          <a:xfrm>
+            <a:off x="1817686" y="1753272"/>
+            <a:ext cx="8524875" cy="4572000"/>
+          </a:xfrm>
+          <a:prstGeom prst="rect">
+            <a:avLst/>
+          </a:prstGeom>
+        </p:spPr>
+      </p:pic>
+    </p:spTree>
+    <p:extLst>
+      <p:ext uri="{BB962C8B-B14F-4D97-AF65-F5344CB8AC3E}">
+        <p14:creationId xmlns:p14="http://schemas.microsoft.com/office/powerpoint/2010/main" val="2225332343"/>
+      </p:ext>
+    </p:extLst>
+  </p:cSld>
+  <p:clrMapOvr>
+    <a:masterClrMapping/>
+  </p:clrMapOvr>
+</p:sld>
+</file>
+
+<file path=ppt/slides/slide19.xml><?xml version="1.0" encoding="utf-8"?>
+<p:sld xmlns:a="http://schemas.openxmlformats.org/drawingml/2006/main" xmlns:r="http://schemas.openxmlformats.org/officeDocument/2006/relationships" xmlns:p="http://schemas.openxmlformats.org/presentationml/2006/main">
+  <p:cSld>
+    <p:spTree>
+      <p:nvGrpSpPr>
+        <p:cNvPr id="1" name=""/>
+        <p:cNvGrpSpPr/>
+        <p:nvPr/>
+      </p:nvGrpSpPr>
+      <p:grpSpPr>
+        <a:xfrm>
+          <a:off x="0" y="0"/>
+          <a:ext cx="0" cy="0"/>
+          <a:chOff x="0" y="0"/>
+          <a:chExt cx="0" cy="0"/>
+        </a:xfrm>
+      </p:grpSpPr>
+      <p:sp>
+        <p:nvSpPr>
+          <p:cNvPr id="5" name="제목 4"/>
+          <p:cNvSpPr>
+            <a:spLocks noGrp="1"/>
+          </p:cNvSpPr>
+          <p:nvPr>
+            <p:ph type="title"/>
+          </p:nvPr>
+        </p:nvSpPr>
+        <p:spPr>
+          <a:xfrm>
+            <a:off x="608016" y="551987"/>
+            <a:ext cx="10944225" cy="1140090"/>
+          </a:xfrm>
+        </p:spPr>
+        <p:txBody>
+          <a:bodyPr>
+            <a:normAutofit/>
+          </a:bodyPr>
+          <a:lstStyle/>
+          <a:p>
+            <a:pPr algn="l"/>
+            <a:r>
+              <a:rPr lang="en-US" altLang="ko-KR" sz="4400" dirty="0">
+                <a:solidFill>
+                  <a:schemeClr val="tx1">
+                    <a:lumMod val="75000"/>
+                    <a:lumOff val="25000"/>
+                  </a:schemeClr>
+                </a:solidFill>
+                <a:latin typeface="Noto Sans CJK KR Black" pitchFamily="34" charset="-127"/>
+                <a:ea typeface="Noto Sans CJK KR Black" pitchFamily="34" charset="-127"/>
+              </a:rPr>
+              <a:t>1. </a:t>
+            </a:r>
+            <a:r>
+              <a:rPr lang="ko-KR" altLang="en-US" sz="4400" dirty="0">
+                <a:solidFill>
+                  <a:schemeClr val="tx1">
+                    <a:lumMod val="75000"/>
+                    <a:lumOff val="25000"/>
+                  </a:schemeClr>
+                </a:solidFill>
+                <a:latin typeface="Noto Sans CJK KR Black" pitchFamily="34" charset="-127"/>
+                <a:ea typeface="Noto Sans CJK KR Black" pitchFamily="34" charset="-127"/>
+              </a:rPr>
+              <a:t>기계학습 알고리즘</a:t>
+            </a:r>
+            <a:endParaRPr lang="ko-KR" altLang="en-US" sz="4400" dirty="0">
+              <a:solidFill>
+                <a:schemeClr val="tx1">
+                  <a:lumMod val="75000"/>
+                  <a:lumOff val="25000"/>
+                </a:schemeClr>
+              </a:solidFill>
+            </a:endParaRPr>
+          </a:p>
+        </p:txBody>
+      </p:sp>
+      <p:sp>
+        <p:nvSpPr>
+          <p:cNvPr id="3" name="슬라이드 번호 개체 틀 2"/>
+          <p:cNvSpPr>
+            <a:spLocks noGrp="1"/>
+          </p:cNvSpPr>
+          <p:nvPr>
+            <p:ph type="sldNum" sz="quarter" idx="12"/>
+          </p:nvPr>
+        </p:nvSpPr>
+        <p:spPr/>
+        <p:txBody>
+          <a:bodyPr/>
+          <a:lstStyle/>
+          <a:p>
+            <a:fld id="{6DDAE2C3-1A0B-474A-8CE8-AE55B8D9D4B1}" type="slidenum">
+              <a:rPr lang="ko-KR" altLang="en-US" smtClean="0"/>
+              <a:pPr/>
+              <a:t>19</a:t>
+            </a:fld>
+            <a:endParaRPr lang="ko-KR" altLang="en-US" dirty="0"/>
+          </a:p>
+        </p:txBody>
+      </p:sp>
+      <p:pic>
+        <p:nvPicPr>
+          <p:cNvPr id="4" name="그림 3">
+            <a:extLst>
+              <a:ext uri="{FF2B5EF4-FFF2-40B4-BE49-F238E27FC236}">
+                <a16:creationId xmlns:a16="http://schemas.microsoft.com/office/drawing/2014/main" id="{09249471-4BC7-4876-95C7-AFB6CCF0382C}"/>
+              </a:ext>
+            </a:extLst>
+          </p:cNvPr>
+          <p:cNvPicPr>
+            <a:picLocks noChangeAspect="1"/>
+          </p:cNvPicPr>
+          <p:nvPr/>
+        </p:nvPicPr>
+        <p:blipFill>
+          <a:blip r:embed="rId2"/>
+          <a:stretch>
+            <a:fillRect/>
+          </a:stretch>
+        </p:blipFill>
+        <p:spPr>
+          <a:xfrm>
+            <a:off x="1746250" y="1666990"/>
+            <a:ext cx="8667750" cy="5000625"/>
+          </a:xfrm>
+          <a:prstGeom prst="rect">
+            <a:avLst/>
+          </a:prstGeom>
+        </p:spPr>
+      </p:pic>
+    </p:spTree>
+    <p:extLst>
+      <p:ext uri="{BB962C8B-B14F-4D97-AF65-F5344CB8AC3E}">
+        <p14:creationId xmlns:p14="http://schemas.microsoft.com/office/powerpoint/2010/main" val="203672146"/>
       </p:ext>
     </p:extLst>
   </p:cSld>
@@ -4640,7 +5727,7 @@
           <p:cNvPr id="5" name="슬라이드 번호 개체 틀 3">
             <a:extLst>
               <a:ext uri="{FF2B5EF4-FFF2-40B4-BE49-F238E27FC236}">
-                <a16:creationId xmlns:a16="http://schemas.microsoft.com/office/drawing/2014/main" id="{F33380C6-69E2-4A83-9BD2-04C62FE5D24B}"/>
+                <a16:creationId xmlns:a16="http://schemas.microsoft.com/office/drawing/2014/main" id="{FD142860-410A-4F4E-92DC-DC5FC1E8F9C8}"/>
               </a:ext>
             </a:extLst>
           </p:cNvPr>
@@ -4736,7 +5823,7 @@
           <p:cNvPr id="6" name="TextBox 5">
             <a:extLst>
               <a:ext uri="{FF2B5EF4-FFF2-40B4-BE49-F238E27FC236}">
-                <a16:creationId xmlns:a16="http://schemas.microsoft.com/office/drawing/2014/main" id="{8BF01066-6B0A-4FA1-8C23-4A69A6736913}"/>
+                <a16:creationId xmlns:a16="http://schemas.microsoft.com/office/drawing/2014/main" id="{E4D60102-B1D1-4963-AAA4-EA2400320AB9}"/>
               </a:ext>
             </a:extLst>
           </p:cNvPr>
@@ -4777,19 +5864,12 @@
               <a:defRPr/>
             </a:pPr>
             <a:r>
-              <a:rPr kumimoji="0" lang="en-US" altLang="ko-KR" sz="4400" b="0" i="0" u="none" strike="noStrike" kern="1200" cap="none" spc="0" normalizeH="0" baseline="0" noProof="0" dirty="0">
-                <a:ln>
-                  <a:noFill/>
-                </a:ln>
+              <a:rPr lang="en-US" altLang="ko-KR" sz="4400" dirty="0">
                 <a:solidFill>
                   <a:prstClr val="white"/>
                 </a:solidFill>
-                <a:effectLst/>
-                <a:uLnTx/>
-                <a:uFillTx/>
                 <a:latin typeface="Noto Sans CJK KR Black" panose="020B0A00000000000000" pitchFamily="34" charset="-127"/>
                 <a:ea typeface="Noto Sans CJK KR Black" panose="020B0A00000000000000" pitchFamily="34" charset="-127"/>
-                <a:cs typeface="+mn-cs"/>
               </a:rPr>
               <a:t>6</a:t>
             </a:r>
@@ -4948,7 +6028,7 @@
           <p:cNvPr id="7" name="TextBox 6">
             <a:extLst>
               <a:ext uri="{FF2B5EF4-FFF2-40B4-BE49-F238E27FC236}">
-                <a16:creationId xmlns:a16="http://schemas.microsoft.com/office/drawing/2014/main" id="{9FE01AB0-92B6-48E5-9989-63C685E5911E}"/>
+                <a16:creationId xmlns:a16="http://schemas.microsoft.com/office/drawing/2014/main" id="{6CFF4F43-C036-4E6F-B642-467B0A6413FE}"/>
               </a:ext>
             </a:extLst>
           </p:cNvPr>
@@ -5007,10 +6087,10 @@
       </p:sp>
       <p:pic>
         <p:nvPicPr>
-          <p:cNvPr id="3" name="그림 2">
+          <p:cNvPr id="8" name="그림 7">
             <a:extLst>
               <a:ext uri="{FF2B5EF4-FFF2-40B4-BE49-F238E27FC236}">
-                <a16:creationId xmlns:a16="http://schemas.microsoft.com/office/drawing/2014/main" id="{B28E21CB-C8A1-4CAF-9592-DF5B9164442D}"/>
+                <a16:creationId xmlns:a16="http://schemas.microsoft.com/office/drawing/2014/main" id="{655461C3-7DD5-4A6F-9BD8-2DF62510B217}"/>
               </a:ext>
             </a:extLst>
           </p:cNvPr>
@@ -5020,21 +6100,15 @@
           <p:nvPr/>
         </p:nvPicPr>
         <p:blipFill>
-          <a:blip r:embed="rId3">
-            <a:extLst>
-              <a:ext uri="{28A0092B-C50C-407E-A947-70E740481C1C}">
-                <a14:useLocalDpi xmlns:a14="http://schemas.microsoft.com/office/drawing/2010/main" val="0"/>
-              </a:ext>
-            </a:extLst>
-          </a:blip>
+          <a:blip r:embed="rId3"/>
           <a:stretch>
             <a:fillRect/>
           </a:stretch>
         </p:blipFill>
         <p:spPr>
           <a:xfrm>
-            <a:off x="5509976" y="0"/>
-            <a:ext cx="6690829" cy="6840538"/>
+            <a:off x="6692208" y="0"/>
+            <a:ext cx="5462930" cy="6840538"/>
           </a:xfrm>
           <a:prstGeom prst="rect">
             <a:avLst/>
@@ -5046,7 +6120,7 @@
           <p:cNvPr id="4" name="TextBox 3">
             <a:extLst>
               <a:ext uri="{FF2B5EF4-FFF2-40B4-BE49-F238E27FC236}">
-                <a16:creationId xmlns:a16="http://schemas.microsoft.com/office/drawing/2014/main" id="{CA2685AD-645E-46B4-A56D-609A7F21A7F6}"/>
+                <a16:creationId xmlns:a16="http://schemas.microsoft.com/office/drawing/2014/main" id="{19B31AAF-43A9-467F-A682-A1470A682AD3}"/>
               </a:ext>
             </a:extLst>
           </p:cNvPr>
@@ -5055,8 +6129,8 @@
         </p:nvSpPr>
         <p:spPr>
           <a:xfrm>
-            <a:off x="8839421" y="395933"/>
-            <a:ext cx="3240360" cy="3456384"/>
+            <a:off x="6692207" y="2268141"/>
+            <a:ext cx="5462929" cy="2304256"/>
           </a:xfrm>
           <a:prstGeom prst="rect">
             <a:avLst/>
@@ -5081,7 +6155,1572 @@
     </p:spTree>
     <p:extLst>
       <p:ext uri="{BB962C8B-B14F-4D97-AF65-F5344CB8AC3E}">
-        <p14:creationId xmlns:p14="http://schemas.microsoft.com/office/powerpoint/2010/main" val="21412904"/>
+        <p14:creationId xmlns:p14="http://schemas.microsoft.com/office/powerpoint/2010/main" val="2038914197"/>
+      </p:ext>
+    </p:extLst>
+  </p:cSld>
+  <p:clrMapOvr>
+    <a:masterClrMapping/>
+  </p:clrMapOvr>
+</p:sld>
+</file>
+
+<file path=ppt/slides/slide20.xml><?xml version="1.0" encoding="utf-8"?>
+<p:sld xmlns:a="http://schemas.openxmlformats.org/drawingml/2006/main" xmlns:r="http://schemas.openxmlformats.org/officeDocument/2006/relationships" xmlns:p="http://schemas.openxmlformats.org/presentationml/2006/main">
+  <p:cSld>
+    <p:spTree>
+      <p:nvGrpSpPr>
+        <p:cNvPr id="1" name=""/>
+        <p:cNvGrpSpPr/>
+        <p:nvPr/>
+      </p:nvGrpSpPr>
+      <p:grpSpPr>
+        <a:xfrm>
+          <a:off x="0" y="0"/>
+          <a:ext cx="0" cy="0"/>
+          <a:chOff x="0" y="0"/>
+          <a:chExt cx="0" cy="0"/>
+        </a:xfrm>
+      </p:grpSpPr>
+      <p:sp>
+        <p:nvSpPr>
+          <p:cNvPr id="5" name="제목 4"/>
+          <p:cNvSpPr>
+            <a:spLocks noGrp="1"/>
+          </p:cNvSpPr>
+          <p:nvPr>
+            <p:ph type="title"/>
+          </p:nvPr>
+        </p:nvSpPr>
+        <p:spPr>
+          <a:xfrm>
+            <a:off x="608016" y="551987"/>
+            <a:ext cx="10944225" cy="1140090"/>
+          </a:xfrm>
+        </p:spPr>
+        <p:txBody>
+          <a:bodyPr>
+            <a:normAutofit fontScale="90000"/>
+          </a:bodyPr>
+          <a:lstStyle/>
+          <a:p>
+            <a:pPr algn="l"/>
+            <a:r>
+              <a:rPr lang="en-US" altLang="ko-KR" sz="4400" dirty="0">
+                <a:solidFill>
+                  <a:schemeClr val="tx1">
+                    <a:lumMod val="75000"/>
+                    <a:lumOff val="25000"/>
+                  </a:schemeClr>
+                </a:solidFill>
+                <a:latin typeface="Noto Sans CJK KR Black" pitchFamily="34" charset="-127"/>
+                <a:ea typeface="Noto Sans CJK KR Black" pitchFamily="34" charset="-127"/>
+              </a:rPr>
+              <a:t>1. </a:t>
+            </a:r>
+            <a:r>
+              <a:rPr lang="ko-KR" altLang="en-US" sz="4400" dirty="0">
+                <a:solidFill>
+                  <a:schemeClr val="tx1">
+                    <a:lumMod val="75000"/>
+                    <a:lumOff val="25000"/>
+                  </a:schemeClr>
+                </a:solidFill>
+                <a:latin typeface="Noto Sans CJK KR Black" pitchFamily="34" charset="-127"/>
+                <a:ea typeface="Noto Sans CJK KR Black" pitchFamily="34" charset="-127"/>
+              </a:rPr>
+              <a:t>기계학습 </a:t>
+            </a:r>
+            <a:br>
+              <a:rPr lang="en-US" altLang="ko-KR" sz="4400" dirty="0">
+                <a:solidFill>
+                  <a:schemeClr val="tx1">
+                    <a:lumMod val="75000"/>
+                    <a:lumOff val="25000"/>
+                  </a:schemeClr>
+                </a:solidFill>
+                <a:latin typeface="Noto Sans CJK KR Black" pitchFamily="34" charset="-127"/>
+                <a:ea typeface="Noto Sans CJK KR Black" pitchFamily="34" charset="-127"/>
+              </a:rPr>
+            </a:br>
+            <a:r>
+              <a:rPr lang="ko-KR" altLang="en-US" sz="4400" dirty="0">
+                <a:solidFill>
+                  <a:schemeClr val="tx1">
+                    <a:lumMod val="75000"/>
+                    <a:lumOff val="25000"/>
+                  </a:schemeClr>
+                </a:solidFill>
+                <a:latin typeface="Noto Sans CJK KR Black" pitchFamily="34" charset="-127"/>
+                <a:ea typeface="Noto Sans CJK KR Black" pitchFamily="34" charset="-127"/>
+              </a:rPr>
+              <a:t>알고리즘</a:t>
+            </a:r>
+            <a:endParaRPr lang="ko-KR" altLang="en-US" sz="4400" dirty="0">
+              <a:solidFill>
+                <a:schemeClr val="tx1">
+                  <a:lumMod val="75000"/>
+                  <a:lumOff val="25000"/>
+                </a:schemeClr>
+              </a:solidFill>
+            </a:endParaRPr>
+          </a:p>
+        </p:txBody>
+      </p:sp>
+      <p:sp>
+        <p:nvSpPr>
+          <p:cNvPr id="3" name="슬라이드 번호 개체 틀 2"/>
+          <p:cNvSpPr>
+            <a:spLocks noGrp="1"/>
+          </p:cNvSpPr>
+          <p:nvPr>
+            <p:ph type="sldNum" sz="quarter" idx="12"/>
+          </p:nvPr>
+        </p:nvSpPr>
+        <p:spPr/>
+        <p:txBody>
+          <a:bodyPr/>
+          <a:lstStyle/>
+          <a:p>
+            <a:fld id="{6DDAE2C3-1A0B-474A-8CE8-AE55B8D9D4B1}" type="slidenum">
+              <a:rPr lang="ko-KR" altLang="en-US" smtClean="0"/>
+              <a:pPr/>
+              <a:t>20</a:t>
+            </a:fld>
+            <a:endParaRPr lang="ko-KR" altLang="en-US" dirty="0"/>
+          </a:p>
+        </p:txBody>
+      </p:sp>
+      <p:pic>
+        <p:nvPicPr>
+          <p:cNvPr id="2" name="그림 1">
+            <a:extLst>
+              <a:ext uri="{FF2B5EF4-FFF2-40B4-BE49-F238E27FC236}">
+                <a16:creationId xmlns:a16="http://schemas.microsoft.com/office/drawing/2014/main" id="{E4D3435D-FD4B-48CE-9553-303962CF0C4E}"/>
+              </a:ext>
+            </a:extLst>
+          </p:cNvPr>
+          <p:cNvPicPr>
+            <a:picLocks noChangeAspect="1"/>
+          </p:cNvPicPr>
+          <p:nvPr/>
+        </p:nvPicPr>
+        <p:blipFill>
+          <a:blip r:embed="rId2"/>
+          <a:stretch>
+            <a:fillRect/>
+          </a:stretch>
+        </p:blipFill>
+        <p:spPr>
+          <a:xfrm>
+            <a:off x="4063901" y="484894"/>
+            <a:ext cx="7572375" cy="5895975"/>
+          </a:xfrm>
+          <a:prstGeom prst="rect">
+            <a:avLst/>
+          </a:prstGeom>
+        </p:spPr>
+      </p:pic>
+    </p:spTree>
+    <p:extLst>
+      <p:ext uri="{BB962C8B-B14F-4D97-AF65-F5344CB8AC3E}">
+        <p14:creationId xmlns:p14="http://schemas.microsoft.com/office/powerpoint/2010/main" val="2693577044"/>
+      </p:ext>
+    </p:extLst>
+  </p:cSld>
+  <p:clrMapOvr>
+    <a:masterClrMapping/>
+  </p:clrMapOvr>
+</p:sld>
+</file>
+
+<file path=ppt/slides/slide21.xml><?xml version="1.0" encoding="utf-8"?>
+<p:sld xmlns:a="http://schemas.openxmlformats.org/drawingml/2006/main" xmlns:r="http://schemas.openxmlformats.org/officeDocument/2006/relationships" xmlns:p="http://schemas.openxmlformats.org/presentationml/2006/main">
+  <p:cSld>
+    <p:spTree>
+      <p:nvGrpSpPr>
+        <p:cNvPr id="1" name=""/>
+        <p:cNvGrpSpPr/>
+        <p:nvPr/>
+      </p:nvGrpSpPr>
+      <p:grpSpPr>
+        <a:xfrm>
+          <a:off x="0" y="0"/>
+          <a:ext cx="0" cy="0"/>
+          <a:chOff x="0" y="0"/>
+          <a:chExt cx="0" cy="0"/>
+        </a:xfrm>
+      </p:grpSpPr>
+      <p:sp>
+        <p:nvSpPr>
+          <p:cNvPr id="5" name="제목 4"/>
+          <p:cNvSpPr>
+            <a:spLocks noGrp="1"/>
+          </p:cNvSpPr>
+          <p:nvPr>
+            <p:ph type="title"/>
+          </p:nvPr>
+        </p:nvSpPr>
+        <p:spPr>
+          <a:xfrm>
+            <a:off x="608016" y="551987"/>
+            <a:ext cx="10944225" cy="1140090"/>
+          </a:xfrm>
+        </p:spPr>
+        <p:txBody>
+          <a:bodyPr>
+            <a:normAutofit fontScale="90000"/>
+          </a:bodyPr>
+          <a:lstStyle/>
+          <a:p>
+            <a:pPr algn="l"/>
+            <a:r>
+              <a:rPr lang="en-US" altLang="ko-KR" sz="4400" dirty="0">
+                <a:solidFill>
+                  <a:schemeClr val="tx1">
+                    <a:lumMod val="75000"/>
+                    <a:lumOff val="25000"/>
+                  </a:schemeClr>
+                </a:solidFill>
+                <a:latin typeface="Noto Sans CJK KR Black" pitchFamily="34" charset="-127"/>
+                <a:ea typeface="Noto Sans CJK KR Black" pitchFamily="34" charset="-127"/>
+              </a:rPr>
+              <a:t>1. </a:t>
+            </a:r>
+            <a:r>
+              <a:rPr lang="ko-KR" altLang="en-US" sz="4400" dirty="0">
+                <a:solidFill>
+                  <a:schemeClr val="tx1">
+                    <a:lumMod val="75000"/>
+                    <a:lumOff val="25000"/>
+                  </a:schemeClr>
+                </a:solidFill>
+                <a:latin typeface="Noto Sans CJK KR Black" pitchFamily="34" charset="-127"/>
+                <a:ea typeface="Noto Sans CJK KR Black" pitchFamily="34" charset="-127"/>
+              </a:rPr>
+              <a:t>기계학습 </a:t>
+            </a:r>
+            <a:br>
+              <a:rPr lang="en-US" altLang="ko-KR" sz="4400" dirty="0">
+                <a:solidFill>
+                  <a:schemeClr val="tx1">
+                    <a:lumMod val="75000"/>
+                    <a:lumOff val="25000"/>
+                  </a:schemeClr>
+                </a:solidFill>
+                <a:latin typeface="Noto Sans CJK KR Black" pitchFamily="34" charset="-127"/>
+                <a:ea typeface="Noto Sans CJK KR Black" pitchFamily="34" charset="-127"/>
+              </a:rPr>
+            </a:br>
+            <a:r>
+              <a:rPr lang="ko-KR" altLang="en-US" sz="4400" dirty="0">
+                <a:solidFill>
+                  <a:schemeClr val="tx1">
+                    <a:lumMod val="75000"/>
+                    <a:lumOff val="25000"/>
+                  </a:schemeClr>
+                </a:solidFill>
+                <a:latin typeface="Noto Sans CJK KR Black" pitchFamily="34" charset="-127"/>
+                <a:ea typeface="Noto Sans CJK KR Black" pitchFamily="34" charset="-127"/>
+              </a:rPr>
+              <a:t>알고리즘</a:t>
+            </a:r>
+            <a:endParaRPr lang="ko-KR" altLang="en-US" sz="4400" dirty="0">
+              <a:solidFill>
+                <a:schemeClr val="tx1">
+                  <a:lumMod val="75000"/>
+                  <a:lumOff val="25000"/>
+                </a:schemeClr>
+              </a:solidFill>
+            </a:endParaRPr>
+          </a:p>
+        </p:txBody>
+      </p:sp>
+      <p:sp>
+        <p:nvSpPr>
+          <p:cNvPr id="3" name="슬라이드 번호 개체 틀 2"/>
+          <p:cNvSpPr>
+            <a:spLocks noGrp="1"/>
+          </p:cNvSpPr>
+          <p:nvPr>
+            <p:ph type="sldNum" sz="quarter" idx="12"/>
+          </p:nvPr>
+        </p:nvSpPr>
+        <p:spPr/>
+        <p:txBody>
+          <a:bodyPr/>
+          <a:lstStyle/>
+          <a:p>
+            <a:fld id="{6DDAE2C3-1A0B-474A-8CE8-AE55B8D9D4B1}" type="slidenum">
+              <a:rPr lang="ko-KR" altLang="en-US" smtClean="0"/>
+              <a:pPr/>
+              <a:t>21</a:t>
+            </a:fld>
+            <a:endParaRPr lang="ko-KR" altLang="en-US" dirty="0"/>
+          </a:p>
+        </p:txBody>
+      </p:sp>
+      <p:pic>
+        <p:nvPicPr>
+          <p:cNvPr id="2" name="그림 1">
+            <a:extLst>
+              <a:ext uri="{FF2B5EF4-FFF2-40B4-BE49-F238E27FC236}">
+                <a16:creationId xmlns:a16="http://schemas.microsoft.com/office/drawing/2014/main" id="{8EEB68CE-E61E-417C-A750-AFCFFEE46BD2}"/>
+              </a:ext>
+            </a:extLst>
+          </p:cNvPr>
+          <p:cNvPicPr>
+            <a:picLocks noChangeAspect="1"/>
+          </p:cNvPicPr>
+          <p:nvPr/>
+        </p:nvPicPr>
+        <p:blipFill>
+          <a:blip r:embed="rId2"/>
+          <a:stretch>
+            <a:fillRect/>
+          </a:stretch>
+        </p:blipFill>
+        <p:spPr>
+          <a:xfrm>
+            <a:off x="4135909" y="267494"/>
+            <a:ext cx="6886575" cy="6305550"/>
+          </a:xfrm>
+          <a:prstGeom prst="rect">
+            <a:avLst/>
+          </a:prstGeom>
+        </p:spPr>
+      </p:pic>
+    </p:spTree>
+    <p:extLst>
+      <p:ext uri="{BB962C8B-B14F-4D97-AF65-F5344CB8AC3E}">
+        <p14:creationId xmlns:p14="http://schemas.microsoft.com/office/powerpoint/2010/main" val="936272146"/>
+      </p:ext>
+    </p:extLst>
+  </p:cSld>
+  <p:clrMapOvr>
+    <a:masterClrMapping/>
+  </p:clrMapOvr>
+</p:sld>
+</file>
+
+<file path=ppt/slides/slide22.xml><?xml version="1.0" encoding="utf-8"?>
+<p:sld xmlns:a="http://schemas.openxmlformats.org/drawingml/2006/main" xmlns:r="http://schemas.openxmlformats.org/officeDocument/2006/relationships" xmlns:p="http://schemas.openxmlformats.org/presentationml/2006/main">
+  <p:cSld>
+    <p:spTree>
+      <p:nvGrpSpPr>
+        <p:cNvPr id="1" name=""/>
+        <p:cNvGrpSpPr/>
+        <p:nvPr/>
+      </p:nvGrpSpPr>
+      <p:grpSpPr>
+        <a:xfrm>
+          <a:off x="0" y="0"/>
+          <a:ext cx="0" cy="0"/>
+          <a:chOff x="0" y="0"/>
+          <a:chExt cx="0" cy="0"/>
+        </a:xfrm>
+      </p:grpSpPr>
+      <p:sp>
+        <p:nvSpPr>
+          <p:cNvPr id="5" name="제목 4"/>
+          <p:cNvSpPr>
+            <a:spLocks noGrp="1"/>
+          </p:cNvSpPr>
+          <p:nvPr>
+            <p:ph type="title"/>
+          </p:nvPr>
+        </p:nvSpPr>
+        <p:spPr>
+          <a:xfrm>
+            <a:off x="608016" y="551987"/>
+            <a:ext cx="10944225" cy="1140090"/>
+          </a:xfrm>
+        </p:spPr>
+        <p:txBody>
+          <a:bodyPr>
+            <a:normAutofit fontScale="90000"/>
+          </a:bodyPr>
+          <a:lstStyle/>
+          <a:p>
+            <a:pPr algn="l"/>
+            <a:r>
+              <a:rPr lang="en-US" altLang="ko-KR" sz="4400" dirty="0">
+                <a:solidFill>
+                  <a:schemeClr val="tx1">
+                    <a:lumMod val="75000"/>
+                    <a:lumOff val="25000"/>
+                  </a:schemeClr>
+                </a:solidFill>
+                <a:latin typeface="Noto Sans CJK KR Black" pitchFamily="34" charset="-127"/>
+                <a:ea typeface="Noto Sans CJK KR Black" pitchFamily="34" charset="-127"/>
+              </a:rPr>
+              <a:t>1. </a:t>
+            </a:r>
+            <a:r>
+              <a:rPr lang="ko-KR" altLang="en-US" sz="4400" dirty="0">
+                <a:solidFill>
+                  <a:schemeClr val="tx1">
+                    <a:lumMod val="75000"/>
+                    <a:lumOff val="25000"/>
+                  </a:schemeClr>
+                </a:solidFill>
+                <a:latin typeface="Noto Sans CJK KR Black" pitchFamily="34" charset="-127"/>
+                <a:ea typeface="Noto Sans CJK KR Black" pitchFamily="34" charset="-127"/>
+              </a:rPr>
+              <a:t>기계학습 </a:t>
+            </a:r>
+            <a:br>
+              <a:rPr lang="en-US" altLang="ko-KR" sz="4400" dirty="0">
+                <a:solidFill>
+                  <a:schemeClr val="tx1">
+                    <a:lumMod val="75000"/>
+                    <a:lumOff val="25000"/>
+                  </a:schemeClr>
+                </a:solidFill>
+                <a:latin typeface="Noto Sans CJK KR Black" pitchFamily="34" charset="-127"/>
+                <a:ea typeface="Noto Sans CJK KR Black" pitchFamily="34" charset="-127"/>
+              </a:rPr>
+            </a:br>
+            <a:r>
+              <a:rPr lang="ko-KR" altLang="en-US" sz="4400" dirty="0">
+                <a:solidFill>
+                  <a:schemeClr val="tx1">
+                    <a:lumMod val="75000"/>
+                    <a:lumOff val="25000"/>
+                  </a:schemeClr>
+                </a:solidFill>
+                <a:latin typeface="Noto Sans CJK KR Black" pitchFamily="34" charset="-127"/>
+                <a:ea typeface="Noto Sans CJK KR Black" pitchFamily="34" charset="-127"/>
+              </a:rPr>
+              <a:t>알고리즘</a:t>
+            </a:r>
+            <a:endParaRPr lang="ko-KR" altLang="en-US" sz="4400" dirty="0">
+              <a:solidFill>
+                <a:schemeClr val="tx1">
+                  <a:lumMod val="75000"/>
+                  <a:lumOff val="25000"/>
+                </a:schemeClr>
+              </a:solidFill>
+            </a:endParaRPr>
+          </a:p>
+        </p:txBody>
+      </p:sp>
+      <p:sp>
+        <p:nvSpPr>
+          <p:cNvPr id="3" name="슬라이드 번호 개체 틀 2"/>
+          <p:cNvSpPr>
+            <a:spLocks noGrp="1"/>
+          </p:cNvSpPr>
+          <p:nvPr>
+            <p:ph type="sldNum" sz="quarter" idx="12"/>
+          </p:nvPr>
+        </p:nvSpPr>
+        <p:spPr/>
+        <p:txBody>
+          <a:bodyPr/>
+          <a:lstStyle/>
+          <a:p>
+            <a:fld id="{6DDAE2C3-1A0B-474A-8CE8-AE55B8D9D4B1}" type="slidenum">
+              <a:rPr lang="ko-KR" altLang="en-US" smtClean="0"/>
+              <a:pPr/>
+              <a:t>22</a:t>
+            </a:fld>
+            <a:endParaRPr lang="ko-KR" altLang="en-US" dirty="0"/>
+          </a:p>
+        </p:txBody>
+      </p:sp>
+      <p:pic>
+        <p:nvPicPr>
+          <p:cNvPr id="4" name="그림 3">
+            <a:extLst>
+              <a:ext uri="{FF2B5EF4-FFF2-40B4-BE49-F238E27FC236}">
+                <a16:creationId xmlns:a16="http://schemas.microsoft.com/office/drawing/2014/main" id="{6895CB8E-8C14-4E0D-AD86-D155C7214376}"/>
+              </a:ext>
+            </a:extLst>
+          </p:cNvPr>
+          <p:cNvPicPr>
+            <a:picLocks noChangeAspect="1"/>
+          </p:cNvPicPr>
+          <p:nvPr/>
+        </p:nvPicPr>
+        <p:blipFill>
+          <a:blip r:embed="rId2"/>
+          <a:stretch>
+            <a:fillRect/>
+          </a:stretch>
+        </p:blipFill>
+        <p:spPr>
+          <a:xfrm>
+            <a:off x="3114302" y="1287349"/>
+            <a:ext cx="8905875" cy="5505450"/>
+          </a:xfrm>
+          <a:prstGeom prst="rect">
+            <a:avLst/>
+          </a:prstGeom>
+        </p:spPr>
+      </p:pic>
+    </p:spTree>
+    <p:extLst>
+      <p:ext uri="{BB962C8B-B14F-4D97-AF65-F5344CB8AC3E}">
+        <p14:creationId xmlns:p14="http://schemas.microsoft.com/office/powerpoint/2010/main" val="1653717065"/>
+      </p:ext>
+    </p:extLst>
+  </p:cSld>
+  <p:clrMapOvr>
+    <a:masterClrMapping/>
+  </p:clrMapOvr>
+</p:sld>
+</file>
+
+<file path=ppt/slides/slide23.xml><?xml version="1.0" encoding="utf-8"?>
+<p:sld xmlns:a="http://schemas.openxmlformats.org/drawingml/2006/main" xmlns:r="http://schemas.openxmlformats.org/officeDocument/2006/relationships" xmlns:p="http://schemas.openxmlformats.org/presentationml/2006/main">
+  <p:cSld>
+    <p:spTree>
+      <p:nvGrpSpPr>
+        <p:cNvPr id="1" name=""/>
+        <p:cNvGrpSpPr/>
+        <p:nvPr/>
+      </p:nvGrpSpPr>
+      <p:grpSpPr>
+        <a:xfrm>
+          <a:off x="0" y="0"/>
+          <a:ext cx="0" cy="0"/>
+          <a:chOff x="0" y="0"/>
+          <a:chExt cx="0" cy="0"/>
+        </a:xfrm>
+      </p:grpSpPr>
+      <p:sp>
+        <p:nvSpPr>
+          <p:cNvPr id="5" name="제목 4"/>
+          <p:cNvSpPr>
+            <a:spLocks noGrp="1"/>
+          </p:cNvSpPr>
+          <p:nvPr>
+            <p:ph type="title"/>
+          </p:nvPr>
+        </p:nvSpPr>
+        <p:spPr>
+          <a:xfrm>
+            <a:off x="608016" y="551987"/>
+            <a:ext cx="10944225" cy="1140090"/>
+          </a:xfrm>
+        </p:spPr>
+        <p:txBody>
+          <a:bodyPr>
+            <a:normAutofit fontScale="90000"/>
+          </a:bodyPr>
+          <a:lstStyle/>
+          <a:p>
+            <a:pPr algn="l"/>
+            <a:r>
+              <a:rPr lang="en-US" altLang="ko-KR" sz="4400" dirty="0">
+                <a:solidFill>
+                  <a:schemeClr val="tx1">
+                    <a:lumMod val="75000"/>
+                    <a:lumOff val="25000"/>
+                  </a:schemeClr>
+                </a:solidFill>
+                <a:latin typeface="Noto Sans CJK KR Black" pitchFamily="34" charset="-127"/>
+                <a:ea typeface="Noto Sans CJK KR Black" pitchFamily="34" charset="-127"/>
+              </a:rPr>
+              <a:t>1. </a:t>
+            </a:r>
+            <a:r>
+              <a:rPr lang="ko-KR" altLang="en-US" sz="4400" dirty="0">
+                <a:solidFill>
+                  <a:schemeClr val="tx1">
+                    <a:lumMod val="75000"/>
+                    <a:lumOff val="25000"/>
+                  </a:schemeClr>
+                </a:solidFill>
+                <a:latin typeface="Noto Sans CJK KR Black" pitchFamily="34" charset="-127"/>
+                <a:ea typeface="Noto Sans CJK KR Black" pitchFamily="34" charset="-127"/>
+              </a:rPr>
+              <a:t>기계학습 </a:t>
+            </a:r>
+            <a:br>
+              <a:rPr lang="en-US" altLang="ko-KR" sz="4400" dirty="0">
+                <a:solidFill>
+                  <a:schemeClr val="tx1">
+                    <a:lumMod val="75000"/>
+                    <a:lumOff val="25000"/>
+                  </a:schemeClr>
+                </a:solidFill>
+                <a:latin typeface="Noto Sans CJK KR Black" pitchFamily="34" charset="-127"/>
+                <a:ea typeface="Noto Sans CJK KR Black" pitchFamily="34" charset="-127"/>
+              </a:rPr>
+            </a:br>
+            <a:r>
+              <a:rPr lang="ko-KR" altLang="en-US" sz="4400" dirty="0">
+                <a:solidFill>
+                  <a:schemeClr val="tx1">
+                    <a:lumMod val="75000"/>
+                    <a:lumOff val="25000"/>
+                  </a:schemeClr>
+                </a:solidFill>
+                <a:latin typeface="Noto Sans CJK KR Black" pitchFamily="34" charset="-127"/>
+                <a:ea typeface="Noto Sans CJK KR Black" pitchFamily="34" charset="-127"/>
+              </a:rPr>
+              <a:t>알고리즘</a:t>
+            </a:r>
+            <a:endParaRPr lang="ko-KR" altLang="en-US" sz="4400" dirty="0">
+              <a:solidFill>
+                <a:schemeClr val="tx1">
+                  <a:lumMod val="75000"/>
+                  <a:lumOff val="25000"/>
+                </a:schemeClr>
+              </a:solidFill>
+            </a:endParaRPr>
+          </a:p>
+        </p:txBody>
+      </p:sp>
+      <p:sp>
+        <p:nvSpPr>
+          <p:cNvPr id="3" name="슬라이드 번호 개체 틀 2"/>
+          <p:cNvSpPr>
+            <a:spLocks noGrp="1"/>
+          </p:cNvSpPr>
+          <p:nvPr>
+            <p:ph type="sldNum" sz="quarter" idx="12"/>
+          </p:nvPr>
+        </p:nvSpPr>
+        <p:spPr/>
+        <p:txBody>
+          <a:bodyPr/>
+          <a:lstStyle/>
+          <a:p>
+            <a:fld id="{6DDAE2C3-1A0B-474A-8CE8-AE55B8D9D4B1}" type="slidenum">
+              <a:rPr lang="ko-KR" altLang="en-US" smtClean="0"/>
+              <a:pPr/>
+              <a:t>23</a:t>
+            </a:fld>
+            <a:endParaRPr lang="ko-KR" altLang="en-US" dirty="0"/>
+          </a:p>
+        </p:txBody>
+      </p:sp>
+      <p:pic>
+        <p:nvPicPr>
+          <p:cNvPr id="2" name="그림 1">
+            <a:extLst>
+              <a:ext uri="{FF2B5EF4-FFF2-40B4-BE49-F238E27FC236}">
+                <a16:creationId xmlns:a16="http://schemas.microsoft.com/office/drawing/2014/main" id="{43A7046E-2CAF-4605-8467-A2A9B26B85CD}"/>
+              </a:ext>
+            </a:extLst>
+          </p:cNvPr>
+          <p:cNvPicPr>
+            <a:picLocks noChangeAspect="1"/>
+          </p:cNvPicPr>
+          <p:nvPr/>
+        </p:nvPicPr>
+        <p:blipFill>
+          <a:blip r:embed="rId2"/>
+          <a:stretch>
+            <a:fillRect/>
+          </a:stretch>
+        </p:blipFill>
+        <p:spPr>
+          <a:xfrm>
+            <a:off x="3139821" y="1302112"/>
+            <a:ext cx="8858250" cy="5467350"/>
+          </a:xfrm>
+          <a:prstGeom prst="rect">
+            <a:avLst/>
+          </a:prstGeom>
+        </p:spPr>
+      </p:pic>
+    </p:spTree>
+    <p:extLst>
+      <p:ext uri="{BB962C8B-B14F-4D97-AF65-F5344CB8AC3E}">
+        <p14:creationId xmlns:p14="http://schemas.microsoft.com/office/powerpoint/2010/main" val="832087844"/>
+      </p:ext>
+    </p:extLst>
+  </p:cSld>
+  <p:clrMapOvr>
+    <a:masterClrMapping/>
+  </p:clrMapOvr>
+</p:sld>
+</file>
+
+<file path=ppt/slides/slide24.xml><?xml version="1.0" encoding="utf-8"?>
+<p:sld xmlns:a="http://schemas.openxmlformats.org/drawingml/2006/main" xmlns:r="http://schemas.openxmlformats.org/officeDocument/2006/relationships" xmlns:p="http://schemas.openxmlformats.org/presentationml/2006/main">
+  <p:cSld>
+    <p:spTree>
+      <p:nvGrpSpPr>
+        <p:cNvPr id="1" name=""/>
+        <p:cNvGrpSpPr/>
+        <p:nvPr/>
+      </p:nvGrpSpPr>
+      <p:grpSpPr>
+        <a:xfrm>
+          <a:off x="0" y="0"/>
+          <a:ext cx="0" cy="0"/>
+          <a:chOff x="0" y="0"/>
+          <a:chExt cx="0" cy="0"/>
+        </a:xfrm>
+      </p:grpSpPr>
+      <p:sp>
+        <p:nvSpPr>
+          <p:cNvPr id="5" name="제목 4"/>
+          <p:cNvSpPr>
+            <a:spLocks noGrp="1"/>
+          </p:cNvSpPr>
+          <p:nvPr>
+            <p:ph type="title"/>
+          </p:nvPr>
+        </p:nvSpPr>
+        <p:spPr>
+          <a:xfrm>
+            <a:off x="608016" y="551987"/>
+            <a:ext cx="10944225" cy="1140090"/>
+          </a:xfrm>
+        </p:spPr>
+        <p:txBody>
+          <a:bodyPr>
+            <a:normAutofit/>
+          </a:bodyPr>
+          <a:lstStyle/>
+          <a:p>
+            <a:pPr algn="l"/>
+            <a:r>
+              <a:rPr lang="en-US" altLang="ko-KR" sz="4400" dirty="0">
+                <a:solidFill>
+                  <a:schemeClr val="tx1">
+                    <a:lumMod val="75000"/>
+                    <a:lumOff val="25000"/>
+                  </a:schemeClr>
+                </a:solidFill>
+                <a:latin typeface="Noto Sans CJK KR Black" pitchFamily="34" charset="-127"/>
+                <a:ea typeface="Noto Sans CJK KR Black" pitchFamily="34" charset="-127"/>
+              </a:rPr>
+              <a:t>1. </a:t>
+            </a:r>
+            <a:r>
+              <a:rPr lang="ko-KR" altLang="en-US" sz="4400" dirty="0">
+                <a:solidFill>
+                  <a:schemeClr val="tx1">
+                    <a:lumMod val="75000"/>
+                    <a:lumOff val="25000"/>
+                  </a:schemeClr>
+                </a:solidFill>
+                <a:latin typeface="Noto Sans CJK KR Black" pitchFamily="34" charset="-127"/>
+                <a:ea typeface="Noto Sans CJK KR Black" pitchFamily="34" charset="-127"/>
+              </a:rPr>
+              <a:t>기계학습 알고리즘</a:t>
+            </a:r>
+            <a:endParaRPr lang="ko-KR" altLang="en-US" sz="4400" dirty="0">
+              <a:solidFill>
+                <a:schemeClr val="tx1">
+                  <a:lumMod val="75000"/>
+                  <a:lumOff val="25000"/>
+                </a:schemeClr>
+              </a:solidFill>
+            </a:endParaRPr>
+          </a:p>
+        </p:txBody>
+      </p:sp>
+      <p:sp>
+        <p:nvSpPr>
+          <p:cNvPr id="3" name="슬라이드 번호 개체 틀 2"/>
+          <p:cNvSpPr>
+            <a:spLocks noGrp="1"/>
+          </p:cNvSpPr>
+          <p:nvPr>
+            <p:ph type="sldNum" sz="quarter" idx="12"/>
+          </p:nvPr>
+        </p:nvSpPr>
+        <p:spPr/>
+        <p:txBody>
+          <a:bodyPr/>
+          <a:lstStyle/>
+          <a:p>
+            <a:fld id="{6DDAE2C3-1A0B-474A-8CE8-AE55B8D9D4B1}" type="slidenum">
+              <a:rPr lang="ko-KR" altLang="en-US" smtClean="0"/>
+              <a:pPr/>
+              <a:t>24</a:t>
+            </a:fld>
+            <a:endParaRPr lang="ko-KR" altLang="en-US" dirty="0"/>
+          </a:p>
+        </p:txBody>
+      </p:sp>
+      <p:pic>
+        <p:nvPicPr>
+          <p:cNvPr id="2" name="그림 1">
+            <a:extLst>
+              <a:ext uri="{FF2B5EF4-FFF2-40B4-BE49-F238E27FC236}">
+                <a16:creationId xmlns:a16="http://schemas.microsoft.com/office/drawing/2014/main" id="{8251BBF9-A868-4E1A-9B63-92D10B6B8018}"/>
+              </a:ext>
+            </a:extLst>
+          </p:cNvPr>
+          <p:cNvPicPr>
+            <a:picLocks noChangeAspect="1"/>
+          </p:cNvPicPr>
+          <p:nvPr/>
+        </p:nvPicPr>
+        <p:blipFill>
+          <a:blip r:embed="rId2"/>
+          <a:stretch>
+            <a:fillRect/>
+          </a:stretch>
+        </p:blipFill>
+        <p:spPr>
+          <a:xfrm>
+            <a:off x="2751137" y="1670014"/>
+            <a:ext cx="6657975" cy="5010150"/>
+          </a:xfrm>
+          <a:prstGeom prst="rect">
+            <a:avLst/>
+          </a:prstGeom>
+        </p:spPr>
+      </p:pic>
+    </p:spTree>
+    <p:extLst>
+      <p:ext uri="{BB962C8B-B14F-4D97-AF65-F5344CB8AC3E}">
+        <p14:creationId xmlns:p14="http://schemas.microsoft.com/office/powerpoint/2010/main" val="2183607618"/>
+      </p:ext>
+    </p:extLst>
+  </p:cSld>
+  <p:clrMapOvr>
+    <a:masterClrMapping/>
+  </p:clrMapOvr>
+</p:sld>
+</file>
+
+<file path=ppt/slides/slide25.xml><?xml version="1.0" encoding="utf-8"?>
+<p:sld xmlns:a="http://schemas.openxmlformats.org/drawingml/2006/main" xmlns:r="http://schemas.openxmlformats.org/officeDocument/2006/relationships" xmlns:p="http://schemas.openxmlformats.org/presentationml/2006/main">
+  <p:cSld>
+    <p:spTree>
+      <p:nvGrpSpPr>
+        <p:cNvPr id="1" name=""/>
+        <p:cNvGrpSpPr/>
+        <p:nvPr/>
+      </p:nvGrpSpPr>
+      <p:grpSpPr>
+        <a:xfrm>
+          <a:off x="0" y="0"/>
+          <a:ext cx="0" cy="0"/>
+          <a:chOff x="0" y="0"/>
+          <a:chExt cx="0" cy="0"/>
+        </a:xfrm>
+      </p:grpSpPr>
+      <p:sp>
+        <p:nvSpPr>
+          <p:cNvPr id="5" name="제목 4"/>
+          <p:cNvSpPr>
+            <a:spLocks noGrp="1"/>
+          </p:cNvSpPr>
+          <p:nvPr>
+            <p:ph type="title"/>
+          </p:nvPr>
+        </p:nvSpPr>
+        <p:spPr>
+          <a:xfrm>
+            <a:off x="608016" y="551987"/>
+            <a:ext cx="10944225" cy="1140090"/>
+          </a:xfrm>
+        </p:spPr>
+        <p:txBody>
+          <a:bodyPr>
+            <a:normAutofit/>
+          </a:bodyPr>
+          <a:lstStyle/>
+          <a:p>
+            <a:pPr algn="l"/>
+            <a:r>
+              <a:rPr lang="en-US" altLang="ko-KR" sz="4400" dirty="0">
+                <a:solidFill>
+                  <a:schemeClr val="tx1">
+                    <a:lumMod val="75000"/>
+                    <a:lumOff val="25000"/>
+                  </a:schemeClr>
+                </a:solidFill>
+                <a:latin typeface="Noto Sans CJK KR Black" pitchFamily="34" charset="-127"/>
+                <a:ea typeface="Noto Sans CJK KR Black" pitchFamily="34" charset="-127"/>
+              </a:rPr>
+              <a:t>1. </a:t>
+            </a:r>
+            <a:r>
+              <a:rPr lang="ko-KR" altLang="en-US" sz="4400" dirty="0">
+                <a:solidFill>
+                  <a:schemeClr val="tx1">
+                    <a:lumMod val="75000"/>
+                    <a:lumOff val="25000"/>
+                  </a:schemeClr>
+                </a:solidFill>
+                <a:latin typeface="Noto Sans CJK KR Black" pitchFamily="34" charset="-127"/>
+                <a:ea typeface="Noto Sans CJK KR Black" pitchFamily="34" charset="-127"/>
+              </a:rPr>
+              <a:t>기계학습 알고리즘</a:t>
+            </a:r>
+            <a:endParaRPr lang="ko-KR" altLang="en-US" sz="4400" dirty="0">
+              <a:solidFill>
+                <a:schemeClr val="tx1">
+                  <a:lumMod val="75000"/>
+                  <a:lumOff val="25000"/>
+                </a:schemeClr>
+              </a:solidFill>
+            </a:endParaRPr>
+          </a:p>
+        </p:txBody>
+      </p:sp>
+      <p:sp>
+        <p:nvSpPr>
+          <p:cNvPr id="3" name="슬라이드 번호 개체 틀 2"/>
+          <p:cNvSpPr>
+            <a:spLocks noGrp="1"/>
+          </p:cNvSpPr>
+          <p:nvPr>
+            <p:ph type="sldNum" sz="quarter" idx="12"/>
+          </p:nvPr>
+        </p:nvSpPr>
+        <p:spPr/>
+        <p:txBody>
+          <a:bodyPr/>
+          <a:lstStyle/>
+          <a:p>
+            <a:fld id="{6DDAE2C3-1A0B-474A-8CE8-AE55B8D9D4B1}" type="slidenum">
+              <a:rPr lang="ko-KR" altLang="en-US" smtClean="0"/>
+              <a:pPr/>
+              <a:t>25</a:t>
+            </a:fld>
+            <a:endParaRPr lang="ko-KR" altLang="en-US" dirty="0"/>
+          </a:p>
+        </p:txBody>
+      </p:sp>
+      <p:pic>
+        <p:nvPicPr>
+          <p:cNvPr id="2" name="그림 1">
+            <a:extLst>
+              <a:ext uri="{FF2B5EF4-FFF2-40B4-BE49-F238E27FC236}">
+                <a16:creationId xmlns:a16="http://schemas.microsoft.com/office/drawing/2014/main" id="{84E0E80A-1404-4117-9400-9B26A81DFF85}"/>
+              </a:ext>
+            </a:extLst>
+          </p:cNvPr>
+          <p:cNvPicPr>
+            <a:picLocks noChangeAspect="1"/>
+          </p:cNvPicPr>
+          <p:nvPr/>
+        </p:nvPicPr>
+        <p:blipFill>
+          <a:blip r:embed="rId2"/>
+          <a:stretch>
+            <a:fillRect/>
+          </a:stretch>
+        </p:blipFill>
+        <p:spPr>
+          <a:xfrm>
+            <a:off x="2341562" y="1851112"/>
+            <a:ext cx="7477125" cy="4362450"/>
+          </a:xfrm>
+          <a:prstGeom prst="rect">
+            <a:avLst/>
+          </a:prstGeom>
+        </p:spPr>
+      </p:pic>
+    </p:spTree>
+    <p:extLst>
+      <p:ext uri="{BB962C8B-B14F-4D97-AF65-F5344CB8AC3E}">
+        <p14:creationId xmlns:p14="http://schemas.microsoft.com/office/powerpoint/2010/main" val="2811243867"/>
+      </p:ext>
+    </p:extLst>
+  </p:cSld>
+  <p:clrMapOvr>
+    <a:masterClrMapping/>
+  </p:clrMapOvr>
+</p:sld>
+</file>
+
+<file path=ppt/slides/slide26.xml><?xml version="1.0" encoding="utf-8"?>
+<p:sld xmlns:a="http://schemas.openxmlformats.org/drawingml/2006/main" xmlns:r="http://schemas.openxmlformats.org/officeDocument/2006/relationships" xmlns:p="http://schemas.openxmlformats.org/presentationml/2006/main">
+  <p:cSld>
+    <p:spTree>
+      <p:nvGrpSpPr>
+        <p:cNvPr id="1" name=""/>
+        <p:cNvGrpSpPr/>
+        <p:nvPr/>
+      </p:nvGrpSpPr>
+      <p:grpSpPr>
+        <a:xfrm>
+          <a:off x="0" y="0"/>
+          <a:ext cx="0" cy="0"/>
+          <a:chOff x="0" y="0"/>
+          <a:chExt cx="0" cy="0"/>
+        </a:xfrm>
+      </p:grpSpPr>
+      <p:sp>
+        <p:nvSpPr>
+          <p:cNvPr id="5" name="제목 4"/>
+          <p:cNvSpPr>
+            <a:spLocks noGrp="1"/>
+          </p:cNvSpPr>
+          <p:nvPr>
+            <p:ph type="title"/>
+          </p:nvPr>
+        </p:nvSpPr>
+        <p:spPr>
+          <a:xfrm>
+            <a:off x="608016" y="551987"/>
+            <a:ext cx="10944225" cy="1140090"/>
+          </a:xfrm>
+        </p:spPr>
+        <p:txBody>
+          <a:bodyPr>
+            <a:normAutofit/>
+          </a:bodyPr>
+          <a:lstStyle/>
+          <a:p>
+            <a:pPr algn="l"/>
+            <a:r>
+              <a:rPr lang="en-US" altLang="ko-KR" sz="4400" dirty="0">
+                <a:solidFill>
+                  <a:schemeClr val="tx1">
+                    <a:lumMod val="75000"/>
+                    <a:lumOff val="25000"/>
+                  </a:schemeClr>
+                </a:solidFill>
+                <a:latin typeface="Noto Sans CJK KR Black" pitchFamily="34" charset="-127"/>
+                <a:ea typeface="Noto Sans CJK KR Black" pitchFamily="34" charset="-127"/>
+              </a:rPr>
+              <a:t>1. </a:t>
+            </a:r>
+            <a:r>
+              <a:rPr lang="ko-KR" altLang="en-US" sz="4400" dirty="0">
+                <a:solidFill>
+                  <a:schemeClr val="tx1">
+                    <a:lumMod val="75000"/>
+                    <a:lumOff val="25000"/>
+                  </a:schemeClr>
+                </a:solidFill>
+                <a:latin typeface="Noto Sans CJK KR Black" pitchFamily="34" charset="-127"/>
+                <a:ea typeface="Noto Sans CJK KR Black" pitchFamily="34" charset="-127"/>
+              </a:rPr>
+              <a:t>기계학습 알고리즘</a:t>
+            </a:r>
+            <a:endParaRPr lang="ko-KR" altLang="en-US" sz="4400" dirty="0">
+              <a:solidFill>
+                <a:schemeClr val="tx1">
+                  <a:lumMod val="75000"/>
+                  <a:lumOff val="25000"/>
+                </a:schemeClr>
+              </a:solidFill>
+            </a:endParaRPr>
+          </a:p>
+        </p:txBody>
+      </p:sp>
+      <p:sp>
+        <p:nvSpPr>
+          <p:cNvPr id="3" name="슬라이드 번호 개체 틀 2"/>
+          <p:cNvSpPr>
+            <a:spLocks noGrp="1"/>
+          </p:cNvSpPr>
+          <p:nvPr>
+            <p:ph type="sldNum" sz="quarter" idx="12"/>
+          </p:nvPr>
+        </p:nvSpPr>
+        <p:spPr/>
+        <p:txBody>
+          <a:bodyPr/>
+          <a:lstStyle/>
+          <a:p>
+            <a:fld id="{6DDAE2C3-1A0B-474A-8CE8-AE55B8D9D4B1}" type="slidenum">
+              <a:rPr lang="ko-KR" altLang="en-US" smtClean="0"/>
+              <a:pPr/>
+              <a:t>26</a:t>
+            </a:fld>
+            <a:endParaRPr lang="ko-KR" altLang="en-US" dirty="0"/>
+          </a:p>
+        </p:txBody>
+      </p:sp>
+      <p:pic>
+        <p:nvPicPr>
+          <p:cNvPr id="2" name="그림 1">
+            <a:extLst>
+              <a:ext uri="{FF2B5EF4-FFF2-40B4-BE49-F238E27FC236}">
+                <a16:creationId xmlns:a16="http://schemas.microsoft.com/office/drawing/2014/main" id="{0A201080-61C0-4055-AFB9-4FF0690834AF}"/>
+              </a:ext>
+            </a:extLst>
+          </p:cNvPr>
+          <p:cNvPicPr>
+            <a:picLocks noChangeAspect="1"/>
+          </p:cNvPicPr>
+          <p:nvPr/>
+        </p:nvPicPr>
+        <p:blipFill>
+          <a:blip r:embed="rId2"/>
+          <a:stretch>
+            <a:fillRect/>
+          </a:stretch>
+        </p:blipFill>
+        <p:spPr>
+          <a:xfrm>
+            <a:off x="1851025" y="1943473"/>
+            <a:ext cx="8458200" cy="4429125"/>
+          </a:xfrm>
+          <a:prstGeom prst="rect">
+            <a:avLst/>
+          </a:prstGeom>
+        </p:spPr>
+      </p:pic>
+    </p:spTree>
+    <p:extLst>
+      <p:ext uri="{BB962C8B-B14F-4D97-AF65-F5344CB8AC3E}">
+        <p14:creationId xmlns:p14="http://schemas.microsoft.com/office/powerpoint/2010/main" val="3825927226"/>
+      </p:ext>
+    </p:extLst>
+  </p:cSld>
+  <p:clrMapOvr>
+    <a:masterClrMapping/>
+  </p:clrMapOvr>
+</p:sld>
+</file>
+
+<file path=ppt/slides/slide27.xml><?xml version="1.0" encoding="utf-8"?>
+<p:sld xmlns:a="http://schemas.openxmlformats.org/drawingml/2006/main" xmlns:r="http://schemas.openxmlformats.org/officeDocument/2006/relationships" xmlns:p="http://schemas.openxmlformats.org/presentationml/2006/main">
+  <p:cSld>
+    <p:spTree>
+      <p:nvGrpSpPr>
+        <p:cNvPr id="1" name=""/>
+        <p:cNvGrpSpPr/>
+        <p:nvPr/>
+      </p:nvGrpSpPr>
+      <p:grpSpPr>
+        <a:xfrm>
+          <a:off x="0" y="0"/>
+          <a:ext cx="0" cy="0"/>
+          <a:chOff x="0" y="0"/>
+          <a:chExt cx="0" cy="0"/>
+        </a:xfrm>
+      </p:grpSpPr>
+      <p:sp>
+        <p:nvSpPr>
+          <p:cNvPr id="5" name="제목 4"/>
+          <p:cNvSpPr>
+            <a:spLocks noGrp="1"/>
+          </p:cNvSpPr>
+          <p:nvPr>
+            <p:ph type="title"/>
+          </p:nvPr>
+        </p:nvSpPr>
+        <p:spPr>
+          <a:xfrm>
+            <a:off x="608016" y="551987"/>
+            <a:ext cx="10944225" cy="1140090"/>
+          </a:xfrm>
+        </p:spPr>
+        <p:txBody>
+          <a:bodyPr>
+            <a:normAutofit/>
+          </a:bodyPr>
+          <a:lstStyle/>
+          <a:p>
+            <a:pPr algn="l"/>
+            <a:r>
+              <a:rPr lang="en-US" altLang="ko-KR" sz="4400" dirty="0">
+                <a:solidFill>
+                  <a:schemeClr val="tx1">
+                    <a:lumMod val="75000"/>
+                    <a:lumOff val="25000"/>
+                  </a:schemeClr>
+                </a:solidFill>
+                <a:latin typeface="Noto Sans CJK KR Black" pitchFamily="34" charset="-127"/>
+                <a:ea typeface="Noto Sans CJK KR Black" pitchFamily="34" charset="-127"/>
+              </a:rPr>
+              <a:t>1. </a:t>
+            </a:r>
+            <a:r>
+              <a:rPr lang="ko-KR" altLang="en-US" sz="4400" dirty="0">
+                <a:solidFill>
+                  <a:schemeClr val="tx1">
+                    <a:lumMod val="75000"/>
+                    <a:lumOff val="25000"/>
+                  </a:schemeClr>
+                </a:solidFill>
+                <a:latin typeface="Noto Sans CJK KR Black" pitchFamily="34" charset="-127"/>
+                <a:ea typeface="Noto Sans CJK KR Black" pitchFamily="34" charset="-127"/>
+              </a:rPr>
+              <a:t>기계학습 알고리즘</a:t>
+            </a:r>
+            <a:endParaRPr lang="ko-KR" altLang="en-US" sz="4400" dirty="0">
+              <a:solidFill>
+                <a:schemeClr val="tx1">
+                  <a:lumMod val="75000"/>
+                  <a:lumOff val="25000"/>
+                </a:schemeClr>
+              </a:solidFill>
+            </a:endParaRPr>
+          </a:p>
+        </p:txBody>
+      </p:sp>
+      <p:sp>
+        <p:nvSpPr>
+          <p:cNvPr id="3" name="슬라이드 번호 개체 틀 2"/>
+          <p:cNvSpPr>
+            <a:spLocks noGrp="1"/>
+          </p:cNvSpPr>
+          <p:nvPr>
+            <p:ph type="sldNum" sz="quarter" idx="12"/>
+          </p:nvPr>
+        </p:nvSpPr>
+        <p:spPr/>
+        <p:txBody>
+          <a:bodyPr/>
+          <a:lstStyle/>
+          <a:p>
+            <a:fld id="{6DDAE2C3-1A0B-474A-8CE8-AE55B8D9D4B1}" type="slidenum">
+              <a:rPr lang="ko-KR" altLang="en-US" smtClean="0"/>
+              <a:pPr/>
+              <a:t>27</a:t>
+            </a:fld>
+            <a:endParaRPr lang="ko-KR" altLang="en-US" dirty="0"/>
+          </a:p>
+        </p:txBody>
+      </p:sp>
+      <p:pic>
+        <p:nvPicPr>
+          <p:cNvPr id="4" name="그림 3">
+            <a:extLst>
+              <a:ext uri="{FF2B5EF4-FFF2-40B4-BE49-F238E27FC236}">
+                <a16:creationId xmlns:a16="http://schemas.microsoft.com/office/drawing/2014/main" id="{9B971A19-C12F-4C23-B3D9-E6C211D2D26E}"/>
+              </a:ext>
+            </a:extLst>
+          </p:cNvPr>
+          <p:cNvPicPr>
+            <a:picLocks noChangeAspect="1"/>
+          </p:cNvPicPr>
+          <p:nvPr/>
+        </p:nvPicPr>
+        <p:blipFill>
+          <a:blip r:embed="rId2"/>
+          <a:stretch>
+            <a:fillRect/>
+          </a:stretch>
+        </p:blipFill>
+        <p:spPr>
+          <a:xfrm>
+            <a:off x="1874837" y="2024919"/>
+            <a:ext cx="8410575" cy="4352925"/>
+          </a:xfrm>
+          <a:prstGeom prst="rect">
+            <a:avLst/>
+          </a:prstGeom>
+        </p:spPr>
+      </p:pic>
+    </p:spTree>
+    <p:extLst>
+      <p:ext uri="{BB962C8B-B14F-4D97-AF65-F5344CB8AC3E}">
+        <p14:creationId xmlns:p14="http://schemas.microsoft.com/office/powerpoint/2010/main" val="2133787294"/>
+      </p:ext>
+    </p:extLst>
+  </p:cSld>
+  <p:clrMapOvr>
+    <a:masterClrMapping/>
+  </p:clrMapOvr>
+</p:sld>
+</file>
+
+<file path=ppt/slides/slide28.xml><?xml version="1.0" encoding="utf-8"?>
+<p:sld xmlns:a="http://schemas.openxmlformats.org/drawingml/2006/main" xmlns:r="http://schemas.openxmlformats.org/officeDocument/2006/relationships" xmlns:p="http://schemas.openxmlformats.org/presentationml/2006/main">
+  <p:cSld>
+    <p:spTree>
+      <p:nvGrpSpPr>
+        <p:cNvPr id="1" name=""/>
+        <p:cNvGrpSpPr/>
+        <p:nvPr/>
+      </p:nvGrpSpPr>
+      <p:grpSpPr>
+        <a:xfrm>
+          <a:off x="0" y="0"/>
+          <a:ext cx="0" cy="0"/>
+          <a:chOff x="0" y="0"/>
+          <a:chExt cx="0" cy="0"/>
+        </a:xfrm>
+      </p:grpSpPr>
+      <p:sp>
+        <p:nvSpPr>
+          <p:cNvPr id="5" name="제목 4"/>
+          <p:cNvSpPr>
+            <a:spLocks noGrp="1"/>
+          </p:cNvSpPr>
+          <p:nvPr>
+            <p:ph type="title"/>
+          </p:nvPr>
+        </p:nvSpPr>
+        <p:spPr>
+          <a:xfrm>
+            <a:off x="608016" y="551987"/>
+            <a:ext cx="10944225" cy="1140090"/>
+          </a:xfrm>
+        </p:spPr>
+        <p:txBody>
+          <a:bodyPr>
+            <a:normAutofit fontScale="90000"/>
+          </a:bodyPr>
+          <a:lstStyle/>
+          <a:p>
+            <a:pPr algn="l"/>
+            <a:r>
+              <a:rPr lang="en-US" altLang="ko-KR" sz="4400" dirty="0">
+                <a:solidFill>
+                  <a:schemeClr val="tx1">
+                    <a:lumMod val="75000"/>
+                    <a:lumOff val="25000"/>
+                  </a:schemeClr>
+                </a:solidFill>
+                <a:latin typeface="Noto Sans CJK KR Black" pitchFamily="34" charset="-127"/>
+                <a:ea typeface="Noto Sans CJK KR Black" pitchFamily="34" charset="-127"/>
+              </a:rPr>
+              <a:t>1. </a:t>
+            </a:r>
+            <a:r>
+              <a:rPr lang="ko-KR" altLang="en-US" sz="4400" dirty="0">
+                <a:solidFill>
+                  <a:schemeClr val="tx1">
+                    <a:lumMod val="75000"/>
+                    <a:lumOff val="25000"/>
+                  </a:schemeClr>
+                </a:solidFill>
+                <a:latin typeface="Noto Sans CJK KR Black" pitchFamily="34" charset="-127"/>
+                <a:ea typeface="Noto Sans CJK KR Black" pitchFamily="34" charset="-127"/>
+              </a:rPr>
+              <a:t>기계학습</a:t>
+            </a:r>
+            <a:br>
+              <a:rPr lang="en-US" altLang="ko-KR" sz="4400" dirty="0">
+                <a:solidFill>
+                  <a:schemeClr val="tx1">
+                    <a:lumMod val="75000"/>
+                    <a:lumOff val="25000"/>
+                  </a:schemeClr>
+                </a:solidFill>
+                <a:latin typeface="Noto Sans CJK KR Black" pitchFamily="34" charset="-127"/>
+                <a:ea typeface="Noto Sans CJK KR Black" pitchFamily="34" charset="-127"/>
+              </a:rPr>
+            </a:br>
+            <a:r>
+              <a:rPr lang="ko-KR" altLang="en-US" sz="4400" dirty="0">
+                <a:solidFill>
+                  <a:schemeClr val="tx1">
+                    <a:lumMod val="75000"/>
+                    <a:lumOff val="25000"/>
+                  </a:schemeClr>
+                </a:solidFill>
+                <a:latin typeface="Noto Sans CJK KR Black" pitchFamily="34" charset="-127"/>
+                <a:ea typeface="Noto Sans CJK KR Black" pitchFamily="34" charset="-127"/>
+              </a:rPr>
+              <a:t> 알고리즘</a:t>
+            </a:r>
+            <a:endParaRPr lang="ko-KR" altLang="en-US" sz="4400" dirty="0">
+              <a:solidFill>
+                <a:schemeClr val="tx1">
+                  <a:lumMod val="75000"/>
+                  <a:lumOff val="25000"/>
+                </a:schemeClr>
+              </a:solidFill>
+            </a:endParaRPr>
+          </a:p>
+        </p:txBody>
+      </p:sp>
+      <p:sp>
+        <p:nvSpPr>
+          <p:cNvPr id="3" name="슬라이드 번호 개체 틀 2"/>
+          <p:cNvSpPr>
+            <a:spLocks noGrp="1"/>
+          </p:cNvSpPr>
+          <p:nvPr>
+            <p:ph type="sldNum" sz="quarter" idx="12"/>
+          </p:nvPr>
+        </p:nvSpPr>
+        <p:spPr/>
+        <p:txBody>
+          <a:bodyPr/>
+          <a:lstStyle/>
+          <a:p>
+            <a:fld id="{6DDAE2C3-1A0B-474A-8CE8-AE55B8D9D4B1}" type="slidenum">
+              <a:rPr lang="ko-KR" altLang="en-US" smtClean="0"/>
+              <a:pPr/>
+              <a:t>28</a:t>
+            </a:fld>
+            <a:endParaRPr lang="ko-KR" altLang="en-US" dirty="0"/>
+          </a:p>
+        </p:txBody>
+      </p:sp>
+      <p:pic>
+        <p:nvPicPr>
+          <p:cNvPr id="2" name="그림 1">
+            <a:extLst>
+              <a:ext uri="{FF2B5EF4-FFF2-40B4-BE49-F238E27FC236}">
+                <a16:creationId xmlns:a16="http://schemas.microsoft.com/office/drawing/2014/main" id="{A4143997-BD5B-467F-9C94-93A6F2673CB4}"/>
+              </a:ext>
+            </a:extLst>
+          </p:cNvPr>
+          <p:cNvPicPr>
+            <a:picLocks noChangeAspect="1"/>
+          </p:cNvPicPr>
+          <p:nvPr/>
+        </p:nvPicPr>
+        <p:blipFill>
+          <a:blip r:embed="rId2"/>
+          <a:stretch>
+            <a:fillRect/>
+          </a:stretch>
+        </p:blipFill>
+        <p:spPr>
+          <a:xfrm>
+            <a:off x="3750102" y="0"/>
+            <a:ext cx="8256779" cy="6840538"/>
+          </a:xfrm>
+          <a:prstGeom prst="rect">
+            <a:avLst/>
+          </a:prstGeom>
+        </p:spPr>
+      </p:pic>
+    </p:spTree>
+    <p:extLst>
+      <p:ext uri="{BB962C8B-B14F-4D97-AF65-F5344CB8AC3E}">
+        <p14:creationId xmlns:p14="http://schemas.microsoft.com/office/powerpoint/2010/main" val="945379000"/>
+      </p:ext>
+    </p:extLst>
+  </p:cSld>
+  <p:clrMapOvr>
+    <a:masterClrMapping/>
+  </p:clrMapOvr>
+</p:sld>
+</file>
+
+<file path=ppt/slides/slide29.xml><?xml version="1.0" encoding="utf-8"?>
+<p:sld xmlns:a="http://schemas.openxmlformats.org/drawingml/2006/main" xmlns:r="http://schemas.openxmlformats.org/officeDocument/2006/relationships" xmlns:p="http://schemas.openxmlformats.org/presentationml/2006/main">
+  <p:cSld>
+    <p:spTree>
+      <p:nvGrpSpPr>
+        <p:cNvPr id="1" name=""/>
+        <p:cNvGrpSpPr/>
+        <p:nvPr/>
+      </p:nvGrpSpPr>
+      <p:grpSpPr>
+        <a:xfrm>
+          <a:off x="0" y="0"/>
+          <a:ext cx="0" cy="0"/>
+          <a:chOff x="0" y="0"/>
+          <a:chExt cx="0" cy="0"/>
+        </a:xfrm>
+      </p:grpSpPr>
+      <p:sp>
+        <p:nvSpPr>
+          <p:cNvPr id="5" name="제목 4"/>
+          <p:cNvSpPr>
+            <a:spLocks noGrp="1"/>
+          </p:cNvSpPr>
+          <p:nvPr>
+            <p:ph type="title"/>
+          </p:nvPr>
+        </p:nvSpPr>
+        <p:spPr>
+          <a:xfrm>
+            <a:off x="608016" y="551987"/>
+            <a:ext cx="10944225" cy="1140090"/>
+          </a:xfrm>
+        </p:spPr>
+        <p:txBody>
+          <a:bodyPr>
+            <a:normAutofit/>
+          </a:bodyPr>
+          <a:lstStyle/>
+          <a:p>
+            <a:pPr algn="l"/>
+            <a:r>
+              <a:rPr lang="en-US" altLang="ko-KR" sz="4400" dirty="0">
+                <a:solidFill>
+                  <a:schemeClr val="tx1">
+                    <a:lumMod val="75000"/>
+                    <a:lumOff val="25000"/>
+                  </a:schemeClr>
+                </a:solidFill>
+                <a:latin typeface="Noto Sans CJK KR Black" pitchFamily="34" charset="-127"/>
+                <a:ea typeface="Noto Sans CJK KR Black" pitchFamily="34" charset="-127"/>
+              </a:rPr>
+              <a:t>1. </a:t>
+            </a:r>
+            <a:r>
+              <a:rPr lang="ko-KR" altLang="en-US" sz="4400" dirty="0">
+                <a:solidFill>
+                  <a:schemeClr val="tx1">
+                    <a:lumMod val="75000"/>
+                    <a:lumOff val="25000"/>
+                  </a:schemeClr>
+                </a:solidFill>
+                <a:latin typeface="Noto Sans CJK KR Black" pitchFamily="34" charset="-127"/>
+                <a:ea typeface="Noto Sans CJK KR Black" pitchFamily="34" charset="-127"/>
+              </a:rPr>
+              <a:t>기계학습 알고리즘</a:t>
+            </a:r>
+            <a:endParaRPr lang="ko-KR" altLang="en-US" sz="4400" dirty="0">
+              <a:solidFill>
+                <a:schemeClr val="tx1">
+                  <a:lumMod val="75000"/>
+                  <a:lumOff val="25000"/>
+                </a:schemeClr>
+              </a:solidFill>
+            </a:endParaRPr>
+          </a:p>
+        </p:txBody>
+      </p:sp>
+      <p:sp>
+        <p:nvSpPr>
+          <p:cNvPr id="3" name="슬라이드 번호 개체 틀 2"/>
+          <p:cNvSpPr>
+            <a:spLocks noGrp="1"/>
+          </p:cNvSpPr>
+          <p:nvPr>
+            <p:ph type="sldNum" sz="quarter" idx="12"/>
+          </p:nvPr>
+        </p:nvSpPr>
+        <p:spPr/>
+        <p:txBody>
+          <a:bodyPr/>
+          <a:lstStyle/>
+          <a:p>
+            <a:fld id="{6DDAE2C3-1A0B-474A-8CE8-AE55B8D9D4B1}" type="slidenum">
+              <a:rPr lang="ko-KR" altLang="en-US" smtClean="0"/>
+              <a:pPr/>
+              <a:t>29</a:t>
+            </a:fld>
+            <a:endParaRPr lang="ko-KR" altLang="en-US" dirty="0"/>
+          </a:p>
+        </p:txBody>
+      </p:sp>
+      <p:pic>
+        <p:nvPicPr>
+          <p:cNvPr id="2" name="그림 1">
+            <a:extLst>
+              <a:ext uri="{FF2B5EF4-FFF2-40B4-BE49-F238E27FC236}">
+                <a16:creationId xmlns:a16="http://schemas.microsoft.com/office/drawing/2014/main" id="{EE4031B8-D31C-4DD6-8A8A-855EE98771BE}"/>
+              </a:ext>
+            </a:extLst>
+          </p:cNvPr>
+          <p:cNvPicPr>
+            <a:picLocks noChangeAspect="1"/>
+          </p:cNvPicPr>
+          <p:nvPr/>
+        </p:nvPicPr>
+        <p:blipFill>
+          <a:blip r:embed="rId2"/>
+          <a:stretch>
+            <a:fillRect/>
+          </a:stretch>
+        </p:blipFill>
+        <p:spPr>
+          <a:xfrm>
+            <a:off x="2513012" y="1589175"/>
+            <a:ext cx="7134225" cy="4886325"/>
+          </a:xfrm>
+          <a:prstGeom prst="rect">
+            <a:avLst/>
+          </a:prstGeom>
+        </p:spPr>
+      </p:pic>
+    </p:spTree>
+    <p:extLst>
+      <p:ext uri="{BB962C8B-B14F-4D97-AF65-F5344CB8AC3E}">
+        <p14:creationId xmlns:p14="http://schemas.microsoft.com/office/powerpoint/2010/main" val="446366101"/>
       </p:ext>
     </p:extLst>
   </p:cSld>
@@ -5108,9 +7747,548 @@
           <a:chExt cx="0" cy="0"/>
         </a:xfrm>
       </p:grpSpPr>
-      <p:sp>
-        <p:nvSpPr>
-          <p:cNvPr id="15" name="슬라이드 번호 개체 틀 14"/>
+      <p:pic>
+        <p:nvPicPr>
+          <p:cNvPr id="8" name="그림 7">
+            <a:extLst>
+              <a:ext uri="{FF2B5EF4-FFF2-40B4-BE49-F238E27FC236}">
+                <a16:creationId xmlns:a16="http://schemas.microsoft.com/office/drawing/2014/main" id="{C5994EA9-D5E9-4685-95E4-53E4AC09B84F}"/>
+              </a:ext>
+            </a:extLst>
+          </p:cNvPr>
+          <p:cNvPicPr>
+            <a:picLocks noChangeAspect="1"/>
+          </p:cNvPicPr>
+          <p:nvPr/>
+        </p:nvPicPr>
+        <p:blipFill>
+          <a:blip r:embed="rId3"/>
+          <a:stretch>
+            <a:fillRect/>
+          </a:stretch>
+        </p:blipFill>
+        <p:spPr>
+          <a:xfrm>
+            <a:off x="6692208" y="0"/>
+            <a:ext cx="5462930" cy="6840538"/>
+          </a:xfrm>
+          <a:prstGeom prst="rect">
+            <a:avLst/>
+          </a:prstGeom>
+        </p:spPr>
+      </p:pic>
+      <p:sp>
+        <p:nvSpPr>
+          <p:cNvPr id="5" name="슬라이드 번호 개체 틀 3">
+            <a:extLst>
+              <a:ext uri="{FF2B5EF4-FFF2-40B4-BE49-F238E27FC236}">
+                <a16:creationId xmlns:a16="http://schemas.microsoft.com/office/drawing/2014/main" id="{FD142860-410A-4F4E-92DC-DC5FC1E8F9C8}"/>
+              </a:ext>
+            </a:extLst>
+          </p:cNvPr>
+          <p:cNvSpPr>
+            <a:spLocks noGrp="1"/>
+          </p:cNvSpPr>
+          <p:nvPr>
+            <p:ph type="sldNum" sz="quarter" idx="12"/>
+          </p:nvPr>
+        </p:nvSpPr>
+        <p:spPr>
+          <a:xfrm>
+            <a:off x="9160679" y="6372598"/>
+            <a:ext cx="2837392" cy="364195"/>
+          </a:xfrm>
+        </p:spPr>
+        <p:txBody>
+          <a:bodyPr/>
+          <a:lstStyle/>
+          <a:p>
+            <a:pPr marL="0" marR="0" lvl="0" indent="0" algn="r" defTabSz="1107796" rtl="0" eaLnBrk="1" fontAlgn="auto" latinLnBrk="1" hangingPunct="1">
+              <a:lnSpc>
+                <a:spcPct val="100000"/>
+              </a:lnSpc>
+              <a:spcBef>
+                <a:spcPts val="0"/>
+              </a:spcBef>
+              <a:spcAft>
+                <a:spcPts val="0"/>
+              </a:spcAft>
+              <a:buClrTx/>
+              <a:buSzTx/>
+              <a:buFontTx/>
+              <a:buNone/>
+              <a:tabLst/>
+              <a:defRPr/>
+            </a:pPr>
+            <a:fld id="{6DDAE2C3-1A0B-474A-8CE8-AE55B8D9D4B1}" type="slidenum">
+              <a:rPr kumimoji="0" lang="ko-KR" altLang="en-US" sz="900" b="0" i="0" u="none" strike="noStrike" kern="1200" cap="none" spc="0" normalizeH="0" baseline="0" noProof="0" smtClean="0">
+                <a:ln>
+                  <a:noFill/>
+                </a:ln>
+                <a:solidFill>
+                  <a:prstClr val="black">
+                    <a:tint val="75000"/>
+                  </a:prstClr>
+                </a:solidFill>
+                <a:effectLst/>
+                <a:uLnTx/>
+                <a:uFillTx/>
+                <a:ea typeface="Noto Sans CJK KR Bold" panose="020B0800000000000000" pitchFamily="34" charset="-127"/>
+                <a:cs typeface="+mn-cs"/>
+              </a:rPr>
+              <a:pPr marL="0" marR="0" lvl="0" indent="0" algn="r" defTabSz="1107796" rtl="0" eaLnBrk="1" fontAlgn="auto" latinLnBrk="1" hangingPunct="1">
+                <a:lnSpc>
+                  <a:spcPct val="100000"/>
+                </a:lnSpc>
+                <a:spcBef>
+                  <a:spcPts val="0"/>
+                </a:spcBef>
+                <a:spcAft>
+                  <a:spcPts val="0"/>
+                </a:spcAft>
+                <a:buClrTx/>
+                <a:buSzTx/>
+                <a:buFontTx/>
+                <a:buNone/>
+                <a:tabLst/>
+                <a:defRPr/>
+              </a:pPr>
+              <a:t>3</a:t>
+            </a:fld>
+            <a:endParaRPr kumimoji="0" lang="ko-KR" altLang="en-US" sz="900" b="0" i="0" u="none" strike="noStrike" kern="1200" cap="none" spc="0" normalizeH="0" baseline="0" noProof="0" dirty="0">
+              <a:ln>
+                <a:noFill/>
+              </a:ln>
+              <a:solidFill>
+                <a:prstClr val="black">
+                  <a:tint val="75000"/>
+                </a:prstClr>
+              </a:solidFill>
+              <a:effectLst/>
+              <a:uLnTx/>
+              <a:uFillTx/>
+              <a:ea typeface="Noto Sans CJK KR Bold" panose="020B0800000000000000" pitchFamily="34" charset="-127"/>
+              <a:cs typeface="+mn-cs"/>
+            </a:endParaRPr>
+          </a:p>
+        </p:txBody>
+      </p:sp>
+      <p:sp>
+        <p:nvSpPr>
+          <p:cNvPr id="6" name="TextBox 5">
+            <a:extLst>
+              <a:ext uri="{FF2B5EF4-FFF2-40B4-BE49-F238E27FC236}">
+                <a16:creationId xmlns:a16="http://schemas.microsoft.com/office/drawing/2014/main" id="{E4D60102-B1D1-4963-AAA4-EA2400320AB9}"/>
+              </a:ext>
+            </a:extLst>
+          </p:cNvPr>
+          <p:cNvSpPr txBox="1"/>
+          <p:nvPr/>
+        </p:nvSpPr>
+        <p:spPr>
+          <a:xfrm>
+            <a:off x="542135" y="855851"/>
+            <a:ext cx="11298630" cy="2708434"/>
+          </a:xfrm>
+          <a:prstGeom prst="rect">
+            <a:avLst/>
+          </a:prstGeom>
+          <a:noFill/>
+        </p:spPr>
+        <p:txBody>
+          <a:bodyPr wrap="square" lIns="0" tIns="0" rIns="0" bIns="0" rtlCol="0" anchor="t">
+            <a:spAutoFit/>
+          </a:bodyPr>
+          <a:lstStyle/>
+          <a:p>
+            <a:pPr marL="0" marR="0" lvl="0" indent="0" algn="l" defTabSz="1107796" rtl="0" eaLnBrk="1" fontAlgn="auto" latinLnBrk="1" hangingPunct="1">
+              <a:lnSpc>
+                <a:spcPct val="100000"/>
+              </a:lnSpc>
+              <a:spcBef>
+                <a:spcPts val="0"/>
+              </a:spcBef>
+              <a:spcAft>
+                <a:spcPts val="0"/>
+              </a:spcAft>
+              <a:buClrTx/>
+              <a:buSzTx/>
+              <a:buFontTx/>
+              <a:buNone/>
+              <a:tabLst/>
+              <a:defRPr/>
+            </a:pPr>
+            <a:r>
+              <a:rPr kumimoji="0" lang="en-US" altLang="ko-KR" sz="4400" b="0" i="0" u="none" strike="noStrike" kern="1200" cap="none" spc="0" normalizeH="0" baseline="0" noProof="0" dirty="0">
+                <a:ln>
+                  <a:noFill/>
+                </a:ln>
+                <a:solidFill>
+                  <a:prstClr val="white"/>
+                </a:solidFill>
+                <a:effectLst/>
+                <a:uLnTx/>
+                <a:uFillTx/>
+                <a:latin typeface="Noto Sans CJK KR Black" panose="020B0A00000000000000" pitchFamily="34" charset="-127"/>
+                <a:ea typeface="Noto Sans CJK KR Black" panose="020B0A00000000000000" pitchFamily="34" charset="-127"/>
+                <a:cs typeface="+mn-cs"/>
+              </a:rPr>
+              <a:t>5</a:t>
+            </a:r>
+            <a:r>
+              <a:rPr kumimoji="0" lang="ko-KR" altLang="en-US" sz="4400" b="0" i="0" u="none" strike="noStrike" kern="1200" cap="none" spc="0" normalizeH="0" baseline="0" noProof="0" dirty="0">
+                <a:ln>
+                  <a:noFill/>
+                </a:ln>
+                <a:solidFill>
+                  <a:prstClr val="white"/>
+                </a:solidFill>
+                <a:effectLst/>
+                <a:uLnTx/>
+                <a:uFillTx/>
+                <a:latin typeface="Noto Sans CJK KR Black" panose="020B0A00000000000000" pitchFamily="34" charset="-127"/>
+                <a:ea typeface="Noto Sans CJK KR Black" panose="020B0A00000000000000" pitchFamily="34" charset="-127"/>
+                <a:cs typeface="+mn-cs"/>
+              </a:rPr>
+              <a:t>주차 </a:t>
+            </a:r>
+            <a:endParaRPr kumimoji="0" lang="en-US" altLang="ko-KR" sz="4400" b="0" i="0" u="none" strike="noStrike" kern="1200" cap="none" spc="0" normalizeH="0" baseline="0" noProof="0" dirty="0">
+              <a:ln>
+                <a:noFill/>
+              </a:ln>
+              <a:solidFill>
+                <a:prstClr val="white"/>
+              </a:solidFill>
+              <a:effectLst/>
+              <a:uLnTx/>
+              <a:uFillTx/>
+              <a:latin typeface="Noto Sans CJK KR Black" panose="020B0A00000000000000" pitchFamily="34" charset="-127"/>
+              <a:ea typeface="Noto Sans CJK KR Black" panose="020B0A00000000000000" pitchFamily="34" charset="-127"/>
+              <a:cs typeface="+mn-cs"/>
+            </a:endParaRPr>
+          </a:p>
+          <a:p>
+            <a:pPr marL="0" marR="0" lvl="0" indent="0" algn="l" defTabSz="1107796" rtl="0" eaLnBrk="1" fontAlgn="auto" latinLnBrk="1" hangingPunct="1">
+              <a:lnSpc>
+                <a:spcPct val="100000"/>
+              </a:lnSpc>
+              <a:spcBef>
+                <a:spcPts val="0"/>
+              </a:spcBef>
+              <a:spcAft>
+                <a:spcPts val="0"/>
+              </a:spcAft>
+              <a:buClrTx/>
+              <a:buSzTx/>
+              <a:buFontTx/>
+              <a:buNone/>
+              <a:tabLst/>
+              <a:defRPr/>
+            </a:pPr>
+            <a:r>
+              <a:rPr kumimoji="0" lang="ko-KR" altLang="en-US" sz="4400" b="0" i="0" u="none" strike="noStrike" kern="1200" cap="none" spc="0" normalizeH="0" baseline="0" noProof="0" dirty="0">
+                <a:ln>
+                  <a:noFill/>
+                </a:ln>
+                <a:solidFill>
+                  <a:prstClr val="white"/>
+                </a:solidFill>
+                <a:effectLst/>
+                <a:uLnTx/>
+                <a:uFillTx/>
+                <a:latin typeface="Noto Sans CJK KR Black" panose="020B0A00000000000000" pitchFamily="34" charset="-127"/>
+                <a:ea typeface="Noto Sans CJK KR Black" panose="020B0A00000000000000" pitchFamily="34" charset="-127"/>
+                <a:cs typeface="+mn-cs"/>
+              </a:rPr>
+              <a:t>강의의 목적</a:t>
+            </a:r>
+            <a:endParaRPr kumimoji="0" lang="en-US" altLang="ko-KR" sz="4400" b="0" i="0" u="none" strike="noStrike" kern="1200" cap="none" spc="0" normalizeH="0" baseline="0" noProof="0" dirty="0">
+              <a:ln>
+                <a:noFill/>
+              </a:ln>
+              <a:solidFill>
+                <a:prstClr val="white"/>
+              </a:solidFill>
+              <a:effectLst/>
+              <a:uLnTx/>
+              <a:uFillTx/>
+              <a:latin typeface="Noto Sans CJK KR Black" panose="020B0A00000000000000" pitchFamily="34" charset="-127"/>
+              <a:ea typeface="Noto Sans CJK KR Black" panose="020B0A00000000000000" pitchFamily="34" charset="-127"/>
+              <a:cs typeface="+mn-cs"/>
+            </a:endParaRPr>
+          </a:p>
+          <a:p>
+            <a:pPr marL="0" marR="0" lvl="0" indent="0" algn="l" defTabSz="1107796" rtl="0" eaLnBrk="1" fontAlgn="auto" latinLnBrk="1" hangingPunct="1">
+              <a:lnSpc>
+                <a:spcPct val="100000"/>
+              </a:lnSpc>
+              <a:spcBef>
+                <a:spcPts val="0"/>
+              </a:spcBef>
+              <a:spcAft>
+                <a:spcPts val="0"/>
+              </a:spcAft>
+              <a:buClrTx/>
+              <a:buSzTx/>
+              <a:buFontTx/>
+              <a:buNone/>
+              <a:tabLst/>
+              <a:defRPr/>
+            </a:pPr>
+            <a:endParaRPr kumimoji="0" lang="en-US" altLang="ko-KR" sz="4400" b="0" i="0" u="none" strike="noStrike" kern="1200" cap="none" spc="0" normalizeH="0" baseline="0" noProof="0" dirty="0">
+              <a:ln>
+                <a:noFill/>
+              </a:ln>
+              <a:solidFill>
+                <a:prstClr val="white"/>
+              </a:solidFill>
+              <a:effectLst/>
+              <a:uLnTx/>
+              <a:uFillTx/>
+              <a:latin typeface="Noto Sans CJK KR Black" panose="020B0A00000000000000" pitchFamily="34" charset="-127"/>
+              <a:ea typeface="Noto Sans CJK KR Black" panose="020B0A00000000000000" pitchFamily="34" charset="-127"/>
+              <a:cs typeface="+mn-cs"/>
+            </a:endParaRPr>
+          </a:p>
+          <a:p>
+            <a:pPr marL="0" marR="0" lvl="0" indent="0" algn="l" defTabSz="1107796" rtl="0" eaLnBrk="1" fontAlgn="auto" latinLnBrk="1" hangingPunct="1">
+              <a:lnSpc>
+                <a:spcPct val="100000"/>
+              </a:lnSpc>
+              <a:spcBef>
+                <a:spcPts val="0"/>
+              </a:spcBef>
+              <a:spcAft>
+                <a:spcPts val="0"/>
+              </a:spcAft>
+              <a:buClrTx/>
+              <a:buSzTx/>
+              <a:buFontTx/>
+              <a:buNone/>
+              <a:tabLst/>
+              <a:defRPr/>
+            </a:pPr>
+            <a:endParaRPr kumimoji="0" lang="en-US" altLang="ko-KR" sz="4400" b="0" i="0" u="none" strike="noStrike" kern="1200" cap="none" spc="0" normalizeH="0" baseline="0" noProof="0" dirty="0">
+              <a:ln>
+                <a:noFill/>
+              </a:ln>
+              <a:solidFill>
+                <a:prstClr val="white"/>
+              </a:solidFill>
+              <a:effectLst/>
+              <a:uLnTx/>
+              <a:uFillTx/>
+              <a:latin typeface="Noto Sans CJK KR Black" panose="020B0A00000000000000" pitchFamily="34" charset="-127"/>
+              <a:ea typeface="Noto Sans CJK KR Black" panose="020B0A00000000000000" pitchFamily="34" charset="-127"/>
+              <a:cs typeface="+mn-cs"/>
+            </a:endParaRPr>
+          </a:p>
+        </p:txBody>
+      </p:sp>
+      <p:sp>
+        <p:nvSpPr>
+          <p:cNvPr id="7" name="TextBox 6">
+            <a:extLst>
+              <a:ext uri="{FF2B5EF4-FFF2-40B4-BE49-F238E27FC236}">
+                <a16:creationId xmlns:a16="http://schemas.microsoft.com/office/drawing/2014/main" id="{6CFF4F43-C036-4E6F-B642-467B0A6413FE}"/>
+              </a:ext>
+            </a:extLst>
+          </p:cNvPr>
+          <p:cNvSpPr txBox="1"/>
+          <p:nvPr/>
+        </p:nvSpPr>
+        <p:spPr>
+          <a:xfrm>
+            <a:off x="4783981" y="611957"/>
+            <a:ext cx="7056784" cy="216726"/>
+          </a:xfrm>
+          <a:prstGeom prst="rect">
+            <a:avLst/>
+          </a:prstGeom>
+          <a:noFill/>
+        </p:spPr>
+        <p:txBody>
+          <a:bodyPr wrap="square" lIns="0" tIns="0" rIns="0" bIns="0" rtlCol="0" anchor="t">
+            <a:spAutoFit/>
+          </a:bodyPr>
+          <a:lstStyle/>
+          <a:p>
+            <a:pPr marL="0" marR="0" lvl="0" indent="0" algn="l" defTabSz="1107796" rtl="0" eaLnBrk="1" fontAlgn="auto" latinLnBrk="1" hangingPunct="1">
+              <a:lnSpc>
+                <a:spcPct val="150000"/>
+              </a:lnSpc>
+              <a:spcBef>
+                <a:spcPts val="0"/>
+              </a:spcBef>
+              <a:spcAft>
+                <a:spcPts val="0"/>
+              </a:spcAft>
+              <a:buClrTx/>
+              <a:buSzTx/>
+              <a:buFontTx/>
+              <a:buNone/>
+              <a:tabLst/>
+              <a:defRPr/>
+            </a:pPr>
+            <a:endParaRPr kumimoji="0" lang="en-US" altLang="ko-KR" sz="1050" b="0" i="0" u="none" strike="noStrike" kern="1200" cap="none" spc="0" normalizeH="0" baseline="0" noProof="0" dirty="0">
+              <a:ln>
+                <a:noFill/>
+              </a:ln>
+              <a:solidFill>
+                <a:prstClr val="white"/>
+              </a:solidFill>
+              <a:effectLst/>
+              <a:uLnTx/>
+              <a:uFillTx/>
+              <a:latin typeface="Noto Sans CJK KR Medium" panose="020B0600000000000000" pitchFamily="34" charset="-127"/>
+              <a:ea typeface="Noto Sans CJK KR Medium" panose="020B0600000000000000" pitchFamily="34" charset="-127"/>
+              <a:cs typeface="+mn-cs"/>
+            </a:endParaRPr>
+          </a:p>
+        </p:txBody>
+      </p:sp>
+      <p:sp>
+        <p:nvSpPr>
+          <p:cNvPr id="4" name="TextBox 3">
+            <a:extLst>
+              <a:ext uri="{FF2B5EF4-FFF2-40B4-BE49-F238E27FC236}">
+                <a16:creationId xmlns:a16="http://schemas.microsoft.com/office/drawing/2014/main" id="{19B31AAF-43A9-467F-A682-A1470A682AD3}"/>
+              </a:ext>
+            </a:extLst>
+          </p:cNvPr>
+          <p:cNvSpPr txBox="1"/>
+          <p:nvPr/>
+        </p:nvSpPr>
+        <p:spPr>
+          <a:xfrm>
+            <a:off x="6705554" y="539949"/>
+            <a:ext cx="2758947" cy="1785104"/>
+          </a:xfrm>
+          <a:prstGeom prst="rect">
+            <a:avLst/>
+          </a:prstGeom>
+          <a:noFill/>
+          <a:ln w="38100">
+            <a:solidFill>
+              <a:srgbClr val="FF0000"/>
+            </a:solidFill>
+          </a:ln>
+        </p:spPr>
+        <p:txBody>
+          <a:bodyPr wrap="square" rtlCol="0">
+            <a:spAutoFit/>
+          </a:bodyPr>
+          <a:lstStyle/>
+          <a:p>
+            <a:endParaRPr lang="en-US" altLang="ko-KR" dirty="0"/>
+          </a:p>
+          <a:p>
+            <a:endParaRPr lang="en-US" altLang="ko-KR" dirty="0"/>
+          </a:p>
+          <a:p>
+            <a:endParaRPr lang="en-US" altLang="ko-KR" dirty="0"/>
+          </a:p>
+          <a:p>
+            <a:endParaRPr lang="en-US" altLang="ko-KR" dirty="0"/>
+          </a:p>
+          <a:p>
+            <a:endParaRPr lang="ko-KR" altLang="en-US" dirty="0"/>
+          </a:p>
+        </p:txBody>
+      </p:sp>
+    </p:spTree>
+    <p:extLst>
+      <p:ext uri="{BB962C8B-B14F-4D97-AF65-F5344CB8AC3E}">
+        <p14:creationId xmlns:p14="http://schemas.microsoft.com/office/powerpoint/2010/main" val="4103109936"/>
+      </p:ext>
+    </p:extLst>
+  </p:cSld>
+  <p:clrMapOvr>
+    <a:masterClrMapping/>
+  </p:clrMapOvr>
+</p:sld>
+</file>
+
+<file path=ppt/slides/slide30.xml><?xml version="1.0" encoding="utf-8"?>
+<p:sld xmlns:a="http://schemas.openxmlformats.org/drawingml/2006/main" xmlns:r="http://schemas.openxmlformats.org/officeDocument/2006/relationships" xmlns:p="http://schemas.openxmlformats.org/presentationml/2006/main">
+  <p:cSld>
+    <p:spTree>
+      <p:nvGrpSpPr>
+        <p:cNvPr id="1" name=""/>
+        <p:cNvGrpSpPr/>
+        <p:nvPr/>
+      </p:nvGrpSpPr>
+      <p:grpSpPr>
+        <a:xfrm>
+          <a:off x="0" y="0"/>
+          <a:ext cx="0" cy="0"/>
+          <a:chOff x="0" y="0"/>
+          <a:chExt cx="0" cy="0"/>
+        </a:xfrm>
+      </p:grpSpPr>
+      <p:sp>
+        <p:nvSpPr>
+          <p:cNvPr id="5" name="제목 4"/>
+          <p:cNvSpPr>
+            <a:spLocks noGrp="1"/>
+          </p:cNvSpPr>
+          <p:nvPr>
+            <p:ph type="title"/>
+          </p:nvPr>
+        </p:nvSpPr>
+        <p:spPr>
+          <a:xfrm>
+            <a:off x="608016" y="551987"/>
+            <a:ext cx="10944225" cy="1140090"/>
+          </a:xfrm>
+        </p:spPr>
+        <p:txBody>
+          <a:bodyPr>
+            <a:normAutofit/>
+          </a:bodyPr>
+          <a:lstStyle/>
+          <a:p>
+            <a:pPr algn="l"/>
+            <a:r>
+              <a:rPr lang="en-US" altLang="ko-KR" sz="4400" dirty="0">
+                <a:solidFill>
+                  <a:schemeClr val="tx1">
+                    <a:lumMod val="75000"/>
+                    <a:lumOff val="25000"/>
+                  </a:schemeClr>
+                </a:solidFill>
+                <a:latin typeface="Noto Sans CJK KR Black" pitchFamily="34" charset="-127"/>
+                <a:ea typeface="Noto Sans CJK KR Black" pitchFamily="34" charset="-127"/>
+              </a:rPr>
+              <a:t>1. </a:t>
+            </a:r>
+            <a:r>
+              <a:rPr lang="ko-KR" altLang="en-US" sz="4400" dirty="0">
+                <a:solidFill>
+                  <a:schemeClr val="tx1">
+                    <a:lumMod val="75000"/>
+                    <a:lumOff val="25000"/>
+                  </a:schemeClr>
+                </a:solidFill>
+                <a:latin typeface="Noto Sans CJK KR Black" pitchFamily="34" charset="-127"/>
+                <a:ea typeface="Noto Sans CJK KR Black" pitchFamily="34" charset="-127"/>
+              </a:rPr>
+              <a:t>기계학습 알고리즘</a:t>
+            </a:r>
+            <a:endParaRPr lang="ko-KR" altLang="en-US" sz="4400" dirty="0">
+              <a:solidFill>
+                <a:schemeClr val="tx1">
+                  <a:lumMod val="75000"/>
+                  <a:lumOff val="25000"/>
+                </a:schemeClr>
+              </a:solidFill>
+            </a:endParaRPr>
+          </a:p>
+        </p:txBody>
+      </p:sp>
+      <p:sp>
+        <p:nvSpPr>
+          <p:cNvPr id="3" name="슬라이드 번호 개체 틀 2"/>
           <p:cNvSpPr>
             <a:spLocks noGrp="1"/>
           </p:cNvSpPr>
@@ -5126,7 +8304,7 @@
             <a:fld id="{6DDAE2C3-1A0B-474A-8CE8-AE55B8D9D4B1}" type="slidenum">
               <a:rPr lang="ko-KR" altLang="en-US" smtClean="0"/>
               <a:pPr/>
-              <a:t>3</a:t>
+              <a:t>30</a:t>
             </a:fld>
             <a:endParaRPr lang="ko-KR" altLang="en-US" dirty="0"/>
           </a:p>
@@ -5134,10 +8312,10 @@
       </p:sp>
       <p:pic>
         <p:nvPicPr>
-          <p:cNvPr id="7" name="그림 6">
+          <p:cNvPr id="4" name="그림 3">
             <a:extLst>
               <a:ext uri="{FF2B5EF4-FFF2-40B4-BE49-F238E27FC236}">
-                <a16:creationId xmlns:a16="http://schemas.microsoft.com/office/drawing/2014/main" id="{FFD28942-D859-4BF0-899D-A40CBFBF1EF0}"/>
+                <a16:creationId xmlns:a16="http://schemas.microsoft.com/office/drawing/2014/main" id="{E960642D-16AA-42EE-9E10-D3EDD102A8E6}"/>
               </a:ext>
             </a:extLst>
           </p:cNvPr>
@@ -5154,8 +8332,38 @@
         </p:blipFill>
         <p:spPr>
           <a:xfrm>
-            <a:off x="4179887" y="377031"/>
-            <a:ext cx="3800475" cy="6086475"/>
+            <a:off x="587783" y="1705348"/>
+            <a:ext cx="6810375" cy="4667250"/>
+          </a:xfrm>
+          <a:prstGeom prst="rect">
+            <a:avLst/>
+          </a:prstGeom>
+        </p:spPr>
+      </p:pic>
+      <p:pic>
+        <p:nvPicPr>
+          <p:cNvPr id="6" name="그림 5">
+            <a:extLst>
+              <a:ext uri="{FF2B5EF4-FFF2-40B4-BE49-F238E27FC236}">
+                <a16:creationId xmlns:a16="http://schemas.microsoft.com/office/drawing/2014/main" id="{518C9C44-EC8E-47A3-861A-2D657280D31F}"/>
+              </a:ext>
+            </a:extLst>
+          </p:cNvPr>
+          <p:cNvPicPr>
+            <a:picLocks noChangeAspect="1"/>
+          </p:cNvPicPr>
+          <p:nvPr/>
+        </p:nvPicPr>
+        <p:blipFill>
+          <a:blip r:embed="rId3"/>
+          <a:stretch>
+            <a:fillRect/>
+          </a:stretch>
+        </p:blipFill>
+        <p:spPr>
+          <a:xfrm>
+            <a:off x="7398158" y="2804469"/>
+            <a:ext cx="3790950" cy="3581400"/>
           </a:xfrm>
           <a:prstGeom prst="rect">
             <a:avLst/>
@@ -5165,7 +8373,1619 @@
     </p:spTree>
     <p:extLst>
       <p:ext uri="{BB962C8B-B14F-4D97-AF65-F5344CB8AC3E}">
-        <p14:creationId xmlns:p14="http://schemas.microsoft.com/office/powerpoint/2010/main" val="2877754834"/>
+        <p14:creationId xmlns:p14="http://schemas.microsoft.com/office/powerpoint/2010/main" val="343394198"/>
+      </p:ext>
+    </p:extLst>
+  </p:cSld>
+  <p:clrMapOvr>
+    <a:masterClrMapping/>
+  </p:clrMapOvr>
+</p:sld>
+</file>
+
+<file path=ppt/slides/slide31.xml><?xml version="1.0" encoding="utf-8"?>
+<p:sld xmlns:a="http://schemas.openxmlformats.org/drawingml/2006/main" xmlns:r="http://schemas.openxmlformats.org/officeDocument/2006/relationships" xmlns:p="http://schemas.openxmlformats.org/presentationml/2006/main">
+  <p:cSld>
+    <p:spTree>
+      <p:nvGrpSpPr>
+        <p:cNvPr id="1" name=""/>
+        <p:cNvGrpSpPr/>
+        <p:nvPr/>
+      </p:nvGrpSpPr>
+      <p:grpSpPr>
+        <a:xfrm>
+          <a:off x="0" y="0"/>
+          <a:ext cx="0" cy="0"/>
+          <a:chOff x="0" y="0"/>
+          <a:chExt cx="0" cy="0"/>
+        </a:xfrm>
+      </p:grpSpPr>
+      <p:sp>
+        <p:nvSpPr>
+          <p:cNvPr id="5" name="제목 4"/>
+          <p:cNvSpPr>
+            <a:spLocks noGrp="1"/>
+          </p:cNvSpPr>
+          <p:nvPr>
+            <p:ph type="title"/>
+          </p:nvPr>
+        </p:nvSpPr>
+        <p:spPr>
+          <a:xfrm>
+            <a:off x="608016" y="551987"/>
+            <a:ext cx="10944225" cy="1140090"/>
+          </a:xfrm>
+        </p:spPr>
+        <p:txBody>
+          <a:bodyPr>
+            <a:normAutofit/>
+          </a:bodyPr>
+          <a:lstStyle/>
+          <a:p>
+            <a:pPr algn="l"/>
+            <a:r>
+              <a:rPr lang="en-US" altLang="ko-KR" sz="4400" dirty="0">
+                <a:solidFill>
+                  <a:schemeClr val="tx1">
+                    <a:lumMod val="75000"/>
+                    <a:lumOff val="25000"/>
+                  </a:schemeClr>
+                </a:solidFill>
+                <a:latin typeface="Noto Sans CJK KR Black" pitchFamily="34" charset="-127"/>
+                <a:ea typeface="Noto Sans CJK KR Black" pitchFamily="34" charset="-127"/>
+              </a:rPr>
+              <a:t>1. </a:t>
+            </a:r>
+            <a:r>
+              <a:rPr lang="ko-KR" altLang="en-US" sz="4400" dirty="0">
+                <a:solidFill>
+                  <a:schemeClr val="tx1">
+                    <a:lumMod val="75000"/>
+                    <a:lumOff val="25000"/>
+                  </a:schemeClr>
+                </a:solidFill>
+                <a:latin typeface="Noto Sans CJK KR Black" pitchFamily="34" charset="-127"/>
+                <a:ea typeface="Noto Sans CJK KR Black" pitchFamily="34" charset="-127"/>
+              </a:rPr>
+              <a:t>기계학습 알고리즘</a:t>
+            </a:r>
+            <a:endParaRPr lang="ko-KR" altLang="en-US" sz="4400" dirty="0">
+              <a:solidFill>
+                <a:schemeClr val="tx1">
+                  <a:lumMod val="75000"/>
+                  <a:lumOff val="25000"/>
+                </a:schemeClr>
+              </a:solidFill>
+            </a:endParaRPr>
+          </a:p>
+        </p:txBody>
+      </p:sp>
+      <p:sp>
+        <p:nvSpPr>
+          <p:cNvPr id="3" name="슬라이드 번호 개체 틀 2"/>
+          <p:cNvSpPr>
+            <a:spLocks noGrp="1"/>
+          </p:cNvSpPr>
+          <p:nvPr>
+            <p:ph type="sldNum" sz="quarter" idx="12"/>
+          </p:nvPr>
+        </p:nvSpPr>
+        <p:spPr/>
+        <p:txBody>
+          <a:bodyPr/>
+          <a:lstStyle/>
+          <a:p>
+            <a:fld id="{6DDAE2C3-1A0B-474A-8CE8-AE55B8D9D4B1}" type="slidenum">
+              <a:rPr lang="ko-KR" altLang="en-US" smtClean="0"/>
+              <a:pPr/>
+              <a:t>31</a:t>
+            </a:fld>
+            <a:endParaRPr lang="ko-KR" altLang="en-US" dirty="0"/>
+          </a:p>
+        </p:txBody>
+      </p:sp>
+      <p:pic>
+        <p:nvPicPr>
+          <p:cNvPr id="2" name="그림 1">
+            <a:extLst>
+              <a:ext uri="{FF2B5EF4-FFF2-40B4-BE49-F238E27FC236}">
+                <a16:creationId xmlns:a16="http://schemas.microsoft.com/office/drawing/2014/main" id="{C3BB5FF0-807B-4573-A1D8-52B1ABAF4BD0}"/>
+              </a:ext>
+            </a:extLst>
+          </p:cNvPr>
+          <p:cNvPicPr>
+            <a:picLocks noChangeAspect="1"/>
+          </p:cNvPicPr>
+          <p:nvPr/>
+        </p:nvPicPr>
+        <p:blipFill>
+          <a:blip r:embed="rId2"/>
+          <a:stretch>
+            <a:fillRect/>
+          </a:stretch>
+        </p:blipFill>
+        <p:spPr>
+          <a:xfrm>
+            <a:off x="2370137" y="1903500"/>
+            <a:ext cx="7419975" cy="4257675"/>
+          </a:xfrm>
+          <a:prstGeom prst="rect">
+            <a:avLst/>
+          </a:prstGeom>
+        </p:spPr>
+      </p:pic>
+    </p:spTree>
+    <p:extLst>
+      <p:ext uri="{BB962C8B-B14F-4D97-AF65-F5344CB8AC3E}">
+        <p14:creationId xmlns:p14="http://schemas.microsoft.com/office/powerpoint/2010/main" val="1798927978"/>
+      </p:ext>
+    </p:extLst>
+  </p:cSld>
+  <p:clrMapOvr>
+    <a:masterClrMapping/>
+  </p:clrMapOvr>
+</p:sld>
+</file>
+
+<file path=ppt/slides/slide32.xml><?xml version="1.0" encoding="utf-8"?>
+<p:sld xmlns:a="http://schemas.openxmlformats.org/drawingml/2006/main" xmlns:r="http://schemas.openxmlformats.org/officeDocument/2006/relationships" xmlns:p="http://schemas.openxmlformats.org/presentationml/2006/main">
+  <p:cSld>
+    <p:spTree>
+      <p:nvGrpSpPr>
+        <p:cNvPr id="1" name=""/>
+        <p:cNvGrpSpPr/>
+        <p:nvPr/>
+      </p:nvGrpSpPr>
+      <p:grpSpPr>
+        <a:xfrm>
+          <a:off x="0" y="0"/>
+          <a:ext cx="0" cy="0"/>
+          <a:chOff x="0" y="0"/>
+          <a:chExt cx="0" cy="0"/>
+        </a:xfrm>
+      </p:grpSpPr>
+      <p:sp>
+        <p:nvSpPr>
+          <p:cNvPr id="5" name="제목 4"/>
+          <p:cNvSpPr>
+            <a:spLocks noGrp="1"/>
+          </p:cNvSpPr>
+          <p:nvPr>
+            <p:ph type="title"/>
+          </p:nvPr>
+        </p:nvSpPr>
+        <p:spPr>
+          <a:xfrm>
+            <a:off x="608016" y="551987"/>
+            <a:ext cx="10944225" cy="1140090"/>
+          </a:xfrm>
+        </p:spPr>
+        <p:txBody>
+          <a:bodyPr>
+            <a:normAutofit fontScale="90000"/>
+          </a:bodyPr>
+          <a:lstStyle/>
+          <a:p>
+            <a:pPr algn="l"/>
+            <a:r>
+              <a:rPr lang="en-US" altLang="ko-KR" sz="4400" dirty="0">
+                <a:solidFill>
+                  <a:schemeClr val="tx1">
+                    <a:lumMod val="75000"/>
+                    <a:lumOff val="25000"/>
+                  </a:schemeClr>
+                </a:solidFill>
+                <a:latin typeface="Noto Sans CJK KR Black" pitchFamily="34" charset="-127"/>
+                <a:ea typeface="Noto Sans CJK KR Black" pitchFamily="34" charset="-127"/>
+              </a:rPr>
+              <a:t>1. </a:t>
+            </a:r>
+            <a:r>
+              <a:rPr lang="ko-KR" altLang="en-US" sz="4400" dirty="0">
+                <a:solidFill>
+                  <a:schemeClr val="tx1">
+                    <a:lumMod val="75000"/>
+                    <a:lumOff val="25000"/>
+                  </a:schemeClr>
+                </a:solidFill>
+                <a:latin typeface="Noto Sans CJK KR Black" pitchFamily="34" charset="-127"/>
+                <a:ea typeface="Noto Sans CJK KR Black" pitchFamily="34" charset="-127"/>
+              </a:rPr>
+              <a:t>기계학습</a:t>
+            </a:r>
+            <a:br>
+              <a:rPr lang="en-US" altLang="ko-KR" sz="4400" dirty="0">
+                <a:solidFill>
+                  <a:schemeClr val="tx1">
+                    <a:lumMod val="75000"/>
+                    <a:lumOff val="25000"/>
+                  </a:schemeClr>
+                </a:solidFill>
+                <a:latin typeface="Noto Sans CJK KR Black" pitchFamily="34" charset="-127"/>
+                <a:ea typeface="Noto Sans CJK KR Black" pitchFamily="34" charset="-127"/>
+              </a:rPr>
+            </a:br>
+            <a:r>
+              <a:rPr lang="ko-KR" altLang="en-US" sz="4400" dirty="0">
+                <a:solidFill>
+                  <a:schemeClr val="tx1">
+                    <a:lumMod val="75000"/>
+                    <a:lumOff val="25000"/>
+                  </a:schemeClr>
+                </a:solidFill>
+                <a:latin typeface="Noto Sans CJK KR Black" pitchFamily="34" charset="-127"/>
+                <a:ea typeface="Noto Sans CJK KR Black" pitchFamily="34" charset="-127"/>
+              </a:rPr>
+              <a:t>알고리즘</a:t>
+            </a:r>
+            <a:endParaRPr lang="ko-KR" altLang="en-US" sz="4400" dirty="0">
+              <a:solidFill>
+                <a:schemeClr val="tx1">
+                  <a:lumMod val="75000"/>
+                  <a:lumOff val="25000"/>
+                </a:schemeClr>
+              </a:solidFill>
+            </a:endParaRPr>
+          </a:p>
+        </p:txBody>
+      </p:sp>
+      <p:sp>
+        <p:nvSpPr>
+          <p:cNvPr id="3" name="슬라이드 번호 개체 틀 2"/>
+          <p:cNvSpPr>
+            <a:spLocks noGrp="1"/>
+          </p:cNvSpPr>
+          <p:nvPr>
+            <p:ph type="sldNum" sz="quarter" idx="12"/>
+          </p:nvPr>
+        </p:nvSpPr>
+        <p:spPr/>
+        <p:txBody>
+          <a:bodyPr/>
+          <a:lstStyle/>
+          <a:p>
+            <a:fld id="{6DDAE2C3-1A0B-474A-8CE8-AE55B8D9D4B1}" type="slidenum">
+              <a:rPr lang="ko-KR" altLang="en-US" smtClean="0"/>
+              <a:pPr/>
+              <a:t>32</a:t>
+            </a:fld>
+            <a:endParaRPr lang="ko-KR" altLang="en-US" dirty="0"/>
+          </a:p>
+        </p:txBody>
+      </p:sp>
+      <p:pic>
+        <p:nvPicPr>
+          <p:cNvPr id="6" name="그림 5">
+            <a:extLst>
+              <a:ext uri="{FF2B5EF4-FFF2-40B4-BE49-F238E27FC236}">
+                <a16:creationId xmlns:a16="http://schemas.microsoft.com/office/drawing/2014/main" id="{79A5DFBA-CE05-4AFE-AF6E-56F824B27E49}"/>
+              </a:ext>
+            </a:extLst>
+          </p:cNvPr>
+          <p:cNvPicPr>
+            <a:picLocks noChangeAspect="1"/>
+          </p:cNvPicPr>
+          <p:nvPr/>
+        </p:nvPicPr>
+        <p:blipFill>
+          <a:blip r:embed="rId2"/>
+          <a:stretch>
+            <a:fillRect/>
+          </a:stretch>
+        </p:blipFill>
+        <p:spPr>
+          <a:xfrm>
+            <a:off x="3847877" y="634206"/>
+            <a:ext cx="7143750" cy="5572125"/>
+          </a:xfrm>
+          <a:prstGeom prst="rect">
+            <a:avLst/>
+          </a:prstGeom>
+        </p:spPr>
+      </p:pic>
+    </p:spTree>
+    <p:extLst>
+      <p:ext uri="{BB962C8B-B14F-4D97-AF65-F5344CB8AC3E}">
+        <p14:creationId xmlns:p14="http://schemas.microsoft.com/office/powerpoint/2010/main" val="3981340834"/>
+      </p:ext>
+    </p:extLst>
+  </p:cSld>
+  <p:clrMapOvr>
+    <a:masterClrMapping/>
+  </p:clrMapOvr>
+</p:sld>
+</file>
+
+<file path=ppt/slides/slide33.xml><?xml version="1.0" encoding="utf-8"?>
+<p:sld xmlns:a="http://schemas.openxmlformats.org/drawingml/2006/main" xmlns:r="http://schemas.openxmlformats.org/officeDocument/2006/relationships" xmlns:p="http://schemas.openxmlformats.org/presentationml/2006/main">
+  <p:cSld>
+    <p:spTree>
+      <p:nvGrpSpPr>
+        <p:cNvPr id="1" name=""/>
+        <p:cNvGrpSpPr/>
+        <p:nvPr/>
+      </p:nvGrpSpPr>
+      <p:grpSpPr>
+        <a:xfrm>
+          <a:off x="0" y="0"/>
+          <a:ext cx="0" cy="0"/>
+          <a:chOff x="0" y="0"/>
+          <a:chExt cx="0" cy="0"/>
+        </a:xfrm>
+      </p:grpSpPr>
+      <p:sp>
+        <p:nvSpPr>
+          <p:cNvPr id="5" name="제목 4"/>
+          <p:cNvSpPr>
+            <a:spLocks noGrp="1"/>
+          </p:cNvSpPr>
+          <p:nvPr>
+            <p:ph type="title"/>
+          </p:nvPr>
+        </p:nvSpPr>
+        <p:spPr>
+          <a:xfrm>
+            <a:off x="608016" y="551987"/>
+            <a:ext cx="10944225" cy="1140090"/>
+          </a:xfrm>
+        </p:spPr>
+        <p:txBody>
+          <a:bodyPr>
+            <a:normAutofit fontScale="90000"/>
+          </a:bodyPr>
+          <a:lstStyle/>
+          <a:p>
+            <a:pPr algn="l"/>
+            <a:r>
+              <a:rPr lang="en-US" altLang="ko-KR" sz="4400" dirty="0">
+                <a:solidFill>
+                  <a:schemeClr val="tx1">
+                    <a:lumMod val="75000"/>
+                    <a:lumOff val="25000"/>
+                  </a:schemeClr>
+                </a:solidFill>
+                <a:latin typeface="Noto Sans CJK KR Black" pitchFamily="34" charset="-127"/>
+                <a:ea typeface="Noto Sans CJK KR Black" pitchFamily="34" charset="-127"/>
+              </a:rPr>
+              <a:t>1. </a:t>
+            </a:r>
+            <a:r>
+              <a:rPr lang="ko-KR" altLang="en-US" sz="4400" dirty="0">
+                <a:solidFill>
+                  <a:schemeClr val="tx1">
+                    <a:lumMod val="75000"/>
+                    <a:lumOff val="25000"/>
+                  </a:schemeClr>
+                </a:solidFill>
+                <a:latin typeface="Noto Sans CJK KR Black" pitchFamily="34" charset="-127"/>
+                <a:ea typeface="Noto Sans CJK KR Black" pitchFamily="34" charset="-127"/>
+              </a:rPr>
+              <a:t>기계학습</a:t>
+            </a:r>
+            <a:br>
+              <a:rPr lang="en-US" altLang="ko-KR" sz="4400" dirty="0">
+                <a:solidFill>
+                  <a:schemeClr val="tx1">
+                    <a:lumMod val="75000"/>
+                    <a:lumOff val="25000"/>
+                  </a:schemeClr>
+                </a:solidFill>
+                <a:latin typeface="Noto Sans CJK KR Black" pitchFamily="34" charset="-127"/>
+                <a:ea typeface="Noto Sans CJK KR Black" pitchFamily="34" charset="-127"/>
+              </a:rPr>
+            </a:br>
+            <a:r>
+              <a:rPr lang="ko-KR" altLang="en-US" sz="4400" dirty="0">
+                <a:solidFill>
+                  <a:schemeClr val="tx1">
+                    <a:lumMod val="75000"/>
+                    <a:lumOff val="25000"/>
+                  </a:schemeClr>
+                </a:solidFill>
+                <a:latin typeface="Noto Sans CJK KR Black" pitchFamily="34" charset="-127"/>
+                <a:ea typeface="Noto Sans CJK KR Black" pitchFamily="34" charset="-127"/>
+              </a:rPr>
+              <a:t>알고리즘</a:t>
+            </a:r>
+            <a:endParaRPr lang="ko-KR" altLang="en-US" sz="4400" dirty="0">
+              <a:solidFill>
+                <a:schemeClr val="tx1">
+                  <a:lumMod val="75000"/>
+                  <a:lumOff val="25000"/>
+                </a:schemeClr>
+              </a:solidFill>
+            </a:endParaRPr>
+          </a:p>
+        </p:txBody>
+      </p:sp>
+      <p:sp>
+        <p:nvSpPr>
+          <p:cNvPr id="3" name="슬라이드 번호 개체 틀 2"/>
+          <p:cNvSpPr>
+            <a:spLocks noGrp="1"/>
+          </p:cNvSpPr>
+          <p:nvPr>
+            <p:ph type="sldNum" sz="quarter" idx="12"/>
+          </p:nvPr>
+        </p:nvSpPr>
+        <p:spPr/>
+        <p:txBody>
+          <a:bodyPr/>
+          <a:lstStyle/>
+          <a:p>
+            <a:fld id="{6DDAE2C3-1A0B-474A-8CE8-AE55B8D9D4B1}" type="slidenum">
+              <a:rPr lang="ko-KR" altLang="en-US" smtClean="0"/>
+              <a:pPr/>
+              <a:t>33</a:t>
+            </a:fld>
+            <a:endParaRPr lang="ko-KR" altLang="en-US" dirty="0"/>
+          </a:p>
+        </p:txBody>
+      </p:sp>
+      <p:pic>
+        <p:nvPicPr>
+          <p:cNvPr id="2" name="그림 1">
+            <a:extLst>
+              <a:ext uri="{FF2B5EF4-FFF2-40B4-BE49-F238E27FC236}">
+                <a16:creationId xmlns:a16="http://schemas.microsoft.com/office/drawing/2014/main" id="{EA433723-7CBE-4DF6-B257-D1F1D59D51D2}"/>
+              </a:ext>
+            </a:extLst>
+          </p:cNvPr>
+          <p:cNvPicPr>
+            <a:picLocks noChangeAspect="1"/>
+          </p:cNvPicPr>
+          <p:nvPr/>
+        </p:nvPicPr>
+        <p:blipFill>
+          <a:blip r:embed="rId2"/>
+          <a:stretch>
+            <a:fillRect/>
+          </a:stretch>
+        </p:blipFill>
+        <p:spPr>
+          <a:xfrm>
+            <a:off x="4063901" y="1839119"/>
+            <a:ext cx="6743700" cy="3162300"/>
+          </a:xfrm>
+          <a:prstGeom prst="rect">
+            <a:avLst/>
+          </a:prstGeom>
+        </p:spPr>
+      </p:pic>
+    </p:spTree>
+    <p:extLst>
+      <p:ext uri="{BB962C8B-B14F-4D97-AF65-F5344CB8AC3E}">
+        <p14:creationId xmlns:p14="http://schemas.microsoft.com/office/powerpoint/2010/main" val="511879905"/>
+      </p:ext>
+    </p:extLst>
+  </p:cSld>
+  <p:clrMapOvr>
+    <a:masterClrMapping/>
+  </p:clrMapOvr>
+</p:sld>
+</file>
+
+<file path=ppt/slides/slide34.xml><?xml version="1.0" encoding="utf-8"?>
+<p:sld xmlns:a="http://schemas.openxmlformats.org/drawingml/2006/main" xmlns:r="http://schemas.openxmlformats.org/officeDocument/2006/relationships" xmlns:p="http://schemas.openxmlformats.org/presentationml/2006/main">
+  <p:cSld>
+    <p:spTree>
+      <p:nvGrpSpPr>
+        <p:cNvPr id="1" name=""/>
+        <p:cNvGrpSpPr/>
+        <p:nvPr/>
+      </p:nvGrpSpPr>
+      <p:grpSpPr>
+        <a:xfrm>
+          <a:off x="0" y="0"/>
+          <a:ext cx="0" cy="0"/>
+          <a:chOff x="0" y="0"/>
+          <a:chExt cx="0" cy="0"/>
+        </a:xfrm>
+      </p:grpSpPr>
+      <p:sp>
+        <p:nvSpPr>
+          <p:cNvPr id="5" name="제목 4"/>
+          <p:cNvSpPr>
+            <a:spLocks noGrp="1"/>
+          </p:cNvSpPr>
+          <p:nvPr>
+            <p:ph type="title"/>
+          </p:nvPr>
+        </p:nvSpPr>
+        <p:spPr>
+          <a:xfrm>
+            <a:off x="608016" y="551987"/>
+            <a:ext cx="10944225" cy="1140090"/>
+          </a:xfrm>
+        </p:spPr>
+        <p:txBody>
+          <a:bodyPr>
+            <a:normAutofit fontScale="90000"/>
+          </a:bodyPr>
+          <a:lstStyle/>
+          <a:p>
+            <a:pPr algn="l"/>
+            <a:r>
+              <a:rPr lang="en-US" altLang="ko-KR" sz="4400" dirty="0">
+                <a:solidFill>
+                  <a:schemeClr val="tx1">
+                    <a:lumMod val="75000"/>
+                    <a:lumOff val="25000"/>
+                  </a:schemeClr>
+                </a:solidFill>
+                <a:latin typeface="Noto Sans CJK KR Black" pitchFamily="34" charset="-127"/>
+                <a:ea typeface="Noto Sans CJK KR Black" pitchFamily="34" charset="-127"/>
+              </a:rPr>
+              <a:t>1. </a:t>
+            </a:r>
+            <a:r>
+              <a:rPr lang="ko-KR" altLang="en-US" sz="4400" dirty="0">
+                <a:solidFill>
+                  <a:schemeClr val="tx1">
+                    <a:lumMod val="75000"/>
+                    <a:lumOff val="25000"/>
+                  </a:schemeClr>
+                </a:solidFill>
+                <a:latin typeface="Noto Sans CJK KR Black" pitchFamily="34" charset="-127"/>
+                <a:ea typeface="Noto Sans CJK KR Black" pitchFamily="34" charset="-127"/>
+              </a:rPr>
+              <a:t>기계학습 </a:t>
+            </a:r>
+            <a:br>
+              <a:rPr lang="en-US" altLang="ko-KR" sz="4400" dirty="0">
+                <a:solidFill>
+                  <a:schemeClr val="tx1">
+                    <a:lumMod val="75000"/>
+                    <a:lumOff val="25000"/>
+                  </a:schemeClr>
+                </a:solidFill>
+                <a:latin typeface="Noto Sans CJK KR Black" pitchFamily="34" charset="-127"/>
+                <a:ea typeface="Noto Sans CJK KR Black" pitchFamily="34" charset="-127"/>
+              </a:rPr>
+            </a:br>
+            <a:r>
+              <a:rPr lang="ko-KR" altLang="en-US" sz="4400" dirty="0">
+                <a:solidFill>
+                  <a:schemeClr val="tx1">
+                    <a:lumMod val="75000"/>
+                    <a:lumOff val="25000"/>
+                  </a:schemeClr>
+                </a:solidFill>
+                <a:latin typeface="Noto Sans CJK KR Black" pitchFamily="34" charset="-127"/>
+                <a:ea typeface="Noto Sans CJK KR Black" pitchFamily="34" charset="-127"/>
+              </a:rPr>
+              <a:t>알고리즘</a:t>
+            </a:r>
+            <a:endParaRPr lang="ko-KR" altLang="en-US" sz="4400" dirty="0">
+              <a:solidFill>
+                <a:schemeClr val="tx1">
+                  <a:lumMod val="75000"/>
+                  <a:lumOff val="25000"/>
+                </a:schemeClr>
+              </a:solidFill>
+            </a:endParaRPr>
+          </a:p>
+        </p:txBody>
+      </p:sp>
+      <p:sp>
+        <p:nvSpPr>
+          <p:cNvPr id="3" name="슬라이드 번호 개체 틀 2"/>
+          <p:cNvSpPr>
+            <a:spLocks noGrp="1"/>
+          </p:cNvSpPr>
+          <p:nvPr>
+            <p:ph type="sldNum" sz="quarter" idx="12"/>
+          </p:nvPr>
+        </p:nvSpPr>
+        <p:spPr/>
+        <p:txBody>
+          <a:bodyPr/>
+          <a:lstStyle/>
+          <a:p>
+            <a:fld id="{6DDAE2C3-1A0B-474A-8CE8-AE55B8D9D4B1}" type="slidenum">
+              <a:rPr lang="ko-KR" altLang="en-US" smtClean="0"/>
+              <a:pPr/>
+              <a:t>34</a:t>
+            </a:fld>
+            <a:endParaRPr lang="ko-KR" altLang="en-US" dirty="0"/>
+          </a:p>
+        </p:txBody>
+      </p:sp>
+      <p:pic>
+        <p:nvPicPr>
+          <p:cNvPr id="4" name="그림 3">
+            <a:extLst>
+              <a:ext uri="{FF2B5EF4-FFF2-40B4-BE49-F238E27FC236}">
+                <a16:creationId xmlns:a16="http://schemas.microsoft.com/office/drawing/2014/main" id="{A112DCD3-9290-4424-88B6-7A21462ADA89}"/>
+              </a:ext>
+            </a:extLst>
+          </p:cNvPr>
+          <p:cNvPicPr>
+            <a:picLocks noChangeAspect="1"/>
+          </p:cNvPicPr>
+          <p:nvPr/>
+        </p:nvPicPr>
+        <p:blipFill>
+          <a:blip r:embed="rId2"/>
+          <a:stretch>
+            <a:fillRect/>
+          </a:stretch>
+        </p:blipFill>
+        <p:spPr>
+          <a:xfrm>
+            <a:off x="4279925" y="0"/>
+            <a:ext cx="7143740" cy="6840538"/>
+          </a:xfrm>
+          <a:prstGeom prst="rect">
+            <a:avLst/>
+          </a:prstGeom>
+        </p:spPr>
+      </p:pic>
+    </p:spTree>
+    <p:extLst>
+      <p:ext uri="{BB962C8B-B14F-4D97-AF65-F5344CB8AC3E}">
+        <p14:creationId xmlns:p14="http://schemas.microsoft.com/office/powerpoint/2010/main" val="4201038256"/>
+      </p:ext>
+    </p:extLst>
+  </p:cSld>
+  <p:clrMapOvr>
+    <a:masterClrMapping/>
+  </p:clrMapOvr>
+</p:sld>
+</file>
+
+<file path=ppt/slides/slide35.xml><?xml version="1.0" encoding="utf-8"?>
+<p:sld xmlns:a="http://schemas.openxmlformats.org/drawingml/2006/main" xmlns:r="http://schemas.openxmlformats.org/officeDocument/2006/relationships" xmlns:p="http://schemas.openxmlformats.org/presentationml/2006/main">
+  <p:cSld>
+    <p:spTree>
+      <p:nvGrpSpPr>
+        <p:cNvPr id="1" name=""/>
+        <p:cNvGrpSpPr/>
+        <p:nvPr/>
+      </p:nvGrpSpPr>
+      <p:grpSpPr>
+        <a:xfrm>
+          <a:off x="0" y="0"/>
+          <a:ext cx="0" cy="0"/>
+          <a:chOff x="0" y="0"/>
+          <a:chExt cx="0" cy="0"/>
+        </a:xfrm>
+      </p:grpSpPr>
+      <p:sp>
+        <p:nvSpPr>
+          <p:cNvPr id="5" name="제목 4"/>
+          <p:cNvSpPr>
+            <a:spLocks noGrp="1"/>
+          </p:cNvSpPr>
+          <p:nvPr>
+            <p:ph type="title"/>
+          </p:nvPr>
+        </p:nvSpPr>
+        <p:spPr>
+          <a:xfrm>
+            <a:off x="608016" y="551987"/>
+            <a:ext cx="10944225" cy="1140090"/>
+          </a:xfrm>
+        </p:spPr>
+        <p:txBody>
+          <a:bodyPr>
+            <a:normAutofit/>
+          </a:bodyPr>
+          <a:lstStyle/>
+          <a:p>
+            <a:pPr algn="l"/>
+            <a:r>
+              <a:rPr lang="en-US" altLang="ko-KR" sz="4400" dirty="0">
+                <a:solidFill>
+                  <a:schemeClr val="tx1">
+                    <a:lumMod val="75000"/>
+                    <a:lumOff val="25000"/>
+                  </a:schemeClr>
+                </a:solidFill>
+                <a:latin typeface="Noto Sans CJK KR Black" pitchFamily="34" charset="-127"/>
+                <a:ea typeface="Noto Sans CJK KR Black" pitchFamily="34" charset="-127"/>
+              </a:rPr>
+              <a:t>1. </a:t>
+            </a:r>
+            <a:r>
+              <a:rPr lang="ko-KR" altLang="en-US" sz="4400" dirty="0">
+                <a:solidFill>
+                  <a:schemeClr val="tx1">
+                    <a:lumMod val="75000"/>
+                    <a:lumOff val="25000"/>
+                  </a:schemeClr>
+                </a:solidFill>
+                <a:latin typeface="Noto Sans CJK KR Black" pitchFamily="34" charset="-127"/>
+                <a:ea typeface="Noto Sans CJK KR Black" pitchFamily="34" charset="-127"/>
+              </a:rPr>
+              <a:t>기계학습 알고리즘</a:t>
+            </a:r>
+            <a:endParaRPr lang="ko-KR" altLang="en-US" sz="4400" dirty="0">
+              <a:solidFill>
+                <a:schemeClr val="tx1">
+                  <a:lumMod val="75000"/>
+                  <a:lumOff val="25000"/>
+                </a:schemeClr>
+              </a:solidFill>
+            </a:endParaRPr>
+          </a:p>
+        </p:txBody>
+      </p:sp>
+      <p:sp>
+        <p:nvSpPr>
+          <p:cNvPr id="3" name="슬라이드 번호 개체 틀 2"/>
+          <p:cNvSpPr>
+            <a:spLocks noGrp="1"/>
+          </p:cNvSpPr>
+          <p:nvPr>
+            <p:ph type="sldNum" sz="quarter" idx="12"/>
+          </p:nvPr>
+        </p:nvSpPr>
+        <p:spPr/>
+        <p:txBody>
+          <a:bodyPr/>
+          <a:lstStyle/>
+          <a:p>
+            <a:fld id="{6DDAE2C3-1A0B-474A-8CE8-AE55B8D9D4B1}" type="slidenum">
+              <a:rPr lang="ko-KR" altLang="en-US" smtClean="0"/>
+              <a:pPr/>
+              <a:t>35</a:t>
+            </a:fld>
+            <a:endParaRPr lang="ko-KR" altLang="en-US" dirty="0"/>
+          </a:p>
+        </p:txBody>
+      </p:sp>
+      <p:pic>
+        <p:nvPicPr>
+          <p:cNvPr id="4" name="그림 3">
+            <a:extLst>
+              <a:ext uri="{FF2B5EF4-FFF2-40B4-BE49-F238E27FC236}">
+                <a16:creationId xmlns:a16="http://schemas.microsoft.com/office/drawing/2014/main" id="{D4589BCC-D13A-4485-9CF7-2B87139B31DD}"/>
+              </a:ext>
+            </a:extLst>
+          </p:cNvPr>
+          <p:cNvPicPr>
+            <a:picLocks noChangeAspect="1"/>
+          </p:cNvPicPr>
+          <p:nvPr/>
+        </p:nvPicPr>
+        <p:blipFill>
+          <a:blip r:embed="rId2"/>
+          <a:stretch>
+            <a:fillRect/>
+          </a:stretch>
+        </p:blipFill>
+        <p:spPr>
+          <a:xfrm>
+            <a:off x="1484312" y="1692077"/>
+            <a:ext cx="9191625" cy="4171950"/>
+          </a:xfrm>
+          <a:prstGeom prst="rect">
+            <a:avLst/>
+          </a:prstGeom>
+        </p:spPr>
+      </p:pic>
+    </p:spTree>
+    <p:extLst>
+      <p:ext uri="{BB962C8B-B14F-4D97-AF65-F5344CB8AC3E}">
+        <p14:creationId xmlns:p14="http://schemas.microsoft.com/office/powerpoint/2010/main" val="3370882647"/>
+      </p:ext>
+    </p:extLst>
+  </p:cSld>
+  <p:clrMapOvr>
+    <a:masterClrMapping/>
+  </p:clrMapOvr>
+</p:sld>
+</file>
+
+<file path=ppt/slides/slide36.xml><?xml version="1.0" encoding="utf-8"?>
+<p:sld xmlns:a="http://schemas.openxmlformats.org/drawingml/2006/main" xmlns:r="http://schemas.openxmlformats.org/officeDocument/2006/relationships" xmlns:p="http://schemas.openxmlformats.org/presentationml/2006/main">
+  <p:cSld>
+    <p:spTree>
+      <p:nvGrpSpPr>
+        <p:cNvPr id="1" name=""/>
+        <p:cNvGrpSpPr/>
+        <p:nvPr/>
+      </p:nvGrpSpPr>
+      <p:grpSpPr>
+        <a:xfrm>
+          <a:off x="0" y="0"/>
+          <a:ext cx="0" cy="0"/>
+          <a:chOff x="0" y="0"/>
+          <a:chExt cx="0" cy="0"/>
+        </a:xfrm>
+      </p:grpSpPr>
+      <p:sp>
+        <p:nvSpPr>
+          <p:cNvPr id="5" name="제목 4"/>
+          <p:cNvSpPr>
+            <a:spLocks noGrp="1"/>
+          </p:cNvSpPr>
+          <p:nvPr>
+            <p:ph type="title"/>
+          </p:nvPr>
+        </p:nvSpPr>
+        <p:spPr>
+          <a:xfrm>
+            <a:off x="608016" y="551987"/>
+            <a:ext cx="10944225" cy="1140090"/>
+          </a:xfrm>
+        </p:spPr>
+        <p:txBody>
+          <a:bodyPr>
+            <a:normAutofit/>
+          </a:bodyPr>
+          <a:lstStyle/>
+          <a:p>
+            <a:pPr algn="l"/>
+            <a:r>
+              <a:rPr lang="en-US" altLang="ko-KR" sz="4400" dirty="0">
+                <a:solidFill>
+                  <a:schemeClr val="tx1">
+                    <a:lumMod val="75000"/>
+                    <a:lumOff val="25000"/>
+                  </a:schemeClr>
+                </a:solidFill>
+                <a:latin typeface="Noto Sans CJK KR Black" pitchFamily="34" charset="-127"/>
+                <a:ea typeface="Noto Sans CJK KR Black" pitchFamily="34" charset="-127"/>
+              </a:rPr>
+              <a:t>1. </a:t>
+            </a:r>
+            <a:r>
+              <a:rPr lang="ko-KR" altLang="en-US" sz="4400" dirty="0">
+                <a:solidFill>
+                  <a:schemeClr val="tx1">
+                    <a:lumMod val="75000"/>
+                    <a:lumOff val="25000"/>
+                  </a:schemeClr>
+                </a:solidFill>
+                <a:latin typeface="Noto Sans CJK KR Black" pitchFamily="34" charset="-127"/>
+                <a:ea typeface="Noto Sans CJK KR Black" pitchFamily="34" charset="-127"/>
+              </a:rPr>
+              <a:t>기계학습 알고리즘</a:t>
+            </a:r>
+            <a:endParaRPr lang="ko-KR" altLang="en-US" sz="4400" dirty="0">
+              <a:solidFill>
+                <a:schemeClr val="tx1">
+                  <a:lumMod val="75000"/>
+                  <a:lumOff val="25000"/>
+                </a:schemeClr>
+              </a:solidFill>
+            </a:endParaRPr>
+          </a:p>
+        </p:txBody>
+      </p:sp>
+      <p:sp>
+        <p:nvSpPr>
+          <p:cNvPr id="3" name="슬라이드 번호 개체 틀 2"/>
+          <p:cNvSpPr>
+            <a:spLocks noGrp="1"/>
+          </p:cNvSpPr>
+          <p:nvPr>
+            <p:ph type="sldNum" sz="quarter" idx="12"/>
+          </p:nvPr>
+        </p:nvSpPr>
+        <p:spPr/>
+        <p:txBody>
+          <a:bodyPr/>
+          <a:lstStyle/>
+          <a:p>
+            <a:fld id="{6DDAE2C3-1A0B-474A-8CE8-AE55B8D9D4B1}" type="slidenum">
+              <a:rPr lang="ko-KR" altLang="en-US" smtClean="0"/>
+              <a:pPr/>
+              <a:t>36</a:t>
+            </a:fld>
+            <a:endParaRPr lang="ko-KR" altLang="en-US" dirty="0"/>
+          </a:p>
+        </p:txBody>
+      </p:sp>
+      <p:pic>
+        <p:nvPicPr>
+          <p:cNvPr id="2" name="그림 1">
+            <a:extLst>
+              <a:ext uri="{FF2B5EF4-FFF2-40B4-BE49-F238E27FC236}">
+                <a16:creationId xmlns:a16="http://schemas.microsoft.com/office/drawing/2014/main" id="{9843E7C7-CCA6-47F7-9CF6-43921D60BC41}"/>
+              </a:ext>
+            </a:extLst>
+          </p:cNvPr>
+          <p:cNvPicPr>
+            <a:picLocks noChangeAspect="1"/>
+          </p:cNvPicPr>
+          <p:nvPr/>
+        </p:nvPicPr>
+        <p:blipFill>
+          <a:blip r:embed="rId2"/>
+          <a:stretch>
+            <a:fillRect/>
+          </a:stretch>
+        </p:blipFill>
+        <p:spPr>
+          <a:xfrm>
+            <a:off x="1431925" y="1592274"/>
+            <a:ext cx="9296400" cy="5229225"/>
+          </a:xfrm>
+          <a:prstGeom prst="rect">
+            <a:avLst/>
+          </a:prstGeom>
+        </p:spPr>
+      </p:pic>
+    </p:spTree>
+    <p:extLst>
+      <p:ext uri="{BB962C8B-B14F-4D97-AF65-F5344CB8AC3E}">
+        <p14:creationId xmlns:p14="http://schemas.microsoft.com/office/powerpoint/2010/main" val="1677175301"/>
+      </p:ext>
+    </p:extLst>
+  </p:cSld>
+  <p:clrMapOvr>
+    <a:masterClrMapping/>
+  </p:clrMapOvr>
+</p:sld>
+</file>
+
+<file path=ppt/slides/slide37.xml><?xml version="1.0" encoding="utf-8"?>
+<p:sld xmlns:a="http://schemas.openxmlformats.org/drawingml/2006/main" xmlns:r="http://schemas.openxmlformats.org/officeDocument/2006/relationships" xmlns:p="http://schemas.openxmlformats.org/presentationml/2006/main">
+  <p:cSld>
+    <p:spTree>
+      <p:nvGrpSpPr>
+        <p:cNvPr id="1" name=""/>
+        <p:cNvGrpSpPr/>
+        <p:nvPr/>
+      </p:nvGrpSpPr>
+      <p:grpSpPr>
+        <a:xfrm>
+          <a:off x="0" y="0"/>
+          <a:ext cx="0" cy="0"/>
+          <a:chOff x="0" y="0"/>
+          <a:chExt cx="0" cy="0"/>
+        </a:xfrm>
+      </p:grpSpPr>
+      <p:sp>
+        <p:nvSpPr>
+          <p:cNvPr id="5" name="제목 4"/>
+          <p:cNvSpPr>
+            <a:spLocks noGrp="1"/>
+          </p:cNvSpPr>
+          <p:nvPr>
+            <p:ph type="title"/>
+          </p:nvPr>
+        </p:nvSpPr>
+        <p:spPr>
+          <a:xfrm>
+            <a:off x="608016" y="551987"/>
+            <a:ext cx="10944225" cy="1140090"/>
+          </a:xfrm>
+        </p:spPr>
+        <p:txBody>
+          <a:bodyPr>
+            <a:normAutofit/>
+          </a:bodyPr>
+          <a:lstStyle/>
+          <a:p>
+            <a:pPr algn="l"/>
+            <a:r>
+              <a:rPr lang="en-US" altLang="ko-KR" sz="4400" dirty="0">
+                <a:solidFill>
+                  <a:schemeClr val="tx1">
+                    <a:lumMod val="75000"/>
+                    <a:lumOff val="25000"/>
+                  </a:schemeClr>
+                </a:solidFill>
+                <a:latin typeface="Noto Sans CJK KR Black" pitchFamily="34" charset="-127"/>
+                <a:ea typeface="Noto Sans CJK KR Black" pitchFamily="34" charset="-127"/>
+              </a:rPr>
+              <a:t>1. </a:t>
+            </a:r>
+            <a:r>
+              <a:rPr lang="ko-KR" altLang="en-US" sz="4400" dirty="0">
+                <a:solidFill>
+                  <a:schemeClr val="tx1">
+                    <a:lumMod val="75000"/>
+                    <a:lumOff val="25000"/>
+                  </a:schemeClr>
+                </a:solidFill>
+                <a:latin typeface="Noto Sans CJK KR Black" pitchFamily="34" charset="-127"/>
+                <a:ea typeface="Noto Sans CJK KR Black" pitchFamily="34" charset="-127"/>
+              </a:rPr>
+              <a:t>기계학습 알고리즘</a:t>
+            </a:r>
+            <a:endParaRPr lang="ko-KR" altLang="en-US" sz="4400" dirty="0">
+              <a:solidFill>
+                <a:schemeClr val="tx1">
+                  <a:lumMod val="75000"/>
+                  <a:lumOff val="25000"/>
+                </a:schemeClr>
+              </a:solidFill>
+            </a:endParaRPr>
+          </a:p>
+        </p:txBody>
+      </p:sp>
+      <p:sp>
+        <p:nvSpPr>
+          <p:cNvPr id="3" name="슬라이드 번호 개체 틀 2"/>
+          <p:cNvSpPr>
+            <a:spLocks noGrp="1"/>
+          </p:cNvSpPr>
+          <p:nvPr>
+            <p:ph type="sldNum" sz="quarter" idx="12"/>
+          </p:nvPr>
+        </p:nvSpPr>
+        <p:spPr/>
+        <p:txBody>
+          <a:bodyPr/>
+          <a:lstStyle/>
+          <a:p>
+            <a:fld id="{6DDAE2C3-1A0B-474A-8CE8-AE55B8D9D4B1}" type="slidenum">
+              <a:rPr lang="ko-KR" altLang="en-US" smtClean="0"/>
+              <a:pPr/>
+              <a:t>37</a:t>
+            </a:fld>
+            <a:endParaRPr lang="ko-KR" altLang="en-US" dirty="0"/>
+          </a:p>
+        </p:txBody>
+      </p:sp>
+      <p:pic>
+        <p:nvPicPr>
+          <p:cNvPr id="2" name="그림 1">
+            <a:extLst>
+              <a:ext uri="{FF2B5EF4-FFF2-40B4-BE49-F238E27FC236}">
+                <a16:creationId xmlns:a16="http://schemas.microsoft.com/office/drawing/2014/main" id="{8C0B53B6-91CD-4674-AD8B-229D8AB36492}"/>
+              </a:ext>
+            </a:extLst>
+          </p:cNvPr>
+          <p:cNvPicPr>
+            <a:picLocks noChangeAspect="1"/>
+          </p:cNvPicPr>
+          <p:nvPr/>
+        </p:nvPicPr>
+        <p:blipFill>
+          <a:blip r:embed="rId2"/>
+          <a:stretch>
+            <a:fillRect/>
+          </a:stretch>
+        </p:blipFill>
+        <p:spPr>
+          <a:xfrm>
+            <a:off x="319485" y="1551075"/>
+            <a:ext cx="7505700" cy="4962525"/>
+          </a:xfrm>
+          <a:prstGeom prst="rect">
+            <a:avLst/>
+          </a:prstGeom>
+        </p:spPr>
+      </p:pic>
+      <p:pic>
+        <p:nvPicPr>
+          <p:cNvPr id="4" name="그림 3">
+            <a:extLst>
+              <a:ext uri="{FF2B5EF4-FFF2-40B4-BE49-F238E27FC236}">
+                <a16:creationId xmlns:a16="http://schemas.microsoft.com/office/drawing/2014/main" id="{6FC8C0FF-56DC-42A2-8B16-0A08674CEB15}"/>
+              </a:ext>
+            </a:extLst>
+          </p:cNvPr>
+          <p:cNvPicPr>
+            <a:picLocks noChangeAspect="1"/>
+          </p:cNvPicPr>
+          <p:nvPr/>
+        </p:nvPicPr>
+        <p:blipFill>
+          <a:blip r:embed="rId3"/>
+          <a:stretch>
+            <a:fillRect/>
+          </a:stretch>
+        </p:blipFill>
+        <p:spPr>
+          <a:xfrm>
+            <a:off x="7742630" y="2717359"/>
+            <a:ext cx="4391025" cy="1809750"/>
+          </a:xfrm>
+          <a:prstGeom prst="rect">
+            <a:avLst/>
+          </a:prstGeom>
+        </p:spPr>
+      </p:pic>
+    </p:spTree>
+    <p:extLst>
+      <p:ext uri="{BB962C8B-B14F-4D97-AF65-F5344CB8AC3E}">
+        <p14:creationId xmlns:p14="http://schemas.microsoft.com/office/powerpoint/2010/main" val="3120240796"/>
+      </p:ext>
+    </p:extLst>
+  </p:cSld>
+  <p:clrMapOvr>
+    <a:masterClrMapping/>
+  </p:clrMapOvr>
+</p:sld>
+</file>
+
+<file path=ppt/slides/slide38.xml><?xml version="1.0" encoding="utf-8"?>
+<p:sld xmlns:a="http://schemas.openxmlformats.org/drawingml/2006/main" xmlns:r="http://schemas.openxmlformats.org/officeDocument/2006/relationships" xmlns:p="http://schemas.openxmlformats.org/presentationml/2006/main">
+  <p:cSld>
+    <p:spTree>
+      <p:nvGrpSpPr>
+        <p:cNvPr id="1" name=""/>
+        <p:cNvGrpSpPr/>
+        <p:nvPr/>
+      </p:nvGrpSpPr>
+      <p:grpSpPr>
+        <a:xfrm>
+          <a:off x="0" y="0"/>
+          <a:ext cx="0" cy="0"/>
+          <a:chOff x="0" y="0"/>
+          <a:chExt cx="0" cy="0"/>
+        </a:xfrm>
+      </p:grpSpPr>
+      <p:sp>
+        <p:nvSpPr>
+          <p:cNvPr id="5" name="제목 4"/>
+          <p:cNvSpPr>
+            <a:spLocks noGrp="1"/>
+          </p:cNvSpPr>
+          <p:nvPr>
+            <p:ph type="title"/>
+          </p:nvPr>
+        </p:nvSpPr>
+        <p:spPr>
+          <a:xfrm>
+            <a:off x="608016" y="551987"/>
+            <a:ext cx="10944225" cy="1140090"/>
+          </a:xfrm>
+        </p:spPr>
+        <p:txBody>
+          <a:bodyPr>
+            <a:normAutofit/>
+          </a:bodyPr>
+          <a:lstStyle/>
+          <a:p>
+            <a:pPr algn="l"/>
+            <a:r>
+              <a:rPr lang="en-US" altLang="ko-KR" sz="4400" dirty="0">
+                <a:solidFill>
+                  <a:schemeClr val="tx1">
+                    <a:lumMod val="75000"/>
+                    <a:lumOff val="25000"/>
+                  </a:schemeClr>
+                </a:solidFill>
+                <a:latin typeface="Noto Sans CJK KR Black" pitchFamily="34" charset="-127"/>
+                <a:ea typeface="Noto Sans CJK KR Black" pitchFamily="34" charset="-127"/>
+              </a:rPr>
+              <a:t>1. </a:t>
+            </a:r>
+            <a:r>
+              <a:rPr lang="ko-KR" altLang="en-US" sz="4400" dirty="0">
+                <a:solidFill>
+                  <a:schemeClr val="tx1">
+                    <a:lumMod val="75000"/>
+                    <a:lumOff val="25000"/>
+                  </a:schemeClr>
+                </a:solidFill>
+                <a:latin typeface="Noto Sans CJK KR Black" pitchFamily="34" charset="-127"/>
+                <a:ea typeface="Noto Sans CJK KR Black" pitchFamily="34" charset="-127"/>
+              </a:rPr>
+              <a:t>기계학습 알고리즘</a:t>
+            </a:r>
+            <a:endParaRPr lang="ko-KR" altLang="en-US" sz="4400" dirty="0">
+              <a:solidFill>
+                <a:schemeClr val="tx1">
+                  <a:lumMod val="75000"/>
+                  <a:lumOff val="25000"/>
+                </a:schemeClr>
+              </a:solidFill>
+            </a:endParaRPr>
+          </a:p>
+        </p:txBody>
+      </p:sp>
+      <p:sp>
+        <p:nvSpPr>
+          <p:cNvPr id="3" name="슬라이드 번호 개체 틀 2"/>
+          <p:cNvSpPr>
+            <a:spLocks noGrp="1"/>
+          </p:cNvSpPr>
+          <p:nvPr>
+            <p:ph type="sldNum" sz="quarter" idx="12"/>
+          </p:nvPr>
+        </p:nvSpPr>
+        <p:spPr/>
+        <p:txBody>
+          <a:bodyPr/>
+          <a:lstStyle/>
+          <a:p>
+            <a:fld id="{6DDAE2C3-1A0B-474A-8CE8-AE55B8D9D4B1}" type="slidenum">
+              <a:rPr lang="ko-KR" altLang="en-US" smtClean="0"/>
+              <a:pPr/>
+              <a:t>38</a:t>
+            </a:fld>
+            <a:endParaRPr lang="ko-KR" altLang="en-US" dirty="0"/>
+          </a:p>
+        </p:txBody>
+      </p:sp>
+      <p:pic>
+        <p:nvPicPr>
+          <p:cNvPr id="6" name="그림 5">
+            <a:extLst>
+              <a:ext uri="{FF2B5EF4-FFF2-40B4-BE49-F238E27FC236}">
+                <a16:creationId xmlns:a16="http://schemas.microsoft.com/office/drawing/2014/main" id="{6BA1C568-8E57-4042-937F-6368A591AA3E}"/>
+              </a:ext>
+            </a:extLst>
+          </p:cNvPr>
+          <p:cNvPicPr>
+            <a:picLocks noChangeAspect="1"/>
+          </p:cNvPicPr>
+          <p:nvPr/>
+        </p:nvPicPr>
+        <p:blipFill>
+          <a:blip r:embed="rId2"/>
+          <a:stretch>
+            <a:fillRect/>
+          </a:stretch>
+        </p:blipFill>
+        <p:spPr>
+          <a:xfrm>
+            <a:off x="2436812" y="1980109"/>
+            <a:ext cx="7286625" cy="3971925"/>
+          </a:xfrm>
+          <a:prstGeom prst="rect">
+            <a:avLst/>
+          </a:prstGeom>
+        </p:spPr>
+      </p:pic>
+    </p:spTree>
+    <p:extLst>
+      <p:ext uri="{BB962C8B-B14F-4D97-AF65-F5344CB8AC3E}">
+        <p14:creationId xmlns:p14="http://schemas.microsoft.com/office/powerpoint/2010/main" val="2840780450"/>
+      </p:ext>
+    </p:extLst>
+  </p:cSld>
+  <p:clrMapOvr>
+    <a:masterClrMapping/>
+  </p:clrMapOvr>
+</p:sld>
+</file>
+
+<file path=ppt/slides/slide39.xml><?xml version="1.0" encoding="utf-8"?>
+<p:sld xmlns:a="http://schemas.openxmlformats.org/drawingml/2006/main" xmlns:r="http://schemas.openxmlformats.org/officeDocument/2006/relationships" xmlns:p="http://schemas.openxmlformats.org/presentationml/2006/main">
+  <p:cSld>
+    <p:spTree>
+      <p:nvGrpSpPr>
+        <p:cNvPr id="1" name=""/>
+        <p:cNvGrpSpPr/>
+        <p:nvPr/>
+      </p:nvGrpSpPr>
+      <p:grpSpPr>
+        <a:xfrm>
+          <a:off x="0" y="0"/>
+          <a:ext cx="0" cy="0"/>
+          <a:chOff x="0" y="0"/>
+          <a:chExt cx="0" cy="0"/>
+        </a:xfrm>
+      </p:grpSpPr>
+      <p:sp>
+        <p:nvSpPr>
+          <p:cNvPr id="5" name="제목 4"/>
+          <p:cNvSpPr>
+            <a:spLocks noGrp="1"/>
+          </p:cNvSpPr>
+          <p:nvPr>
+            <p:ph type="title"/>
+          </p:nvPr>
+        </p:nvSpPr>
+        <p:spPr>
+          <a:xfrm>
+            <a:off x="608012" y="2700189"/>
+            <a:ext cx="10944225" cy="1140090"/>
+          </a:xfrm>
+        </p:spPr>
+        <p:txBody>
+          <a:bodyPr>
+            <a:noAutofit/>
+          </a:bodyPr>
+          <a:lstStyle/>
+          <a:p>
+            <a:pPr algn="l"/>
+            <a:r>
+              <a:rPr lang="en-US" altLang="ko-KR" sz="4000" b="1" dirty="0">
+                <a:solidFill>
+                  <a:schemeClr val="tx1">
+                    <a:lumMod val="75000"/>
+                    <a:lumOff val="25000"/>
+                  </a:schemeClr>
+                </a:solidFill>
+                <a:latin typeface="Noto Sans CJK KR Black" pitchFamily="34" charset="-127"/>
+                <a:ea typeface="Noto Sans CJK KR Black" pitchFamily="34" charset="-127"/>
+              </a:rPr>
+              <a:t>&lt;Quiz&gt;</a:t>
+            </a:r>
+            <a:br>
+              <a:rPr lang="en-US" altLang="ko-KR" sz="3200" dirty="0">
+                <a:solidFill>
+                  <a:schemeClr val="tx1">
+                    <a:lumMod val="75000"/>
+                    <a:lumOff val="25000"/>
+                  </a:schemeClr>
+                </a:solidFill>
+                <a:latin typeface="Noto Sans CJK KR Black" pitchFamily="34" charset="-127"/>
+                <a:ea typeface="Noto Sans CJK KR Black" pitchFamily="34" charset="-127"/>
+              </a:rPr>
+            </a:br>
+            <a:br>
+              <a:rPr lang="en-US" altLang="ko-KR" sz="3200" dirty="0">
+                <a:solidFill>
+                  <a:schemeClr val="tx1">
+                    <a:lumMod val="75000"/>
+                    <a:lumOff val="25000"/>
+                  </a:schemeClr>
+                </a:solidFill>
+                <a:latin typeface="Noto Sans CJK KR Black" pitchFamily="34" charset="-127"/>
+                <a:ea typeface="Noto Sans CJK KR Black" pitchFamily="34" charset="-127"/>
+              </a:rPr>
+            </a:br>
+            <a:r>
+              <a:rPr lang="en-US" altLang="ko-KR" sz="2400" dirty="0">
+                <a:solidFill>
+                  <a:schemeClr val="tx1">
+                    <a:lumMod val="75000"/>
+                    <a:lumOff val="25000"/>
+                  </a:schemeClr>
+                </a:solidFill>
+                <a:latin typeface="Noto Sans CJK KR Black" pitchFamily="34" charset="-127"/>
+                <a:ea typeface="Noto Sans CJK KR Black" pitchFamily="34" charset="-127"/>
+              </a:rPr>
+              <a:t>1. Ridge </a:t>
+            </a:r>
+            <a:r>
+              <a:rPr lang="ko-KR" altLang="en-US" sz="2400" dirty="0">
+                <a:solidFill>
+                  <a:schemeClr val="tx1">
+                    <a:lumMod val="75000"/>
+                    <a:lumOff val="25000"/>
+                  </a:schemeClr>
+                </a:solidFill>
+                <a:latin typeface="Noto Sans CJK KR Black" pitchFamily="34" charset="-127"/>
+                <a:ea typeface="Noto Sans CJK KR Black" pitchFamily="34" charset="-127"/>
+              </a:rPr>
+              <a:t>회귀분석과 </a:t>
+            </a:r>
+            <a:r>
+              <a:rPr lang="en-US" altLang="ko-KR" sz="2400" dirty="0">
+                <a:solidFill>
+                  <a:schemeClr val="tx1">
+                    <a:lumMod val="75000"/>
+                    <a:lumOff val="25000"/>
+                  </a:schemeClr>
+                </a:solidFill>
+                <a:latin typeface="Noto Sans CJK KR Black" pitchFamily="34" charset="-127"/>
+                <a:ea typeface="Noto Sans CJK KR Black" pitchFamily="34" charset="-127"/>
+              </a:rPr>
+              <a:t>Lasso </a:t>
+            </a:r>
+            <a:r>
+              <a:rPr lang="ko-KR" altLang="en-US" sz="2400" dirty="0">
+                <a:solidFill>
+                  <a:schemeClr val="tx1">
+                    <a:lumMod val="75000"/>
+                    <a:lumOff val="25000"/>
+                  </a:schemeClr>
+                </a:solidFill>
+                <a:latin typeface="Noto Sans CJK KR Black" pitchFamily="34" charset="-127"/>
+                <a:ea typeface="Noto Sans CJK KR Black" pitchFamily="34" charset="-127"/>
+              </a:rPr>
+              <a:t>회귀분석의 차이를 설명하고</a:t>
+            </a:r>
+            <a:r>
+              <a:rPr lang="en-US" altLang="ko-KR" sz="2400" dirty="0">
+                <a:solidFill>
+                  <a:schemeClr val="tx1">
+                    <a:lumMod val="75000"/>
+                    <a:lumOff val="25000"/>
+                  </a:schemeClr>
+                </a:solidFill>
+                <a:latin typeface="Noto Sans CJK KR Black" pitchFamily="34" charset="-127"/>
+                <a:ea typeface="Noto Sans CJK KR Black" pitchFamily="34" charset="-127"/>
+              </a:rPr>
+              <a:t>, </a:t>
+            </a:r>
+            <a:r>
+              <a:rPr lang="ko-KR" altLang="en-US" sz="2400" dirty="0">
+                <a:solidFill>
+                  <a:schemeClr val="tx1">
+                    <a:lumMod val="75000"/>
+                    <a:lumOff val="25000"/>
+                  </a:schemeClr>
+                </a:solidFill>
+                <a:latin typeface="Noto Sans CJK KR Black" pitchFamily="34" charset="-127"/>
+                <a:ea typeface="Noto Sans CJK KR Black" pitchFamily="34" charset="-127"/>
+              </a:rPr>
+              <a:t>추정된 계수는 어떤 특성이 있는지 설명하라</a:t>
+            </a:r>
+            <a:r>
+              <a:rPr lang="en-US" altLang="ko-KR" sz="2400" dirty="0">
+                <a:solidFill>
+                  <a:schemeClr val="tx1">
+                    <a:lumMod val="75000"/>
+                    <a:lumOff val="25000"/>
+                  </a:schemeClr>
+                </a:solidFill>
+                <a:latin typeface="Noto Sans CJK KR Black" pitchFamily="34" charset="-127"/>
+                <a:ea typeface="Noto Sans CJK KR Black" pitchFamily="34" charset="-127"/>
+              </a:rPr>
+              <a:t>.</a:t>
+            </a:r>
+            <a:br>
+              <a:rPr lang="en-US" altLang="ko-KR" sz="2400" dirty="0">
+                <a:solidFill>
+                  <a:schemeClr val="tx1">
+                    <a:lumMod val="75000"/>
+                    <a:lumOff val="25000"/>
+                  </a:schemeClr>
+                </a:solidFill>
+                <a:latin typeface="Noto Sans CJK KR Black" pitchFamily="34" charset="-127"/>
+                <a:ea typeface="Noto Sans CJK KR Black" pitchFamily="34" charset="-127"/>
+              </a:rPr>
+            </a:br>
+            <a:br>
+              <a:rPr lang="en-US" altLang="ko-KR" sz="2400" dirty="0">
+                <a:solidFill>
+                  <a:schemeClr val="tx1">
+                    <a:lumMod val="75000"/>
+                    <a:lumOff val="25000"/>
+                  </a:schemeClr>
+                </a:solidFill>
+                <a:latin typeface="Noto Sans CJK KR Black" pitchFamily="34" charset="-127"/>
+                <a:ea typeface="Noto Sans CJK KR Black" pitchFamily="34" charset="-127"/>
+              </a:rPr>
+            </a:br>
+            <a:br>
+              <a:rPr lang="en-US" altLang="ko-KR" sz="2400" dirty="0">
+                <a:solidFill>
+                  <a:schemeClr val="tx1">
+                    <a:lumMod val="75000"/>
+                    <a:lumOff val="25000"/>
+                  </a:schemeClr>
+                </a:solidFill>
+                <a:latin typeface="Noto Sans CJK KR Black" pitchFamily="34" charset="-127"/>
+                <a:ea typeface="Noto Sans CJK KR Black" pitchFamily="34" charset="-127"/>
+              </a:rPr>
+            </a:br>
+            <a:r>
+              <a:rPr lang="en-US" altLang="ko-KR" sz="2400" dirty="0">
+                <a:solidFill>
+                  <a:schemeClr val="tx1">
+                    <a:lumMod val="75000"/>
+                    <a:lumOff val="25000"/>
+                  </a:schemeClr>
+                </a:solidFill>
+                <a:latin typeface="Noto Sans CJK KR Black" pitchFamily="34" charset="-127"/>
+                <a:ea typeface="Noto Sans CJK KR Black" pitchFamily="34" charset="-127"/>
+              </a:rPr>
+              <a:t>2. Bagging</a:t>
+            </a:r>
+            <a:r>
+              <a:rPr lang="ko-KR" altLang="en-US" sz="2400" dirty="0">
+                <a:solidFill>
+                  <a:schemeClr val="tx1">
+                    <a:lumMod val="75000"/>
+                    <a:lumOff val="25000"/>
+                  </a:schemeClr>
+                </a:solidFill>
+                <a:latin typeface="Noto Sans CJK KR Black" pitchFamily="34" charset="-127"/>
+                <a:ea typeface="Noto Sans CJK KR Black" pitchFamily="34" charset="-127"/>
+              </a:rPr>
+              <a:t>과 </a:t>
+            </a:r>
+            <a:r>
+              <a:rPr lang="en-US" altLang="ko-KR" sz="2400" dirty="0">
+                <a:solidFill>
+                  <a:schemeClr val="tx1">
+                    <a:lumMod val="75000"/>
+                    <a:lumOff val="25000"/>
+                  </a:schemeClr>
+                </a:solidFill>
+                <a:latin typeface="Noto Sans CJK KR Black" pitchFamily="34" charset="-127"/>
+                <a:ea typeface="Noto Sans CJK KR Black" pitchFamily="34" charset="-127"/>
+              </a:rPr>
+              <a:t>Boosting</a:t>
+            </a:r>
+            <a:r>
+              <a:rPr lang="ko-KR" altLang="en-US" sz="2400" dirty="0">
+                <a:solidFill>
+                  <a:schemeClr val="tx1">
+                    <a:lumMod val="75000"/>
+                    <a:lumOff val="25000"/>
+                  </a:schemeClr>
+                </a:solidFill>
+                <a:latin typeface="Noto Sans CJK KR Black" pitchFamily="34" charset="-127"/>
+                <a:ea typeface="Noto Sans CJK KR Black" pitchFamily="34" charset="-127"/>
+              </a:rPr>
+              <a:t>의 차이를 설명하고</a:t>
+            </a:r>
+            <a:r>
+              <a:rPr lang="en-US" altLang="ko-KR" sz="2400" dirty="0">
+                <a:solidFill>
+                  <a:schemeClr val="tx1">
+                    <a:lumMod val="75000"/>
+                    <a:lumOff val="25000"/>
+                  </a:schemeClr>
+                </a:solidFill>
+                <a:latin typeface="Noto Sans CJK KR Black" pitchFamily="34" charset="-127"/>
+                <a:ea typeface="Noto Sans CJK KR Black" pitchFamily="34" charset="-127"/>
+              </a:rPr>
+              <a:t>, </a:t>
+            </a:r>
+            <a:r>
+              <a:rPr lang="ko-KR" altLang="en-US" sz="2400" dirty="0">
+                <a:solidFill>
+                  <a:schemeClr val="tx1">
+                    <a:lumMod val="75000"/>
+                    <a:lumOff val="25000"/>
+                  </a:schemeClr>
+                </a:solidFill>
+                <a:latin typeface="Noto Sans CJK KR Black" pitchFamily="34" charset="-127"/>
+                <a:ea typeface="Noto Sans CJK KR Black" pitchFamily="34" charset="-127"/>
+              </a:rPr>
+              <a:t>각각의 대표적인 알고리즘을 설명하라</a:t>
+            </a:r>
+            <a:r>
+              <a:rPr lang="en-US" altLang="ko-KR" sz="2400" dirty="0">
+                <a:solidFill>
+                  <a:schemeClr val="tx1">
+                    <a:lumMod val="75000"/>
+                    <a:lumOff val="25000"/>
+                  </a:schemeClr>
+                </a:solidFill>
+                <a:latin typeface="Noto Sans CJK KR Black" pitchFamily="34" charset="-127"/>
+                <a:ea typeface="Noto Sans CJK KR Black" pitchFamily="34" charset="-127"/>
+              </a:rPr>
+              <a:t>.</a:t>
+            </a:r>
+            <a:br>
+              <a:rPr lang="en-US" altLang="ko-KR" sz="2400" dirty="0">
+                <a:solidFill>
+                  <a:schemeClr val="tx1">
+                    <a:lumMod val="75000"/>
+                    <a:lumOff val="25000"/>
+                  </a:schemeClr>
+                </a:solidFill>
+                <a:latin typeface="Noto Sans CJK KR Black" pitchFamily="34" charset="-127"/>
+                <a:ea typeface="Noto Sans CJK KR Black" pitchFamily="34" charset="-127"/>
+              </a:rPr>
+            </a:br>
+            <a:endParaRPr lang="ko-KR" altLang="en-US" sz="3200" dirty="0">
+              <a:solidFill>
+                <a:schemeClr val="tx1">
+                  <a:lumMod val="75000"/>
+                  <a:lumOff val="25000"/>
+                </a:schemeClr>
+              </a:solidFill>
+            </a:endParaRPr>
+          </a:p>
+        </p:txBody>
+      </p:sp>
+      <p:sp>
+        <p:nvSpPr>
+          <p:cNvPr id="3" name="슬라이드 번호 개체 틀 2"/>
+          <p:cNvSpPr>
+            <a:spLocks noGrp="1"/>
+          </p:cNvSpPr>
+          <p:nvPr>
+            <p:ph type="sldNum" sz="quarter" idx="12"/>
+          </p:nvPr>
+        </p:nvSpPr>
+        <p:spPr/>
+        <p:txBody>
+          <a:bodyPr/>
+          <a:lstStyle/>
+          <a:p>
+            <a:fld id="{6DDAE2C3-1A0B-474A-8CE8-AE55B8D9D4B1}" type="slidenum">
+              <a:rPr lang="ko-KR" altLang="en-US" smtClean="0"/>
+              <a:pPr/>
+              <a:t>39</a:t>
+            </a:fld>
+            <a:endParaRPr lang="ko-KR" altLang="en-US" dirty="0"/>
+          </a:p>
+        </p:txBody>
+      </p:sp>
+    </p:spTree>
+    <p:extLst>
+      <p:ext uri="{BB962C8B-B14F-4D97-AF65-F5344CB8AC3E}">
+        <p14:creationId xmlns:p14="http://schemas.microsoft.com/office/powerpoint/2010/main" val="1865954392"/>
       </p:ext>
     </p:extLst>
   </p:cSld>
@@ -5194,67 +10014,7 @@
       </p:grpSpPr>
       <p:sp>
         <p:nvSpPr>
-          <p:cNvPr id="5" name="제목 4"/>
-          <p:cNvSpPr>
-            <a:spLocks noGrp="1"/>
-          </p:cNvSpPr>
-          <p:nvPr>
-            <p:ph type="title"/>
-          </p:nvPr>
-        </p:nvSpPr>
-        <p:spPr>
-          <a:xfrm>
-            <a:off x="608016" y="551987"/>
-            <a:ext cx="10944225" cy="1140090"/>
-          </a:xfrm>
-        </p:spPr>
-        <p:txBody>
-          <a:bodyPr>
-            <a:normAutofit/>
-          </a:bodyPr>
-          <a:lstStyle/>
-          <a:p>
-            <a:pPr algn="l"/>
-            <a:r>
-              <a:rPr lang="en-US" altLang="ko-KR" sz="4400" dirty="0">
-                <a:solidFill>
-                  <a:schemeClr val="tx1">
-                    <a:lumMod val="75000"/>
-                    <a:lumOff val="25000"/>
-                  </a:schemeClr>
-                </a:solidFill>
-                <a:latin typeface="Noto Sans CJK KR Black" pitchFamily="34" charset="-127"/>
-                <a:ea typeface="Noto Sans CJK KR Black" pitchFamily="34" charset="-127"/>
-              </a:rPr>
-              <a:t>2. </a:t>
-            </a:r>
-            <a:r>
-              <a:rPr lang="ko-KR" altLang="en-US" sz="4400" dirty="0">
-                <a:solidFill>
-                  <a:schemeClr val="tx1">
-                    <a:lumMod val="75000"/>
-                    <a:lumOff val="25000"/>
-                  </a:schemeClr>
-                </a:solidFill>
-                <a:latin typeface="Noto Sans CJK KR Black" pitchFamily="34" charset="-127"/>
-                <a:ea typeface="Noto Sans CJK KR Black" pitchFamily="34" charset="-127"/>
-              </a:rPr>
-              <a:t>시계열 알고리즘</a:t>
-            </a:r>
-            <a:endParaRPr lang="ko-KR" altLang="en-US" sz="4400" dirty="0">
-              <a:solidFill>
-                <a:schemeClr val="tx1">
-                  <a:lumMod val="75000"/>
-                  <a:lumOff val="25000"/>
-                </a:schemeClr>
-              </a:solidFill>
-            </a:endParaRPr>
-          </a:p>
-        </p:txBody>
-      </p:sp>
-      <p:sp>
-        <p:nvSpPr>
-          <p:cNvPr id="3" name="슬라이드 번호 개체 틀 2"/>
+          <p:cNvPr id="15" name="슬라이드 번호 개체 틀 14"/>
           <p:cNvSpPr>
             <a:spLocks noGrp="1"/>
           </p:cNvSpPr>
@@ -5278,10 +10038,10 @@
       </p:sp>
       <p:pic>
         <p:nvPicPr>
-          <p:cNvPr id="2" name="그림 1">
+          <p:cNvPr id="3" name="그림 2">
             <a:extLst>
               <a:ext uri="{FF2B5EF4-FFF2-40B4-BE49-F238E27FC236}">
-                <a16:creationId xmlns:a16="http://schemas.microsoft.com/office/drawing/2014/main" id="{D3A9490D-469C-4BE3-AD4B-3557B36A1CD0}"/>
+                <a16:creationId xmlns:a16="http://schemas.microsoft.com/office/drawing/2014/main" id="{D6DD5885-9831-49F9-BB66-4BC969954596}"/>
               </a:ext>
             </a:extLst>
           </p:cNvPr>
@@ -5298,8 +10058,38 @@
         </p:blipFill>
         <p:spPr>
           <a:xfrm>
-            <a:off x="2217737" y="2121238"/>
-            <a:ext cx="7724775" cy="3819525"/>
+            <a:off x="1615629" y="2320131"/>
+            <a:ext cx="3571875" cy="2200275"/>
+          </a:xfrm>
+          <a:prstGeom prst="rect">
+            <a:avLst/>
+          </a:prstGeom>
+        </p:spPr>
+      </p:pic>
+      <p:pic>
+        <p:nvPicPr>
+          <p:cNvPr id="4" name="그림 3">
+            <a:extLst>
+              <a:ext uri="{FF2B5EF4-FFF2-40B4-BE49-F238E27FC236}">
+                <a16:creationId xmlns:a16="http://schemas.microsoft.com/office/drawing/2014/main" id="{05A3F79C-CA83-46BF-93CD-4C42858A8123}"/>
+              </a:ext>
+            </a:extLst>
+          </p:cNvPr>
+          <p:cNvPicPr>
+            <a:picLocks noChangeAspect="1"/>
+          </p:cNvPicPr>
+          <p:nvPr/>
+        </p:nvPicPr>
+        <p:blipFill>
+          <a:blip r:embed="rId3"/>
+          <a:stretch>
+            <a:fillRect/>
+          </a:stretch>
+        </p:blipFill>
+        <p:spPr>
+          <a:xfrm>
+            <a:off x="5936109" y="1715293"/>
+            <a:ext cx="5610225" cy="3409950"/>
           </a:xfrm>
           <a:prstGeom prst="rect">
             <a:avLst/>
@@ -5309,7 +10099,193 @@
     </p:spTree>
     <p:extLst>
       <p:ext uri="{BB962C8B-B14F-4D97-AF65-F5344CB8AC3E}">
-        <p14:creationId xmlns:p14="http://schemas.microsoft.com/office/powerpoint/2010/main" val="470989815"/>
+        <p14:creationId xmlns:p14="http://schemas.microsoft.com/office/powerpoint/2010/main" val="2877754834"/>
+      </p:ext>
+    </p:extLst>
+  </p:cSld>
+  <p:clrMapOvr>
+    <a:masterClrMapping/>
+  </p:clrMapOvr>
+</p:sld>
+</file>
+
+<file path=ppt/slides/slide40.xml><?xml version="1.0" encoding="utf-8"?>
+<p:sld xmlns:a="http://schemas.openxmlformats.org/drawingml/2006/main" xmlns:r="http://schemas.openxmlformats.org/officeDocument/2006/relationships" xmlns:p="http://schemas.openxmlformats.org/presentationml/2006/main">
+  <p:cSld>
+    <p:spTree>
+      <p:nvGrpSpPr>
+        <p:cNvPr id="1" name=""/>
+        <p:cNvGrpSpPr/>
+        <p:nvPr/>
+      </p:nvGrpSpPr>
+      <p:grpSpPr>
+        <a:xfrm>
+          <a:off x="0" y="0"/>
+          <a:ext cx="0" cy="0"/>
+          <a:chOff x="0" y="0"/>
+          <a:chExt cx="0" cy="0"/>
+        </a:xfrm>
+      </p:grpSpPr>
+      <p:sp>
+        <p:nvSpPr>
+          <p:cNvPr id="6" name="직사각형 5"/>
+          <p:cNvSpPr/>
+          <p:nvPr/>
+        </p:nvSpPr>
+        <p:spPr>
+          <a:xfrm>
+            <a:off x="0" y="0"/>
+            <a:ext cx="12160250" cy="6840538"/>
+          </a:xfrm>
+          <a:prstGeom prst="rect">
+            <a:avLst/>
+          </a:prstGeom>
+          <a:solidFill>
+            <a:schemeClr val="bg1">
+              <a:lumMod val="95000"/>
+            </a:schemeClr>
+          </a:solidFill>
+          <a:ln>
+            <a:noFill/>
+          </a:ln>
+          <a:effectLst/>
+        </p:spPr>
+        <p:style>
+          <a:lnRef idx="2">
+            <a:schemeClr val="accent1">
+              <a:shade val="50000"/>
+            </a:schemeClr>
+          </a:lnRef>
+          <a:fillRef idx="1">
+            <a:schemeClr val="accent1"/>
+          </a:fillRef>
+          <a:effectRef idx="0">
+            <a:schemeClr val="accent1"/>
+          </a:effectRef>
+          <a:fontRef idx="minor">
+            <a:schemeClr val="lt1"/>
+          </a:fontRef>
+        </p:style>
+        <p:txBody>
+          <a:bodyPr rtlCol="0" anchor="ctr"/>
+          <a:lstStyle/>
+          <a:p>
+            <a:pPr algn="ctr"/>
+            <a:endParaRPr lang="ko-KR" altLang="en-US"/>
+          </a:p>
+        </p:txBody>
+      </p:sp>
+      <p:sp>
+        <p:nvSpPr>
+          <p:cNvPr id="4" name="TextBox 3"/>
+          <p:cNvSpPr txBox="1"/>
+          <p:nvPr/>
+        </p:nvSpPr>
+        <p:spPr>
+          <a:xfrm>
+            <a:off x="535509" y="2673109"/>
+            <a:ext cx="10131075" cy="1035192"/>
+          </a:xfrm>
+          <a:prstGeom prst="rect">
+            <a:avLst/>
+          </a:prstGeom>
+          <a:noFill/>
+        </p:spPr>
+        <p:txBody>
+          <a:bodyPr wrap="square" lIns="110780" tIns="55390" rIns="110780" bIns="55390" rtlCol="0">
+            <a:spAutoFit/>
+          </a:bodyPr>
+          <a:lstStyle/>
+          <a:p>
+            <a:r>
+              <a:rPr lang="ko-KR" altLang="en-US" sz="6000" dirty="0">
+                <a:latin typeface="Noto Sans CJK KR Black" panose="020B0A00000000000000" pitchFamily="34" charset="-127"/>
+                <a:ea typeface="Noto Sans CJK KR Black" panose="020B0A00000000000000" pitchFamily="34" charset="-127"/>
+              </a:rPr>
+              <a:t>감사합니다</a:t>
+            </a:r>
+            <a:r>
+              <a:rPr lang="en-US" altLang="ko-KR" sz="6000" dirty="0">
+                <a:latin typeface="Noto Sans CJK KR Black" panose="020B0A00000000000000" pitchFamily="34" charset="-127"/>
+                <a:ea typeface="Noto Sans CJK KR Black" panose="020B0A00000000000000" pitchFamily="34" charset="-127"/>
+              </a:rPr>
+              <a:t>.</a:t>
+            </a:r>
+          </a:p>
+        </p:txBody>
+      </p:sp>
+      <p:cxnSp>
+        <p:nvCxnSpPr>
+          <p:cNvPr id="9" name="직선 연결선 8"/>
+          <p:cNvCxnSpPr/>
+          <p:nvPr/>
+        </p:nvCxnSpPr>
+        <p:spPr>
+          <a:xfrm>
+            <a:off x="4495949" y="3105157"/>
+            <a:ext cx="6172413" cy="0"/>
+          </a:xfrm>
+          <a:prstGeom prst="line">
+            <a:avLst/>
+          </a:prstGeom>
+          <a:ln w="3175">
+            <a:solidFill>
+              <a:srgbClr val="F2224D"/>
+            </a:solidFill>
+          </a:ln>
+        </p:spPr>
+        <p:style>
+          <a:lnRef idx="1">
+            <a:schemeClr val="accent1"/>
+          </a:lnRef>
+          <a:fillRef idx="0">
+            <a:schemeClr val="accent1"/>
+          </a:fillRef>
+          <a:effectRef idx="0">
+            <a:schemeClr val="accent1"/>
+          </a:effectRef>
+          <a:fontRef idx="minor">
+            <a:schemeClr val="tx1"/>
+          </a:fontRef>
+        </p:style>
+      </p:cxnSp>
+      <p:pic>
+        <p:nvPicPr>
+          <p:cNvPr id="8" name="그림 7" descr="C:\Users\user\Downloads\logo-02.png"/>
+          <p:cNvPicPr/>
+          <p:nvPr/>
+        </p:nvPicPr>
+        <p:blipFill>
+          <a:blip r:embed="rId2" cstate="print">
+            <a:extLst>
+              <a:ext uri="{28A0092B-C50C-407E-A947-70E740481C1C}">
+                <a14:useLocalDpi xmlns:a14="http://schemas.microsoft.com/office/drawing/2010/main" val="0"/>
+              </a:ext>
+            </a:extLst>
+          </a:blip>
+          <a:srcRect/>
+          <a:stretch>
+            <a:fillRect/>
+          </a:stretch>
+        </p:blipFill>
+        <p:spPr bwMode="auto">
+          <a:xfrm>
+            <a:off x="8450062" y="2799278"/>
+            <a:ext cx="2216522" cy="332959"/>
+          </a:xfrm>
+          <a:prstGeom prst="rect">
+            <a:avLst/>
+          </a:prstGeom>
+          <a:noFill/>
+          <a:ln>
+            <a:noFill/>
+          </a:ln>
+        </p:spPr>
+      </p:pic>
+    </p:spTree>
+    <p:extLst>
+      <p:ext uri="{BB962C8B-B14F-4D97-AF65-F5344CB8AC3E}">
+        <p14:creationId xmlns:p14="http://schemas.microsoft.com/office/powerpoint/2010/main" val="3523919720"/>
       </p:ext>
     </p:extLst>
   </p:cSld>
@@ -5348,13 +10324,13 @@
         </p:nvSpPr>
         <p:spPr>
           <a:xfrm>
-            <a:off x="608016" y="551987"/>
+            <a:off x="608010" y="395933"/>
             <a:ext cx="10944225" cy="1140090"/>
           </a:xfrm>
         </p:spPr>
         <p:txBody>
           <a:bodyPr>
-            <a:normAutofit fontScale="90000"/>
+            <a:normAutofit/>
           </a:bodyPr>
           <a:lstStyle/>
           <a:p>
@@ -5370,7 +10346,7 @@
                 <a:latin typeface="Noto Sans CJK KR Black" pitchFamily="34" charset="-127"/>
                 <a:ea typeface="Noto Sans CJK KR Black" pitchFamily="34" charset="-127"/>
               </a:rPr>
-              <a:t>2. </a:t>
+              <a:t>4. </a:t>
             </a:r>
             <a:r>
               <a:rPr lang="ko-KR" altLang="en-US" sz="4400" dirty="0">
@@ -5383,32 +10359,7 @@
                 <a:latin typeface="Noto Sans CJK KR Black" pitchFamily="34" charset="-127"/>
                 <a:ea typeface="Noto Sans CJK KR Black" pitchFamily="34" charset="-127"/>
               </a:rPr>
-              <a:t>시계열</a:t>
-            </a:r>
-            <a:br>
-              <a:rPr lang="en-US" altLang="ko-KR" sz="4400" dirty="0">
-                <a:solidFill>
-                  <a:schemeClr val="tx1">
-                    <a:lumMod val="75000"/>
-                    <a:lumOff val="25000"/>
-                  </a:schemeClr>
-                </a:solidFill>
-                <a:latin typeface="Noto Sans CJK KR Black" pitchFamily="34" charset="-127"/>
-                <a:ea typeface="Noto Sans CJK KR Black" pitchFamily="34" charset="-127"/>
-              </a:rPr>
-            </a:br>
-            <a:r>
-              <a:rPr lang="ko-KR" altLang="en-US" sz="4400" dirty="0">
-                <a:solidFill>
-                  <a:schemeClr val="tx1">
-                    <a:lumMod val="75000"/>
-                    <a:lumOff val="25000"/>
-                  </a:schemeClr>
-                </a:solidFill>
-                <a:latin typeface="Noto Sans CJK KR Black" pitchFamily="34" charset="-127"/>
-                <a:ea typeface="Noto Sans CJK KR Black" pitchFamily="34" charset="-127"/>
-              </a:rPr>
-              <a:t>알고리즘</a:t>
+              <a:t>시계열 분석</a:t>
             </a:r>
             <a:endParaRPr lang="ko-KR" altLang="en-US" sz="4400" dirty="0">
               <a:solidFill>
@@ -5447,10 +10398,10 @@
       </p:sp>
       <p:pic>
         <p:nvPicPr>
-          <p:cNvPr id="2" name="그림 1">
+          <p:cNvPr id="4" name="그림 3">
             <a:extLst>
               <a:ext uri="{FF2B5EF4-FFF2-40B4-BE49-F238E27FC236}">
-                <a16:creationId xmlns:a16="http://schemas.microsoft.com/office/drawing/2014/main" id="{8379097C-122C-464E-BF14-13DEA04D17AD}"/>
+                <a16:creationId xmlns:a16="http://schemas.microsoft.com/office/drawing/2014/main" id="{1A92F210-FACF-45B5-9C7D-A87B658874A0}"/>
               </a:ext>
             </a:extLst>
           </p:cNvPr>
@@ -5467,8 +10418,8 @@
         </p:blipFill>
         <p:spPr>
           <a:xfrm>
-            <a:off x="3127797" y="0"/>
-            <a:ext cx="8663502" cy="6840538"/>
+            <a:off x="1441447" y="1458924"/>
+            <a:ext cx="9277350" cy="5362575"/>
           </a:xfrm>
           <a:prstGeom prst="rect">
             <a:avLst/>
@@ -5478,7 +10429,7 @@
     </p:spTree>
     <p:extLst>
       <p:ext uri="{BB962C8B-B14F-4D97-AF65-F5344CB8AC3E}">
-        <p14:creationId xmlns:p14="http://schemas.microsoft.com/office/powerpoint/2010/main" val="3819264211"/>
+        <p14:creationId xmlns:p14="http://schemas.microsoft.com/office/powerpoint/2010/main" val="3857964066"/>
       </p:ext>
     </p:extLst>
   </p:cSld>
@@ -5517,7 +10468,7 @@
         </p:nvSpPr>
         <p:spPr>
           <a:xfrm>
-            <a:off x="608016" y="551987"/>
+            <a:off x="608012" y="539949"/>
             <a:ext cx="10944225" cy="1140090"/>
           </a:xfrm>
         </p:spPr>
@@ -5539,7 +10490,7 @@
                 <a:latin typeface="Noto Sans CJK KR Black" pitchFamily="34" charset="-127"/>
                 <a:ea typeface="Noto Sans CJK KR Black" pitchFamily="34" charset="-127"/>
               </a:rPr>
-              <a:t>2. </a:t>
+              <a:t>4. </a:t>
             </a:r>
             <a:r>
               <a:rPr lang="ko-KR" altLang="en-US" sz="4400" dirty="0">
@@ -5552,7 +10503,7 @@
                 <a:latin typeface="Noto Sans CJK KR Black" pitchFamily="34" charset="-127"/>
                 <a:ea typeface="Noto Sans CJK KR Black" pitchFamily="34" charset="-127"/>
               </a:rPr>
-              <a:t>시계열 알고리즘</a:t>
+              <a:t>시계열 분석</a:t>
             </a:r>
             <a:endParaRPr lang="ko-KR" altLang="en-US" sz="4400" dirty="0">
               <a:solidFill>
@@ -5591,10 +10542,10 @@
       </p:sp>
       <p:pic>
         <p:nvPicPr>
-          <p:cNvPr id="4" name="그림 3">
+          <p:cNvPr id="2" name="그림 1">
             <a:extLst>
               <a:ext uri="{FF2B5EF4-FFF2-40B4-BE49-F238E27FC236}">
-                <a16:creationId xmlns:a16="http://schemas.microsoft.com/office/drawing/2014/main" id="{2EBEA68D-CEFA-4C23-B468-3D100608FC46}"/>
+                <a16:creationId xmlns:a16="http://schemas.microsoft.com/office/drawing/2014/main" id="{B605E817-ECAD-4344-80D5-C72CE1FE7CCD}"/>
               </a:ext>
             </a:extLst>
           </p:cNvPr>
@@ -5611,8 +10562,8 @@
         </p:blipFill>
         <p:spPr>
           <a:xfrm>
-            <a:off x="2246312" y="1515970"/>
-            <a:ext cx="7667625" cy="5038725"/>
+            <a:off x="2746374" y="1629148"/>
+            <a:ext cx="6667500" cy="4743450"/>
           </a:xfrm>
           <a:prstGeom prst="rect">
             <a:avLst/>
@@ -5622,7 +10573,7 @@
     </p:spTree>
     <p:extLst>
       <p:ext uri="{BB962C8B-B14F-4D97-AF65-F5344CB8AC3E}">
-        <p14:creationId xmlns:p14="http://schemas.microsoft.com/office/powerpoint/2010/main" val="484783374"/>
+        <p14:creationId xmlns:p14="http://schemas.microsoft.com/office/powerpoint/2010/main" val="2986549760"/>
       </p:ext>
     </p:extLst>
   </p:cSld>
@@ -5661,7 +10612,7 @@
         </p:nvSpPr>
         <p:spPr>
           <a:xfrm>
-            <a:off x="608016" y="551987"/>
+            <a:off x="608012" y="539949"/>
             <a:ext cx="10944225" cy="1140090"/>
           </a:xfrm>
         </p:spPr>
@@ -5683,7 +10634,7 @@
                 <a:latin typeface="Noto Sans CJK KR Black" pitchFamily="34" charset="-127"/>
                 <a:ea typeface="Noto Sans CJK KR Black" pitchFamily="34" charset="-127"/>
               </a:rPr>
-              <a:t>2. </a:t>
+              <a:t>4. </a:t>
             </a:r>
             <a:r>
               <a:rPr lang="ko-KR" altLang="en-US" sz="4400" dirty="0">
@@ -5696,7 +10647,7 @@
                 <a:latin typeface="Noto Sans CJK KR Black" pitchFamily="34" charset="-127"/>
                 <a:ea typeface="Noto Sans CJK KR Black" pitchFamily="34" charset="-127"/>
               </a:rPr>
-              <a:t>시계열 알고리즘</a:t>
+              <a:t>시계열 분석</a:t>
             </a:r>
             <a:endParaRPr lang="ko-KR" altLang="en-US" sz="4400" dirty="0">
               <a:solidFill>
@@ -5735,10 +10686,10 @@
       </p:sp>
       <p:pic>
         <p:nvPicPr>
-          <p:cNvPr id="4" name="그림 3">
+          <p:cNvPr id="2" name="그림 1">
             <a:extLst>
               <a:ext uri="{FF2B5EF4-FFF2-40B4-BE49-F238E27FC236}">
-                <a16:creationId xmlns:a16="http://schemas.microsoft.com/office/drawing/2014/main" id="{519F4AA2-D2F5-4BCB-89F7-9BC6E0656247}"/>
+                <a16:creationId xmlns:a16="http://schemas.microsoft.com/office/drawing/2014/main" id="{7207B6E8-FA76-4A7D-A9D7-D3FA6DB16D74}"/>
               </a:ext>
             </a:extLst>
           </p:cNvPr>
@@ -5755,8 +10706,8 @@
         </p:blipFill>
         <p:spPr>
           <a:xfrm>
-            <a:off x="2132012" y="1933948"/>
-            <a:ext cx="7896225" cy="4438650"/>
+            <a:off x="4402306" y="486525"/>
+            <a:ext cx="7629525" cy="6048375"/>
           </a:xfrm>
           <a:prstGeom prst="rect">
             <a:avLst/>
@@ -5766,7 +10717,7 @@
     </p:spTree>
     <p:extLst>
       <p:ext uri="{BB962C8B-B14F-4D97-AF65-F5344CB8AC3E}">
-        <p14:creationId xmlns:p14="http://schemas.microsoft.com/office/powerpoint/2010/main" val="2123762484"/>
+        <p14:creationId xmlns:p14="http://schemas.microsoft.com/office/powerpoint/2010/main" val="179954901"/>
       </p:ext>
     </p:extLst>
   </p:cSld>
@@ -5805,7 +10756,7 @@
         </p:nvSpPr>
         <p:spPr>
           <a:xfrm>
-            <a:off x="608016" y="551987"/>
+            <a:off x="608012" y="539949"/>
             <a:ext cx="10944225" cy="1140090"/>
           </a:xfrm>
         </p:spPr>
@@ -5827,7 +10778,7 @@
                 <a:latin typeface="Noto Sans CJK KR Black" pitchFamily="34" charset="-127"/>
                 <a:ea typeface="Noto Sans CJK KR Black" pitchFamily="34" charset="-127"/>
               </a:rPr>
-              <a:t>2. </a:t>
+              <a:t>4. </a:t>
             </a:r>
             <a:r>
               <a:rPr lang="ko-KR" altLang="en-US" sz="4400" dirty="0">
@@ -5840,7 +10791,7 @@
                 <a:latin typeface="Noto Sans CJK KR Black" pitchFamily="34" charset="-127"/>
                 <a:ea typeface="Noto Sans CJK KR Black" pitchFamily="34" charset="-127"/>
               </a:rPr>
-              <a:t>시계열 알고리즘</a:t>
+              <a:t>시계열 분석</a:t>
             </a:r>
             <a:endParaRPr lang="ko-KR" altLang="en-US" sz="4400" dirty="0">
               <a:solidFill>
@@ -5879,10 +10830,10 @@
       </p:sp>
       <p:pic>
         <p:nvPicPr>
-          <p:cNvPr id="4" name="그림 3">
+          <p:cNvPr id="2" name="그림 1">
             <a:extLst>
               <a:ext uri="{FF2B5EF4-FFF2-40B4-BE49-F238E27FC236}">
-                <a16:creationId xmlns:a16="http://schemas.microsoft.com/office/drawing/2014/main" id="{F83F0543-E70D-4E3F-87EB-43976F79EC05}"/>
+                <a16:creationId xmlns:a16="http://schemas.microsoft.com/office/drawing/2014/main" id="{30EFB1B7-2108-47D2-828B-DF347D7D2C41}"/>
               </a:ext>
             </a:extLst>
           </p:cNvPr>
@@ -5899,8 +10850,8 @@
         </p:blipFill>
         <p:spPr>
           <a:xfrm>
-            <a:off x="2074862" y="1567918"/>
-            <a:ext cx="8010525" cy="5172075"/>
+            <a:off x="2017711" y="1373188"/>
+            <a:ext cx="8124825" cy="5467350"/>
           </a:xfrm>
           <a:prstGeom prst="rect">
             <a:avLst/>
@@ -5910,7 +10861,7 @@
     </p:spTree>
     <p:extLst>
       <p:ext uri="{BB962C8B-B14F-4D97-AF65-F5344CB8AC3E}">
-        <p14:creationId xmlns:p14="http://schemas.microsoft.com/office/powerpoint/2010/main" val="3174824813"/>
+        <p14:creationId xmlns:p14="http://schemas.microsoft.com/office/powerpoint/2010/main" val="2490872025"/>
       </p:ext>
     </p:extLst>
   </p:cSld>
@@ -5949,7 +10900,7 @@
         </p:nvSpPr>
         <p:spPr>
           <a:xfrm>
-            <a:off x="608016" y="551987"/>
+            <a:off x="608012" y="539949"/>
             <a:ext cx="10944225" cy="1140090"/>
           </a:xfrm>
         </p:spPr>
@@ -5971,7 +10922,7 @@
                 <a:latin typeface="Noto Sans CJK KR Black" pitchFamily="34" charset="-127"/>
                 <a:ea typeface="Noto Sans CJK KR Black" pitchFamily="34" charset="-127"/>
               </a:rPr>
-              <a:t>2. </a:t>
+              <a:t>4. </a:t>
             </a:r>
             <a:r>
               <a:rPr lang="ko-KR" altLang="en-US" sz="4400" dirty="0">
@@ -5984,7 +10935,7 @@
                 <a:latin typeface="Noto Sans CJK KR Black" pitchFamily="34" charset="-127"/>
                 <a:ea typeface="Noto Sans CJK KR Black" pitchFamily="34" charset="-127"/>
               </a:rPr>
-              <a:t>시계열 알고리즘</a:t>
+              <a:t>시계열 분석</a:t>
             </a:r>
             <a:endParaRPr lang="ko-KR" altLang="en-US" sz="4400" dirty="0">
               <a:solidFill>
@@ -6026,7 +10977,7 @@
           <p:cNvPr id="2" name="그림 1">
             <a:extLst>
               <a:ext uri="{FF2B5EF4-FFF2-40B4-BE49-F238E27FC236}">
-                <a16:creationId xmlns:a16="http://schemas.microsoft.com/office/drawing/2014/main" id="{F6607186-3804-4000-B3E4-3FFB59FEB420}"/>
+                <a16:creationId xmlns:a16="http://schemas.microsoft.com/office/drawing/2014/main" id="{548C5F2A-096D-4BE2-A2A3-B822D8648C33}"/>
               </a:ext>
             </a:extLst>
           </p:cNvPr>
@@ -6043,8 +10994,8 @@
         </p:blipFill>
         <p:spPr>
           <a:xfrm>
-            <a:off x="1936750" y="2313168"/>
-            <a:ext cx="8286750" cy="3419475"/>
+            <a:off x="3270250" y="2248694"/>
+            <a:ext cx="5619750" cy="2343150"/>
           </a:xfrm>
           <a:prstGeom prst="rect">
             <a:avLst/>
@@ -6054,7 +11005,7 @@
     </p:spTree>
     <p:extLst>
       <p:ext uri="{BB962C8B-B14F-4D97-AF65-F5344CB8AC3E}">
-        <p14:creationId xmlns:p14="http://schemas.microsoft.com/office/powerpoint/2010/main" val="1443725896"/>
+        <p14:creationId xmlns:p14="http://schemas.microsoft.com/office/powerpoint/2010/main" val="1312900209"/>
       </p:ext>
     </p:extLst>
   </p:cSld>
